--- a/Big_Mountain_Resort_Pricing_Strategy.pptx
+++ b/Big_Mountain_Resort_Pricing_Strategy.pptx
@@ -1,44 +1,44 @@
 
 <file path=ppt/presentation.xml><?xml version="1.0" encoding="utf-8"?>
-<p:presentation xmlns:a="http://schemas.openxmlformats.org/drawingml/2006/main" xmlns:r="http://schemas.openxmlformats.org/officeDocument/2006/relationships" xmlns:mc="http://schemas.openxmlformats.org/markup-compatibility/2006" xmlns:mv="urn:schemas-microsoft-com:mac:vml" xmlns:p="http://schemas.openxmlformats.org/presentationml/2006/main" xmlns:c="http://schemas.openxmlformats.org/drawingml/2006/chart" xmlns:dgm="http://schemas.openxmlformats.org/drawingml/2006/diagram" xmlns:o="urn:schemas-microsoft-com:office:office" xmlns:v="urn:schemas-microsoft-com:vml" xmlns:pvml="urn:schemas-microsoft-com:office:powerpoint" xmlns:com="http://schemas.openxmlformats.org/drawingml/2006/compatibility" xmlns:p14="http://schemas.microsoft.com/office/powerpoint/2010/main" xmlns:p15="http://schemas.microsoft.com/office/powerpoint/2012/main" xmlns:ahyp="http://schemas.microsoft.com/office/drawing/2018/hyperlinkcolor" autoCompressPictures="0" embedTrueTypeFonts="1" strictFirstAndLastChars="0" saveSubsetFonts="1">
+<p:presentation xmlns:a="http://schemas.openxmlformats.org/drawingml/2006/main" xmlns:r="http://schemas.openxmlformats.org/officeDocument/2006/relationships" xmlns:p="http://schemas.openxmlformats.org/presentationml/2006/main" strictFirstAndLastChars="0" embedTrueTypeFonts="1" saveSubsetFonts="1" autoCompressPictures="0">
   <p:sldMasterIdLst>
-    <p:sldMasterId id="2147483659" r:id="rId4"/>
+    <p:sldMasterId id="2147483659" r:id="rId1"/>
   </p:sldMasterIdLst>
   <p:notesMasterIdLst>
-    <p:notesMasterId r:id="rId5"/>
+    <p:notesMasterId r:id="rId12"/>
   </p:notesMasterIdLst>
   <p:sldIdLst>
-    <p:sldId id="256" r:id="rId6"/>
-    <p:sldId id="257" r:id="rId7"/>
-    <p:sldId id="258" r:id="rId8"/>
-    <p:sldId id="259" r:id="rId9"/>
-    <p:sldId id="260" r:id="rId10"/>
-    <p:sldId id="261" r:id="rId11"/>
-    <p:sldId id="262" r:id="rId12"/>
-    <p:sldId id="263" r:id="rId13"/>
-    <p:sldId id="264" r:id="rId14"/>
-    <p:sldId id="265" r:id="rId15"/>
+    <p:sldId id="256" r:id="rId2"/>
+    <p:sldId id="257" r:id="rId3"/>
+    <p:sldId id="258" r:id="rId4"/>
+    <p:sldId id="259" r:id="rId5"/>
+    <p:sldId id="260" r:id="rId6"/>
+    <p:sldId id="261" r:id="rId7"/>
+    <p:sldId id="262" r:id="rId8"/>
+    <p:sldId id="263" r:id="rId9"/>
+    <p:sldId id="264" r:id="rId10"/>
+    <p:sldId id="265" r:id="rId11"/>
   </p:sldIdLst>
-  <p:sldSz cy="5143500" cx="9144000"/>
+  <p:sldSz cx="9144000" cy="5143500" type="screen16x9"/>
   <p:notesSz cx="6858000" cy="9144000"/>
   <p:embeddedFontLst>
     <p:embeddedFont>
-      <p:font typeface="Playfair Display"/>
-      <p:regular r:id="rId16"/>
-      <p:bold r:id="rId17"/>
-      <p:italic r:id="rId18"/>
-      <p:boldItalic r:id="rId19"/>
+      <p:font typeface="Lato" panose="020F0502020204030203" pitchFamily="34" charset="0"/>
+      <p:regular r:id="rId13"/>
+      <p:bold r:id="rId14"/>
+      <p:italic r:id="rId15"/>
+      <p:boldItalic r:id="rId16"/>
     </p:embeddedFont>
     <p:embeddedFont>
-      <p:font typeface="Lato"/>
-      <p:regular r:id="rId20"/>
-      <p:bold r:id="rId21"/>
-      <p:italic r:id="rId22"/>
-      <p:boldItalic r:id="rId23"/>
+      <p:font typeface="Playfair Display" panose="020B0604020202020204" pitchFamily="2" charset="0"/>
+      <p:regular r:id="rId17"/>
+      <p:bold r:id="rId18"/>
+      <p:italic r:id="rId19"/>
+      <p:boldItalic r:id="rId20"/>
     </p:embeddedFont>
   </p:embeddedFontLst>
   <p:defaultTextStyle>
-    <a:defPPr lvl="0" marR="0" rtl="0" algn="l">
+    <a:defPPr marR="0" lvl="0" algn="l" rtl="0">
       <a:lnSpc>
         <a:spcPct val="100000"/>
       </a:lnSpc>
@@ -49,7 +49,7 @@
         <a:spcPts val="0"/>
       </a:spcAft>
     </a:defPPr>
-    <a:lvl1pPr lvl="0" marR="0" rtl="0" algn="l">
+    <a:lvl1pPr marR="0" lvl="0" algn="l" rtl="0">
       <a:lnSpc>
         <a:spcPct val="100000"/>
       </a:lnSpc>
@@ -63,7 +63,7 @@
         <a:srgbClr val="000000"/>
       </a:buClr>
       <a:buFont typeface="Arial"/>
-      <a:defRPr b="0" i="0" sz="1400" u="none" cap="none" strike="noStrike">
+      <a:defRPr sz="1400" b="0" i="0" u="none" strike="noStrike" cap="none">
         <a:solidFill>
           <a:srgbClr val="000000"/>
         </a:solidFill>
@@ -73,7 +73,7 @@
         <a:sym typeface="Arial"/>
       </a:defRPr>
     </a:lvl1pPr>
-    <a:lvl2pPr lvl="1" marR="0" rtl="0" algn="l">
+    <a:lvl2pPr marR="0" lvl="1" algn="l" rtl="0">
       <a:lnSpc>
         <a:spcPct val="100000"/>
       </a:lnSpc>
@@ -87,7 +87,7 @@
         <a:srgbClr val="000000"/>
       </a:buClr>
       <a:buFont typeface="Arial"/>
-      <a:defRPr b="0" i="0" sz="1400" u="none" cap="none" strike="noStrike">
+      <a:defRPr sz="1400" b="0" i="0" u="none" strike="noStrike" cap="none">
         <a:solidFill>
           <a:srgbClr val="000000"/>
         </a:solidFill>
@@ -97,7 +97,7 @@
         <a:sym typeface="Arial"/>
       </a:defRPr>
     </a:lvl2pPr>
-    <a:lvl3pPr lvl="2" marR="0" rtl="0" algn="l">
+    <a:lvl3pPr marR="0" lvl="2" algn="l" rtl="0">
       <a:lnSpc>
         <a:spcPct val="100000"/>
       </a:lnSpc>
@@ -111,7 +111,7 @@
         <a:srgbClr val="000000"/>
       </a:buClr>
       <a:buFont typeface="Arial"/>
-      <a:defRPr b="0" i="0" sz="1400" u="none" cap="none" strike="noStrike">
+      <a:defRPr sz="1400" b="0" i="0" u="none" strike="noStrike" cap="none">
         <a:solidFill>
           <a:srgbClr val="000000"/>
         </a:solidFill>
@@ -121,7 +121,7 @@
         <a:sym typeface="Arial"/>
       </a:defRPr>
     </a:lvl3pPr>
-    <a:lvl4pPr lvl="3" marR="0" rtl="0" algn="l">
+    <a:lvl4pPr marR="0" lvl="3" algn="l" rtl="0">
       <a:lnSpc>
         <a:spcPct val="100000"/>
       </a:lnSpc>
@@ -135,7 +135,7 @@
         <a:srgbClr val="000000"/>
       </a:buClr>
       <a:buFont typeface="Arial"/>
-      <a:defRPr b="0" i="0" sz="1400" u="none" cap="none" strike="noStrike">
+      <a:defRPr sz="1400" b="0" i="0" u="none" strike="noStrike" cap="none">
         <a:solidFill>
           <a:srgbClr val="000000"/>
         </a:solidFill>
@@ -145,7 +145,7 @@
         <a:sym typeface="Arial"/>
       </a:defRPr>
     </a:lvl4pPr>
-    <a:lvl5pPr lvl="4" marR="0" rtl="0" algn="l">
+    <a:lvl5pPr marR="0" lvl="4" algn="l" rtl="0">
       <a:lnSpc>
         <a:spcPct val="100000"/>
       </a:lnSpc>
@@ -159,7 +159,7 @@
         <a:srgbClr val="000000"/>
       </a:buClr>
       <a:buFont typeface="Arial"/>
-      <a:defRPr b="0" i="0" sz="1400" u="none" cap="none" strike="noStrike">
+      <a:defRPr sz="1400" b="0" i="0" u="none" strike="noStrike" cap="none">
         <a:solidFill>
           <a:srgbClr val="000000"/>
         </a:solidFill>
@@ -169,7 +169,7 @@
         <a:sym typeface="Arial"/>
       </a:defRPr>
     </a:lvl5pPr>
-    <a:lvl6pPr lvl="5" marR="0" rtl="0" algn="l">
+    <a:lvl6pPr marR="0" lvl="5" algn="l" rtl="0">
       <a:lnSpc>
         <a:spcPct val="100000"/>
       </a:lnSpc>
@@ -183,7 +183,7 @@
         <a:srgbClr val="000000"/>
       </a:buClr>
       <a:buFont typeface="Arial"/>
-      <a:defRPr b="0" i="0" sz="1400" u="none" cap="none" strike="noStrike">
+      <a:defRPr sz="1400" b="0" i="0" u="none" strike="noStrike" cap="none">
         <a:solidFill>
           <a:srgbClr val="000000"/>
         </a:solidFill>
@@ -193,7 +193,7 @@
         <a:sym typeface="Arial"/>
       </a:defRPr>
     </a:lvl6pPr>
-    <a:lvl7pPr lvl="6" marR="0" rtl="0" algn="l">
+    <a:lvl7pPr marR="0" lvl="6" algn="l" rtl="0">
       <a:lnSpc>
         <a:spcPct val="100000"/>
       </a:lnSpc>
@@ -207,7 +207,7 @@
         <a:srgbClr val="000000"/>
       </a:buClr>
       <a:buFont typeface="Arial"/>
-      <a:defRPr b="0" i="0" sz="1400" u="none" cap="none" strike="noStrike">
+      <a:defRPr sz="1400" b="0" i="0" u="none" strike="noStrike" cap="none">
         <a:solidFill>
           <a:srgbClr val="000000"/>
         </a:solidFill>
@@ -217,7 +217,7 @@
         <a:sym typeface="Arial"/>
       </a:defRPr>
     </a:lvl7pPr>
-    <a:lvl8pPr lvl="7" marR="0" rtl="0" algn="l">
+    <a:lvl8pPr marR="0" lvl="7" algn="l" rtl="0">
       <a:lnSpc>
         <a:spcPct val="100000"/>
       </a:lnSpc>
@@ -231,7 +231,7 @@
         <a:srgbClr val="000000"/>
       </a:buClr>
       <a:buFont typeface="Arial"/>
-      <a:defRPr b="0" i="0" sz="1400" u="none" cap="none" strike="noStrike">
+      <a:defRPr sz="1400" b="0" i="0" u="none" strike="noStrike" cap="none">
         <a:solidFill>
           <a:srgbClr val="000000"/>
         </a:solidFill>
@@ -241,7 +241,7 @@
         <a:sym typeface="Arial"/>
       </a:defRPr>
     </a:lvl8pPr>
-    <a:lvl9pPr lvl="8" marR="0" rtl="0" algn="l">
+    <a:lvl9pPr marR="0" lvl="8" algn="l" rtl="0">
       <a:lnSpc>
         <a:spcPct val="100000"/>
       </a:lnSpc>
@@ -255,7 +255,7 @@
         <a:srgbClr val="000000"/>
       </a:buClr>
       <a:buFont typeface="Arial"/>
-      <a:defRPr b="0" i="0" sz="1400" u="none" cap="none" strike="noStrike">
+      <a:defRPr sz="1400" b="0" i="0" u="none" strike="noStrike" cap="none">
         <a:solidFill>
           <a:srgbClr val="000000"/>
         </a:solidFill>
@@ -268,7 +268,7 @@
   </p:defaultTextStyle>
   <p:extLst>
     <p:ext uri="{EFAFB233-063F-42B5-8137-9DF3F51BA10A}">
-      <p15:sldGuideLst>
+      <p15:sldGuideLst xmlns:p15="http://schemas.microsoft.com/office/powerpoint/2012/main">
         <p15:guide id="1" orient="horz" pos="1620">
           <p15:clr>
             <a:srgbClr val="A4A3A4"/>
@@ -286,11 +286,16 @@
 </file>
 
 <file path=ppt/notesMasters/notesMaster1.xml><?xml version="1.0" encoding="utf-8"?>
-<p:notesMaster xmlns:a="http://schemas.openxmlformats.org/drawingml/2006/main" xmlns:r="http://schemas.openxmlformats.org/officeDocument/2006/relationships" xmlns:mc="http://schemas.openxmlformats.org/markup-compatibility/2006" xmlns:mv="urn:schemas-microsoft-com:mac:vml" xmlns:p="http://schemas.openxmlformats.org/presentationml/2006/main" xmlns:c="http://schemas.openxmlformats.org/drawingml/2006/chart" xmlns:dgm="http://schemas.openxmlformats.org/drawingml/2006/diagram" xmlns:o="urn:schemas-microsoft-com:office:office" xmlns:v="urn:schemas-microsoft-com:vml" xmlns:pvml="urn:schemas-microsoft-com:office:powerpoint" xmlns:com="http://schemas.openxmlformats.org/drawingml/2006/compatibility" xmlns:p14="http://schemas.microsoft.com/office/powerpoint/2010/main" xmlns:p15="http://schemas.microsoft.com/office/powerpoint/2012/main" xmlns:ahyp="http://schemas.microsoft.com/office/drawing/2018/hyperlinkcolor">
+<p:notesMaster xmlns:a="http://schemas.openxmlformats.org/drawingml/2006/main" xmlns:r="http://schemas.openxmlformats.org/officeDocument/2006/relationships" xmlns:p="http://schemas.openxmlformats.org/presentationml/2006/main">
   <p:cSld>
+    <p:bg>
+      <p:bgRef idx="1001">
+        <a:schemeClr val="bg1"/>
+      </p:bgRef>
+    </p:bg>
     <p:spTree>
       <p:nvGrpSpPr>
-        <p:cNvPr id="2" name="Shape 2"/>
+        <p:cNvPr id="1" name="Shape 2"/>
         <p:cNvGrpSpPr/>
         <p:nvPr/>
       </p:nvGrpSpPr>
@@ -305,9 +310,11 @@
       <p:sp>
         <p:nvSpPr>
           <p:cNvPr id="3" name="Google Shape;3;n"/>
-          <p:cNvSpPr/>
+          <p:cNvSpPr>
+            <a:spLocks noGrp="1" noRot="1" noChangeAspect="1"/>
+          </p:cNvSpPr>
           <p:nvPr>
-            <p:ph idx="2" type="sldImg"/>
+            <p:ph type="sldImg" idx="2"/>
           </p:nvPr>
         </p:nvSpPr>
         <p:spPr>
@@ -316,9 +323,13 @@
             <a:ext cx="6096075" cy="3429000"/>
           </a:xfrm>
           <a:custGeom>
-            <a:rect b="b" l="l" r="r" t="t"/>
+            <a:avLst/>
+            <a:gdLst/>
+            <a:ahLst/>
+            <a:cxnLst/>
+            <a:rect l="l" t="t" r="r" b="b"/>
             <a:pathLst>
-              <a:path extrusionOk="0" h="120000" w="120000">
+              <a:path w="120000" h="120000" extrusionOk="0">
                 <a:moveTo>
                   <a:pt x="0" y="0"/>
                 </a:moveTo>
@@ -336,23 +347,25 @@
             </a:pathLst>
           </a:custGeom>
           <a:noFill/>
-          <a:ln cap="flat" cmpd="sng" w="9525">
+          <a:ln w="9525" cap="flat" cmpd="sng">
             <a:solidFill>
               <a:srgbClr val="000000"/>
             </a:solidFill>
             <a:prstDash val="solid"/>
             <a:round/>
-            <a:headEnd len="sm" w="sm" type="none"/>
-            <a:tailEnd len="sm" w="sm" type="none"/>
+            <a:headEnd type="none" w="sm" len="sm"/>
+            <a:tailEnd type="none" w="sm" len="sm"/>
           </a:ln>
         </p:spPr>
       </p:sp>
       <p:sp>
         <p:nvSpPr>
           <p:cNvPr id="4" name="Google Shape;4;n"/>
-          <p:cNvSpPr txBox="1"/>
+          <p:cNvSpPr txBox="1">
+            <a:spLocks noGrp="1"/>
+          </p:cNvSpPr>
           <p:nvPr>
-            <p:ph idx="1" type="body"/>
+            <p:ph type="body" idx="1"/>
           </p:nvPr>
         </p:nvSpPr>
         <p:spPr>
@@ -369,11 +382,11 @@
           </a:ln>
         </p:spPr>
         <p:txBody>
-          <a:bodyPr anchorCtr="0" anchor="t" bIns="91425" lIns="91425" spcFirstLastPara="1" rIns="91425" wrap="square" tIns="91425">
+          <a:bodyPr spcFirstLastPara="1" wrap="square" lIns="91425" tIns="91425" rIns="91425" bIns="91425" anchor="t" anchorCtr="0">
             <a:noAutofit/>
           </a:bodyPr>
           <a:lstStyle>
-            <a:lvl1pPr indent="-298450" lvl="0" marL="457200">
+            <a:lvl1pPr marL="457200" lvl="0" indent="-298450">
               <a:spcBef>
                 <a:spcPts val="0"/>
               </a:spcBef>
@@ -384,7 +397,7 @@
               <a:buChar char="●"/>
               <a:defRPr sz="1100"/>
             </a:lvl1pPr>
-            <a:lvl2pPr indent="-298450" lvl="1" marL="914400">
+            <a:lvl2pPr marL="914400" lvl="1" indent="-298450">
               <a:spcBef>
                 <a:spcPts val="0"/>
               </a:spcBef>
@@ -395,7 +408,7 @@
               <a:buChar char="○"/>
               <a:defRPr sz="1100"/>
             </a:lvl2pPr>
-            <a:lvl3pPr indent="-298450" lvl="2" marL="1371600">
+            <a:lvl3pPr marL="1371600" lvl="2" indent="-298450">
               <a:spcBef>
                 <a:spcPts val="0"/>
               </a:spcBef>
@@ -406,7 +419,7 @@
               <a:buChar char="■"/>
               <a:defRPr sz="1100"/>
             </a:lvl3pPr>
-            <a:lvl4pPr indent="-298450" lvl="3" marL="1828800">
+            <a:lvl4pPr marL="1828800" lvl="3" indent="-298450">
               <a:spcBef>
                 <a:spcPts val="0"/>
               </a:spcBef>
@@ -417,7 +430,7 @@
               <a:buChar char="●"/>
               <a:defRPr sz="1100"/>
             </a:lvl4pPr>
-            <a:lvl5pPr indent="-298450" lvl="4" marL="2286000">
+            <a:lvl5pPr marL="2286000" lvl="4" indent="-298450">
               <a:spcBef>
                 <a:spcPts val="0"/>
               </a:spcBef>
@@ -428,7 +441,7 @@
               <a:buChar char="○"/>
               <a:defRPr sz="1100"/>
             </a:lvl5pPr>
-            <a:lvl6pPr indent="-298450" lvl="5" marL="2743200">
+            <a:lvl6pPr marL="2743200" lvl="5" indent="-298450">
               <a:spcBef>
                 <a:spcPts val="0"/>
               </a:spcBef>
@@ -439,7 +452,7 @@
               <a:buChar char="■"/>
               <a:defRPr sz="1100"/>
             </a:lvl6pPr>
-            <a:lvl7pPr indent="-298450" lvl="6" marL="3200400">
+            <a:lvl7pPr marL="3200400" lvl="6" indent="-298450">
               <a:spcBef>
                 <a:spcPts val="0"/>
               </a:spcBef>
@@ -450,7 +463,7 @@
               <a:buChar char="●"/>
               <a:defRPr sz="1100"/>
             </a:lvl7pPr>
-            <a:lvl8pPr indent="-298450" lvl="7" marL="3657600">
+            <a:lvl8pPr marL="3657600" lvl="7" indent="-298450">
               <a:spcBef>
                 <a:spcPts val="0"/>
               </a:spcBef>
@@ -461,7 +474,7 @@
               <a:buChar char="○"/>
               <a:defRPr sz="1100"/>
             </a:lvl8pPr>
-            <a:lvl9pPr indent="-298450" lvl="8" marL="4114800">
+            <a:lvl9pPr marL="4114800" lvl="8" indent="-298450">
               <a:spcBef>
                 <a:spcPts val="0"/>
               </a:spcBef>
@@ -473,14 +486,16 @@
               <a:defRPr sz="1100"/>
             </a:lvl9pPr>
           </a:lstStyle>
-          <a:p/>
+          <a:p>
+            <a:endParaRPr/>
+          </a:p>
         </p:txBody>
       </p:sp>
     </p:spTree>
   </p:cSld>
-  <p:clrMap accent1="accent1" accent2="accent2" accent3="accent3" accent4="accent4" accent5="accent5" accent6="accent6" bg1="lt1" bg2="dk2" tx1="dk1" tx2="lt2" folHlink="folHlink" hlink="hlink"/>
+  <p:clrMap bg1="lt1" tx1="dk1" bg2="dk2" tx2="lt2" accent1="accent1" accent2="accent2" accent3="accent3" accent4="accent4" accent5="accent5" accent6="accent6" hlink="hlink" folHlink="folHlink"/>
   <p:notesStyle>
-    <a:defPPr lvl="0" marR="0" rtl="0" algn="l">
+    <a:defPPr marR="0" lvl="0" algn="l" rtl="0">
       <a:lnSpc>
         <a:spcPct val="100000"/>
       </a:lnSpc>
@@ -491,7 +506,7 @@
         <a:spcPts val="0"/>
       </a:spcAft>
     </a:defPPr>
-    <a:lvl1pPr lvl="0" marR="0" rtl="0" algn="l">
+    <a:lvl1pPr marR="0" lvl="0" algn="l" rtl="0">
       <a:lnSpc>
         <a:spcPct val="100000"/>
       </a:lnSpc>
@@ -505,7 +520,7 @@
         <a:srgbClr val="000000"/>
       </a:buClr>
       <a:buFont typeface="Arial"/>
-      <a:defRPr b="0" i="0" sz="1400" u="none" cap="none" strike="noStrike">
+      <a:defRPr sz="1400" b="0" i="0" u="none" strike="noStrike" cap="none">
         <a:solidFill>
           <a:srgbClr val="000000"/>
         </a:solidFill>
@@ -515,7 +530,7 @@
         <a:sym typeface="Arial"/>
       </a:defRPr>
     </a:lvl1pPr>
-    <a:lvl2pPr lvl="1" marR="0" rtl="0" algn="l">
+    <a:lvl2pPr marR="0" lvl="1" algn="l" rtl="0">
       <a:lnSpc>
         <a:spcPct val="100000"/>
       </a:lnSpc>
@@ -529,7 +544,7 @@
         <a:srgbClr val="000000"/>
       </a:buClr>
       <a:buFont typeface="Arial"/>
-      <a:defRPr b="0" i="0" sz="1400" u="none" cap="none" strike="noStrike">
+      <a:defRPr sz="1400" b="0" i="0" u="none" strike="noStrike" cap="none">
         <a:solidFill>
           <a:srgbClr val="000000"/>
         </a:solidFill>
@@ -539,7 +554,7 @@
         <a:sym typeface="Arial"/>
       </a:defRPr>
     </a:lvl2pPr>
-    <a:lvl3pPr lvl="2" marR="0" rtl="0" algn="l">
+    <a:lvl3pPr marR="0" lvl="2" algn="l" rtl="0">
       <a:lnSpc>
         <a:spcPct val="100000"/>
       </a:lnSpc>
@@ -553,7 +568,7 @@
         <a:srgbClr val="000000"/>
       </a:buClr>
       <a:buFont typeface="Arial"/>
-      <a:defRPr b="0" i="0" sz="1400" u="none" cap="none" strike="noStrike">
+      <a:defRPr sz="1400" b="0" i="0" u="none" strike="noStrike" cap="none">
         <a:solidFill>
           <a:srgbClr val="000000"/>
         </a:solidFill>
@@ -563,7 +578,7 @@
         <a:sym typeface="Arial"/>
       </a:defRPr>
     </a:lvl3pPr>
-    <a:lvl4pPr lvl="3" marR="0" rtl="0" algn="l">
+    <a:lvl4pPr marR="0" lvl="3" algn="l" rtl="0">
       <a:lnSpc>
         <a:spcPct val="100000"/>
       </a:lnSpc>
@@ -577,7 +592,7 @@
         <a:srgbClr val="000000"/>
       </a:buClr>
       <a:buFont typeface="Arial"/>
-      <a:defRPr b="0" i="0" sz="1400" u="none" cap="none" strike="noStrike">
+      <a:defRPr sz="1400" b="0" i="0" u="none" strike="noStrike" cap="none">
         <a:solidFill>
           <a:srgbClr val="000000"/>
         </a:solidFill>
@@ -587,7 +602,7 @@
         <a:sym typeface="Arial"/>
       </a:defRPr>
     </a:lvl4pPr>
-    <a:lvl5pPr lvl="4" marR="0" rtl="0" algn="l">
+    <a:lvl5pPr marR="0" lvl="4" algn="l" rtl="0">
       <a:lnSpc>
         <a:spcPct val="100000"/>
       </a:lnSpc>
@@ -601,7 +616,7 @@
         <a:srgbClr val="000000"/>
       </a:buClr>
       <a:buFont typeface="Arial"/>
-      <a:defRPr b="0" i="0" sz="1400" u="none" cap="none" strike="noStrike">
+      <a:defRPr sz="1400" b="0" i="0" u="none" strike="noStrike" cap="none">
         <a:solidFill>
           <a:srgbClr val="000000"/>
         </a:solidFill>
@@ -611,7 +626,7 @@
         <a:sym typeface="Arial"/>
       </a:defRPr>
     </a:lvl5pPr>
-    <a:lvl6pPr lvl="5" marR="0" rtl="0" algn="l">
+    <a:lvl6pPr marR="0" lvl="5" algn="l" rtl="0">
       <a:lnSpc>
         <a:spcPct val="100000"/>
       </a:lnSpc>
@@ -625,7 +640,7 @@
         <a:srgbClr val="000000"/>
       </a:buClr>
       <a:buFont typeface="Arial"/>
-      <a:defRPr b="0" i="0" sz="1400" u="none" cap="none" strike="noStrike">
+      <a:defRPr sz="1400" b="0" i="0" u="none" strike="noStrike" cap="none">
         <a:solidFill>
           <a:srgbClr val="000000"/>
         </a:solidFill>
@@ -635,7 +650,7 @@
         <a:sym typeface="Arial"/>
       </a:defRPr>
     </a:lvl6pPr>
-    <a:lvl7pPr lvl="6" marR="0" rtl="0" algn="l">
+    <a:lvl7pPr marR="0" lvl="6" algn="l" rtl="0">
       <a:lnSpc>
         <a:spcPct val="100000"/>
       </a:lnSpc>
@@ -649,7 +664,7 @@
         <a:srgbClr val="000000"/>
       </a:buClr>
       <a:buFont typeface="Arial"/>
-      <a:defRPr b="0" i="0" sz="1400" u="none" cap="none" strike="noStrike">
+      <a:defRPr sz="1400" b="0" i="0" u="none" strike="noStrike" cap="none">
         <a:solidFill>
           <a:srgbClr val="000000"/>
         </a:solidFill>
@@ -659,7 +674,7 @@
         <a:sym typeface="Arial"/>
       </a:defRPr>
     </a:lvl7pPr>
-    <a:lvl8pPr lvl="7" marR="0" rtl="0" algn="l">
+    <a:lvl8pPr marR="0" lvl="7" algn="l" rtl="0">
       <a:lnSpc>
         <a:spcPct val="100000"/>
       </a:lnSpc>
@@ -673,7 +688,7 @@
         <a:srgbClr val="000000"/>
       </a:buClr>
       <a:buFont typeface="Arial"/>
-      <a:defRPr b="0" i="0" sz="1400" u="none" cap="none" strike="noStrike">
+      <a:defRPr sz="1400" b="0" i="0" u="none" strike="noStrike" cap="none">
         <a:solidFill>
           <a:srgbClr val="000000"/>
         </a:solidFill>
@@ -683,7 +698,7 @@
         <a:sym typeface="Arial"/>
       </a:defRPr>
     </a:lvl8pPr>
-    <a:lvl9pPr lvl="8" marR="0" rtl="0" algn="l">
+    <a:lvl9pPr marR="0" lvl="8" algn="l" rtl="0">
       <a:lnSpc>
         <a:spcPct val="100000"/>
       </a:lnSpc>
@@ -697,7 +712,7 @@
         <a:srgbClr val="000000"/>
       </a:buClr>
       <a:buFont typeface="Arial"/>
-      <a:defRPr b="0" i="0" sz="1400" u="none" cap="none" strike="noStrike">
+      <a:defRPr sz="1400" b="0" i="0" u="none" strike="noStrike" cap="none">
         <a:solidFill>
           <a:srgbClr val="000000"/>
         </a:solidFill>
@@ -712,11 +727,11 @@
 </file>
 
 <file path=ppt/notesSlides/notesSlide1.xml><?xml version="1.0" encoding="utf-8"?>
-<p:notes xmlns:a="http://schemas.openxmlformats.org/drawingml/2006/main" xmlns:r="http://schemas.openxmlformats.org/officeDocument/2006/relationships" xmlns:mc="http://schemas.openxmlformats.org/markup-compatibility/2006" xmlns:mv="urn:schemas-microsoft-com:mac:vml" xmlns:p="http://schemas.openxmlformats.org/presentationml/2006/main" xmlns:c="http://schemas.openxmlformats.org/drawingml/2006/chart" xmlns:dgm="http://schemas.openxmlformats.org/drawingml/2006/diagram" xmlns:o="urn:schemas-microsoft-com:office:office" xmlns:v="urn:schemas-microsoft-com:vml" xmlns:pvml="urn:schemas-microsoft-com:office:powerpoint" xmlns:com="http://schemas.openxmlformats.org/drawingml/2006/compatibility" xmlns:p14="http://schemas.microsoft.com/office/powerpoint/2010/main" xmlns:p15="http://schemas.microsoft.com/office/powerpoint/2012/main" xmlns:ahyp="http://schemas.microsoft.com/office/drawing/2018/hyperlinkcolor" showMasterPhAnim="0" showMasterSp="0">
+<p:notes xmlns:a="http://schemas.openxmlformats.org/drawingml/2006/main" xmlns:r="http://schemas.openxmlformats.org/officeDocument/2006/relationships" xmlns:p="http://schemas.openxmlformats.org/presentationml/2006/main" showMasterSp="0" showMasterPhAnim="0">
   <p:cSld>
     <p:spTree>
       <p:nvGrpSpPr>
-        <p:cNvPr id="64" name="Shape 64"/>
+        <p:cNvPr id="1" name="Shape 64"/>
         <p:cNvGrpSpPr/>
         <p:nvPr/>
       </p:nvGrpSpPr>
@@ -731,20 +746,26 @@
       <p:sp>
         <p:nvSpPr>
           <p:cNvPr id="65" name="Google Shape;65;p:notes"/>
-          <p:cNvSpPr/>
+          <p:cNvSpPr>
+            <a:spLocks noGrp="1" noRot="1" noChangeAspect="1"/>
+          </p:cNvSpPr>
           <p:nvPr>
-            <p:ph idx="2" type="sldImg"/>
+            <p:ph type="sldImg" idx="2"/>
           </p:nvPr>
         </p:nvSpPr>
         <p:spPr>
           <a:xfrm>
-            <a:off x="381300" y="685800"/>
-            <a:ext cx="6096075" cy="3429000"/>
+            <a:off x="381000" y="685800"/>
+            <a:ext cx="6096000" cy="3429000"/>
           </a:xfrm>
           <a:custGeom>
-            <a:rect b="b" l="l" r="r" t="t"/>
+            <a:avLst/>
+            <a:gdLst/>
+            <a:ahLst/>
+            <a:cxnLst/>
+            <a:rect l="l" t="t" r="r" b="b"/>
             <a:pathLst>
-              <a:path extrusionOk="0" h="120000" w="120000">
+              <a:path w="120000" h="120000" extrusionOk="0">
                 <a:moveTo>
                   <a:pt x="0" y="0"/>
                 </a:moveTo>
@@ -766,9 +787,11 @@
       <p:sp>
         <p:nvSpPr>
           <p:cNvPr id="66" name="Google Shape;66;p:notes"/>
-          <p:cNvSpPr txBox="1"/>
+          <p:cNvSpPr txBox="1">
+            <a:spLocks noGrp="1"/>
+          </p:cNvSpPr>
           <p:nvPr>
-            <p:ph idx="1" type="body"/>
+            <p:ph type="body" idx="1"/>
           </p:nvPr>
         </p:nvSpPr>
         <p:spPr>
@@ -781,12 +804,12 @@
           </a:prstGeom>
         </p:spPr>
         <p:txBody>
-          <a:bodyPr anchorCtr="0" anchor="t" bIns="91425" lIns="91425" spcFirstLastPara="1" rIns="91425" wrap="square" tIns="91425">
+          <a:bodyPr spcFirstLastPara="1" wrap="square" lIns="91425" tIns="91425" rIns="91425" bIns="91425" anchor="t" anchorCtr="0">
             <a:noAutofit/>
           </a:bodyPr>
           <a:lstStyle/>
           <a:p>
-            <a:pPr indent="0" lvl="0" marL="0" rtl="0" algn="l">
+            <a:pPr marL="0" lvl="0" indent="0" algn="l" rtl="0">
               <a:spcBef>
                 <a:spcPts val="0"/>
               </a:spcBef>
@@ -795,9 +818,6 @@
               </a:spcAft>
               <a:buNone/>
             </a:pPr>
-            <a:r>
-              <a:t/>
-            </a:r>
             <a:endParaRPr/>
           </a:p>
         </p:txBody>
@@ -811,11 +831,11 @@
 </file>
 
 <file path=ppt/notesSlides/notesSlide10.xml><?xml version="1.0" encoding="utf-8"?>
-<p:notes xmlns:a="http://schemas.openxmlformats.org/drawingml/2006/main" xmlns:r="http://schemas.openxmlformats.org/officeDocument/2006/relationships" xmlns:mc="http://schemas.openxmlformats.org/markup-compatibility/2006" xmlns:mv="urn:schemas-microsoft-com:mac:vml" xmlns:p="http://schemas.openxmlformats.org/presentationml/2006/main" xmlns:c="http://schemas.openxmlformats.org/drawingml/2006/chart" xmlns:dgm="http://schemas.openxmlformats.org/drawingml/2006/diagram" xmlns:o="urn:schemas-microsoft-com:office:office" xmlns:v="urn:schemas-microsoft-com:vml" xmlns:pvml="urn:schemas-microsoft-com:office:powerpoint" xmlns:com="http://schemas.openxmlformats.org/drawingml/2006/compatibility" xmlns:p14="http://schemas.microsoft.com/office/powerpoint/2010/main" xmlns:p15="http://schemas.microsoft.com/office/powerpoint/2012/main" xmlns:ahyp="http://schemas.microsoft.com/office/drawing/2018/hyperlinkcolor" showMasterPhAnim="0" showMasterSp="0">
+<p:notes xmlns:a="http://schemas.openxmlformats.org/drawingml/2006/main" xmlns:r="http://schemas.openxmlformats.org/officeDocument/2006/relationships" xmlns:p="http://schemas.openxmlformats.org/presentationml/2006/main" showMasterSp="0" showMasterPhAnim="0">
   <p:cSld>
     <p:spTree>
       <p:nvGrpSpPr>
-        <p:cNvPr id="125" name="Shape 125"/>
+        <p:cNvPr id="1" name="Shape 125"/>
         <p:cNvGrpSpPr/>
         <p:nvPr/>
       </p:nvGrpSpPr>
@@ -830,20 +850,26 @@
       <p:sp>
         <p:nvSpPr>
           <p:cNvPr id="126" name="Google Shape;126;gf92434794e_0_89:notes"/>
-          <p:cNvSpPr/>
+          <p:cNvSpPr>
+            <a:spLocks noGrp="1" noRot="1" noChangeAspect="1"/>
+          </p:cNvSpPr>
           <p:nvPr>
-            <p:ph idx="2" type="sldImg"/>
+            <p:ph type="sldImg" idx="2"/>
           </p:nvPr>
         </p:nvSpPr>
         <p:spPr>
           <a:xfrm>
-            <a:off x="381300" y="685800"/>
+            <a:off x="381000" y="685800"/>
             <a:ext cx="6096000" cy="3429000"/>
           </a:xfrm>
           <a:custGeom>
-            <a:rect b="b" l="l" r="r" t="t"/>
+            <a:avLst/>
+            <a:gdLst/>
+            <a:ahLst/>
+            <a:cxnLst/>
+            <a:rect l="l" t="t" r="r" b="b"/>
             <a:pathLst>
-              <a:path extrusionOk="0" h="120000" w="120000">
+              <a:path w="120000" h="120000" extrusionOk="0">
                 <a:moveTo>
                   <a:pt x="0" y="0"/>
                 </a:moveTo>
@@ -865,9 +891,11 @@
       <p:sp>
         <p:nvSpPr>
           <p:cNvPr id="127" name="Google Shape;127;gf92434794e_0_89:notes"/>
-          <p:cNvSpPr txBox="1"/>
+          <p:cNvSpPr txBox="1">
+            <a:spLocks noGrp="1"/>
+          </p:cNvSpPr>
           <p:nvPr>
-            <p:ph idx="1" type="body"/>
+            <p:ph type="body" idx="1"/>
           </p:nvPr>
         </p:nvSpPr>
         <p:spPr>
@@ -880,12 +908,12 @@
           </a:prstGeom>
         </p:spPr>
         <p:txBody>
-          <a:bodyPr anchorCtr="0" anchor="t" bIns="91425" lIns="91425" spcFirstLastPara="1" rIns="91425" wrap="square" tIns="91425">
+          <a:bodyPr spcFirstLastPara="1" wrap="square" lIns="91425" tIns="91425" rIns="91425" bIns="91425" anchor="t" anchorCtr="0">
             <a:noAutofit/>
           </a:bodyPr>
           <a:lstStyle/>
           <a:p>
-            <a:pPr indent="0" lvl="0" marL="0" rtl="0" algn="l">
+            <a:pPr marL="0" lvl="0" indent="0" algn="l" rtl="0">
               <a:spcBef>
                 <a:spcPts val="0"/>
               </a:spcBef>
@@ -894,9 +922,6 @@
               </a:spcAft>
               <a:buNone/>
             </a:pPr>
-            <a:r>
-              <a:t/>
-            </a:r>
             <a:endParaRPr/>
           </a:p>
         </p:txBody>
@@ -910,11 +935,11 @@
 </file>
 
 <file path=ppt/notesSlides/notesSlide2.xml><?xml version="1.0" encoding="utf-8"?>
-<p:notes xmlns:a="http://schemas.openxmlformats.org/drawingml/2006/main" xmlns:r="http://schemas.openxmlformats.org/officeDocument/2006/relationships" xmlns:mc="http://schemas.openxmlformats.org/markup-compatibility/2006" xmlns:mv="urn:schemas-microsoft-com:mac:vml" xmlns:p="http://schemas.openxmlformats.org/presentationml/2006/main" xmlns:c="http://schemas.openxmlformats.org/drawingml/2006/chart" xmlns:dgm="http://schemas.openxmlformats.org/drawingml/2006/diagram" xmlns:o="urn:schemas-microsoft-com:office:office" xmlns:v="urn:schemas-microsoft-com:vml" xmlns:pvml="urn:schemas-microsoft-com:office:powerpoint" xmlns:com="http://schemas.openxmlformats.org/drawingml/2006/compatibility" xmlns:p14="http://schemas.microsoft.com/office/powerpoint/2010/main" xmlns:p15="http://schemas.microsoft.com/office/powerpoint/2012/main" xmlns:ahyp="http://schemas.microsoft.com/office/drawing/2018/hyperlinkcolor" showMasterPhAnim="0" showMasterSp="0">
+<p:notes xmlns:a="http://schemas.openxmlformats.org/drawingml/2006/main" xmlns:r="http://schemas.openxmlformats.org/officeDocument/2006/relationships" xmlns:p="http://schemas.openxmlformats.org/presentationml/2006/main" showMasterSp="0" showMasterPhAnim="0">
   <p:cSld>
     <p:spTree>
       <p:nvGrpSpPr>
-        <p:cNvPr id="72" name="Shape 72"/>
+        <p:cNvPr id="1" name="Shape 72"/>
         <p:cNvGrpSpPr/>
         <p:nvPr/>
       </p:nvGrpSpPr>
@@ -929,20 +954,26 @@
       <p:sp>
         <p:nvSpPr>
           <p:cNvPr id="73" name="Google Shape;73;gf92434794e_0_59:notes"/>
-          <p:cNvSpPr/>
+          <p:cNvSpPr>
+            <a:spLocks noGrp="1" noRot="1" noChangeAspect="1"/>
+          </p:cNvSpPr>
           <p:nvPr>
-            <p:ph idx="2" type="sldImg"/>
+            <p:ph type="sldImg" idx="2"/>
           </p:nvPr>
         </p:nvSpPr>
         <p:spPr>
           <a:xfrm>
-            <a:off x="381300" y="685800"/>
+            <a:off x="381000" y="685800"/>
             <a:ext cx="6096000" cy="3429000"/>
           </a:xfrm>
           <a:custGeom>
-            <a:rect b="b" l="l" r="r" t="t"/>
+            <a:avLst/>
+            <a:gdLst/>
+            <a:ahLst/>
+            <a:cxnLst/>
+            <a:rect l="l" t="t" r="r" b="b"/>
             <a:pathLst>
-              <a:path extrusionOk="0" h="120000" w="120000">
+              <a:path w="120000" h="120000" extrusionOk="0">
                 <a:moveTo>
                   <a:pt x="0" y="0"/>
                 </a:moveTo>
@@ -964,9 +995,11 @@
       <p:sp>
         <p:nvSpPr>
           <p:cNvPr id="74" name="Google Shape;74;gf92434794e_0_59:notes"/>
-          <p:cNvSpPr txBox="1"/>
+          <p:cNvSpPr txBox="1">
+            <a:spLocks noGrp="1"/>
+          </p:cNvSpPr>
           <p:nvPr>
-            <p:ph idx="1" type="body"/>
+            <p:ph type="body" idx="1"/>
           </p:nvPr>
         </p:nvSpPr>
         <p:spPr>
@@ -979,12 +1012,12 @@
           </a:prstGeom>
         </p:spPr>
         <p:txBody>
-          <a:bodyPr anchorCtr="0" anchor="t" bIns="91425" lIns="91425" spcFirstLastPara="1" rIns="91425" wrap="square" tIns="91425">
+          <a:bodyPr spcFirstLastPara="1" wrap="square" lIns="91425" tIns="91425" rIns="91425" bIns="91425" anchor="t" anchorCtr="0">
             <a:noAutofit/>
           </a:bodyPr>
           <a:lstStyle/>
           <a:p>
-            <a:pPr indent="0" lvl="0" marL="0" rtl="0" algn="l">
+            <a:pPr marL="0" lvl="0" indent="0" algn="l" rtl="0">
               <a:spcBef>
                 <a:spcPts val="0"/>
               </a:spcBef>
@@ -993,9 +1026,6 @@
               </a:spcAft>
               <a:buNone/>
             </a:pPr>
-            <a:r>
-              <a:t/>
-            </a:r>
             <a:endParaRPr/>
           </a:p>
         </p:txBody>
@@ -1009,11 +1039,11 @@
 </file>
 
 <file path=ppt/notesSlides/notesSlide3.xml><?xml version="1.0" encoding="utf-8"?>
-<p:notes xmlns:a="http://schemas.openxmlformats.org/drawingml/2006/main" xmlns:r="http://schemas.openxmlformats.org/officeDocument/2006/relationships" xmlns:mc="http://schemas.openxmlformats.org/markup-compatibility/2006" xmlns:mv="urn:schemas-microsoft-com:mac:vml" xmlns:p="http://schemas.openxmlformats.org/presentationml/2006/main" xmlns:c="http://schemas.openxmlformats.org/drawingml/2006/chart" xmlns:dgm="http://schemas.openxmlformats.org/drawingml/2006/diagram" xmlns:o="urn:schemas-microsoft-com:office:office" xmlns:v="urn:schemas-microsoft-com:vml" xmlns:pvml="urn:schemas-microsoft-com:office:powerpoint" xmlns:com="http://schemas.openxmlformats.org/drawingml/2006/compatibility" xmlns:p14="http://schemas.microsoft.com/office/powerpoint/2010/main" xmlns:p15="http://schemas.microsoft.com/office/powerpoint/2012/main" xmlns:ahyp="http://schemas.microsoft.com/office/drawing/2018/hyperlinkcolor" showMasterPhAnim="0" showMasterSp="0">
+<p:notes xmlns:a="http://schemas.openxmlformats.org/drawingml/2006/main" xmlns:r="http://schemas.openxmlformats.org/officeDocument/2006/relationships" xmlns:p="http://schemas.openxmlformats.org/presentationml/2006/main" showMasterSp="0" showMasterPhAnim="0">
   <p:cSld>
     <p:spTree>
       <p:nvGrpSpPr>
-        <p:cNvPr id="80" name="Shape 80"/>
+        <p:cNvPr id="1" name="Shape 80"/>
         <p:cNvGrpSpPr/>
         <p:nvPr/>
       </p:nvGrpSpPr>
@@ -1028,20 +1058,26 @@
       <p:sp>
         <p:nvSpPr>
           <p:cNvPr id="81" name="Google Shape;81;gf92434794e_0_64:notes"/>
-          <p:cNvSpPr/>
+          <p:cNvSpPr>
+            <a:spLocks noGrp="1" noRot="1" noChangeAspect="1"/>
+          </p:cNvSpPr>
           <p:nvPr>
-            <p:ph idx="2" type="sldImg"/>
+            <p:ph type="sldImg" idx="2"/>
           </p:nvPr>
         </p:nvSpPr>
         <p:spPr>
           <a:xfrm>
-            <a:off x="381300" y="685800"/>
+            <a:off x="381000" y="685800"/>
             <a:ext cx="6096000" cy="3429000"/>
           </a:xfrm>
           <a:custGeom>
-            <a:rect b="b" l="l" r="r" t="t"/>
+            <a:avLst/>
+            <a:gdLst/>
+            <a:ahLst/>
+            <a:cxnLst/>
+            <a:rect l="l" t="t" r="r" b="b"/>
             <a:pathLst>
-              <a:path extrusionOk="0" h="120000" w="120000">
+              <a:path w="120000" h="120000" extrusionOk="0">
                 <a:moveTo>
                   <a:pt x="0" y="0"/>
                 </a:moveTo>
@@ -1063,9 +1099,11 @@
       <p:sp>
         <p:nvSpPr>
           <p:cNvPr id="82" name="Google Shape;82;gf92434794e_0_64:notes"/>
-          <p:cNvSpPr txBox="1"/>
+          <p:cNvSpPr txBox="1">
+            <a:spLocks noGrp="1"/>
+          </p:cNvSpPr>
           <p:nvPr>
-            <p:ph idx="1" type="body"/>
+            <p:ph type="body" idx="1"/>
           </p:nvPr>
         </p:nvSpPr>
         <p:spPr>
@@ -1078,12 +1116,12 @@
           </a:prstGeom>
         </p:spPr>
         <p:txBody>
-          <a:bodyPr anchorCtr="0" anchor="t" bIns="91425" lIns="91425" spcFirstLastPara="1" rIns="91425" wrap="square" tIns="91425">
+          <a:bodyPr spcFirstLastPara="1" wrap="square" lIns="91425" tIns="91425" rIns="91425" bIns="91425" anchor="t" anchorCtr="0">
             <a:noAutofit/>
           </a:bodyPr>
           <a:lstStyle/>
           <a:p>
-            <a:pPr indent="0" lvl="0" marL="0" rtl="0" algn="l">
+            <a:pPr marL="0" lvl="0" indent="0" algn="l" rtl="0">
               <a:spcBef>
                 <a:spcPts val="0"/>
               </a:spcBef>
@@ -1092,9 +1130,6 @@
               </a:spcAft>
               <a:buNone/>
             </a:pPr>
-            <a:r>
-              <a:t/>
-            </a:r>
             <a:endParaRPr/>
           </a:p>
         </p:txBody>
@@ -1108,11 +1143,11 @@
 </file>
 
 <file path=ppt/notesSlides/notesSlide4.xml><?xml version="1.0" encoding="utf-8"?>
-<p:notes xmlns:a="http://schemas.openxmlformats.org/drawingml/2006/main" xmlns:r="http://schemas.openxmlformats.org/officeDocument/2006/relationships" xmlns:mc="http://schemas.openxmlformats.org/markup-compatibility/2006" xmlns:mv="urn:schemas-microsoft-com:mac:vml" xmlns:p="http://schemas.openxmlformats.org/presentationml/2006/main" xmlns:c="http://schemas.openxmlformats.org/drawingml/2006/chart" xmlns:dgm="http://schemas.openxmlformats.org/drawingml/2006/diagram" xmlns:o="urn:schemas-microsoft-com:office:office" xmlns:v="urn:schemas-microsoft-com:vml" xmlns:pvml="urn:schemas-microsoft-com:office:powerpoint" xmlns:com="http://schemas.openxmlformats.org/drawingml/2006/compatibility" xmlns:p14="http://schemas.microsoft.com/office/powerpoint/2010/main" xmlns:p15="http://schemas.microsoft.com/office/powerpoint/2012/main" xmlns:ahyp="http://schemas.microsoft.com/office/drawing/2018/hyperlinkcolor" showMasterPhAnim="0" showMasterSp="0">
+<p:notes xmlns:a="http://schemas.openxmlformats.org/drawingml/2006/main" xmlns:r="http://schemas.openxmlformats.org/officeDocument/2006/relationships" xmlns:p="http://schemas.openxmlformats.org/presentationml/2006/main" showMasterSp="0" showMasterPhAnim="0">
   <p:cSld>
     <p:spTree>
       <p:nvGrpSpPr>
-        <p:cNvPr id="86" name="Shape 86"/>
+        <p:cNvPr id="1" name="Shape 86"/>
         <p:cNvGrpSpPr/>
         <p:nvPr/>
       </p:nvGrpSpPr>
@@ -1127,20 +1162,26 @@
       <p:sp>
         <p:nvSpPr>
           <p:cNvPr id="87" name="Google Shape;87;gf92434794e_0_69:notes"/>
-          <p:cNvSpPr/>
+          <p:cNvSpPr>
+            <a:spLocks noGrp="1" noRot="1" noChangeAspect="1"/>
+          </p:cNvSpPr>
           <p:nvPr>
-            <p:ph idx="2" type="sldImg"/>
+            <p:ph type="sldImg" idx="2"/>
           </p:nvPr>
         </p:nvSpPr>
         <p:spPr>
           <a:xfrm>
-            <a:off x="381300" y="685800"/>
+            <a:off x="381000" y="685800"/>
             <a:ext cx="6096000" cy="3429000"/>
           </a:xfrm>
           <a:custGeom>
-            <a:rect b="b" l="l" r="r" t="t"/>
+            <a:avLst/>
+            <a:gdLst/>
+            <a:ahLst/>
+            <a:cxnLst/>
+            <a:rect l="l" t="t" r="r" b="b"/>
             <a:pathLst>
-              <a:path extrusionOk="0" h="120000" w="120000">
+              <a:path w="120000" h="120000" extrusionOk="0">
                 <a:moveTo>
                   <a:pt x="0" y="0"/>
                 </a:moveTo>
@@ -1162,9 +1203,11 @@
       <p:sp>
         <p:nvSpPr>
           <p:cNvPr id="88" name="Google Shape;88;gf92434794e_0_69:notes"/>
-          <p:cNvSpPr txBox="1"/>
+          <p:cNvSpPr txBox="1">
+            <a:spLocks noGrp="1"/>
+          </p:cNvSpPr>
           <p:nvPr>
-            <p:ph idx="1" type="body"/>
+            <p:ph type="body" idx="1"/>
           </p:nvPr>
         </p:nvSpPr>
         <p:spPr>
@@ -1177,12 +1220,12 @@
           </a:prstGeom>
         </p:spPr>
         <p:txBody>
-          <a:bodyPr anchorCtr="0" anchor="t" bIns="91425" lIns="91425" spcFirstLastPara="1" rIns="91425" wrap="square" tIns="91425">
+          <a:bodyPr spcFirstLastPara="1" wrap="square" lIns="91425" tIns="91425" rIns="91425" bIns="91425" anchor="t" anchorCtr="0">
             <a:noAutofit/>
           </a:bodyPr>
           <a:lstStyle/>
           <a:p>
-            <a:pPr indent="0" lvl="0" marL="0" rtl="0" algn="l">
+            <a:pPr marL="0" lvl="0" indent="0" algn="l" rtl="0">
               <a:spcBef>
                 <a:spcPts val="0"/>
               </a:spcBef>
@@ -1191,9 +1234,6 @@
               </a:spcAft>
               <a:buNone/>
             </a:pPr>
-            <a:r>
-              <a:t/>
-            </a:r>
             <a:endParaRPr/>
           </a:p>
         </p:txBody>
@@ -1207,11 +1247,11 @@
 </file>
 
 <file path=ppt/notesSlides/notesSlide5.xml><?xml version="1.0" encoding="utf-8"?>
-<p:notes xmlns:a="http://schemas.openxmlformats.org/drawingml/2006/main" xmlns:r="http://schemas.openxmlformats.org/officeDocument/2006/relationships" xmlns:mc="http://schemas.openxmlformats.org/markup-compatibility/2006" xmlns:mv="urn:schemas-microsoft-com:mac:vml" xmlns:p="http://schemas.openxmlformats.org/presentationml/2006/main" xmlns:c="http://schemas.openxmlformats.org/drawingml/2006/chart" xmlns:dgm="http://schemas.openxmlformats.org/drawingml/2006/diagram" xmlns:o="urn:schemas-microsoft-com:office:office" xmlns:v="urn:schemas-microsoft-com:vml" xmlns:pvml="urn:schemas-microsoft-com:office:powerpoint" xmlns:com="http://schemas.openxmlformats.org/drawingml/2006/compatibility" xmlns:p14="http://schemas.microsoft.com/office/powerpoint/2010/main" xmlns:p15="http://schemas.microsoft.com/office/powerpoint/2012/main" xmlns:ahyp="http://schemas.microsoft.com/office/drawing/2018/hyperlinkcolor" showMasterPhAnim="0" showMasterSp="0">
+<p:notes xmlns:a="http://schemas.openxmlformats.org/drawingml/2006/main" xmlns:r="http://schemas.openxmlformats.org/officeDocument/2006/relationships" xmlns:p="http://schemas.openxmlformats.org/presentationml/2006/main" showMasterSp="0" showMasterPhAnim="0">
   <p:cSld>
     <p:spTree>
       <p:nvGrpSpPr>
-        <p:cNvPr id="92" name="Shape 92"/>
+        <p:cNvPr id="1" name="Shape 92"/>
         <p:cNvGrpSpPr/>
         <p:nvPr/>
       </p:nvGrpSpPr>
@@ -1226,20 +1266,26 @@
       <p:sp>
         <p:nvSpPr>
           <p:cNvPr id="93" name="Google Shape;93;gf92434794e_0_170:notes"/>
-          <p:cNvSpPr/>
+          <p:cNvSpPr>
+            <a:spLocks noGrp="1" noRot="1" noChangeAspect="1"/>
+          </p:cNvSpPr>
           <p:nvPr>
-            <p:ph idx="2" type="sldImg"/>
+            <p:ph type="sldImg" idx="2"/>
           </p:nvPr>
         </p:nvSpPr>
         <p:spPr>
           <a:xfrm>
-            <a:off x="381300" y="685800"/>
+            <a:off x="381000" y="685800"/>
             <a:ext cx="6096000" cy="3429000"/>
           </a:xfrm>
           <a:custGeom>
-            <a:rect b="b" l="l" r="r" t="t"/>
+            <a:avLst/>
+            <a:gdLst/>
+            <a:ahLst/>
+            <a:cxnLst/>
+            <a:rect l="l" t="t" r="r" b="b"/>
             <a:pathLst>
-              <a:path extrusionOk="0" h="120000" w="120000">
+              <a:path w="120000" h="120000" extrusionOk="0">
                 <a:moveTo>
                   <a:pt x="0" y="0"/>
                 </a:moveTo>
@@ -1261,9 +1307,11 @@
       <p:sp>
         <p:nvSpPr>
           <p:cNvPr id="94" name="Google Shape;94;gf92434794e_0_170:notes"/>
-          <p:cNvSpPr txBox="1"/>
+          <p:cNvSpPr txBox="1">
+            <a:spLocks noGrp="1"/>
+          </p:cNvSpPr>
           <p:nvPr>
-            <p:ph idx="1" type="body"/>
+            <p:ph type="body" idx="1"/>
           </p:nvPr>
         </p:nvSpPr>
         <p:spPr>
@@ -1276,12 +1324,12 @@
           </a:prstGeom>
         </p:spPr>
         <p:txBody>
-          <a:bodyPr anchorCtr="0" anchor="t" bIns="91425" lIns="91425" spcFirstLastPara="1" rIns="91425" wrap="square" tIns="91425">
+          <a:bodyPr spcFirstLastPara="1" wrap="square" lIns="91425" tIns="91425" rIns="91425" bIns="91425" anchor="t" anchorCtr="0">
             <a:noAutofit/>
           </a:bodyPr>
           <a:lstStyle/>
           <a:p>
-            <a:pPr indent="0" lvl="0" marL="0" rtl="0" algn="l">
+            <a:pPr marL="0" lvl="0" indent="0" algn="l" rtl="0">
               <a:spcBef>
                 <a:spcPts val="0"/>
               </a:spcBef>
@@ -1290,9 +1338,6 @@
               </a:spcAft>
               <a:buNone/>
             </a:pPr>
-            <a:r>
-              <a:t/>
-            </a:r>
             <a:endParaRPr/>
           </a:p>
         </p:txBody>
@@ -1306,11 +1351,11 @@
 </file>
 
 <file path=ppt/notesSlides/notesSlide6.xml><?xml version="1.0" encoding="utf-8"?>
-<p:notes xmlns:a="http://schemas.openxmlformats.org/drawingml/2006/main" xmlns:r="http://schemas.openxmlformats.org/officeDocument/2006/relationships" xmlns:mc="http://schemas.openxmlformats.org/markup-compatibility/2006" xmlns:mv="urn:schemas-microsoft-com:mac:vml" xmlns:p="http://schemas.openxmlformats.org/presentationml/2006/main" xmlns:c="http://schemas.openxmlformats.org/drawingml/2006/chart" xmlns:dgm="http://schemas.openxmlformats.org/drawingml/2006/diagram" xmlns:o="urn:schemas-microsoft-com:office:office" xmlns:v="urn:schemas-microsoft-com:vml" xmlns:pvml="urn:schemas-microsoft-com:office:powerpoint" xmlns:com="http://schemas.openxmlformats.org/drawingml/2006/compatibility" xmlns:p14="http://schemas.microsoft.com/office/powerpoint/2010/main" xmlns:p15="http://schemas.microsoft.com/office/powerpoint/2012/main" xmlns:ahyp="http://schemas.microsoft.com/office/drawing/2018/hyperlinkcolor" showMasterPhAnim="0" showMasterSp="0">
+<p:notes xmlns:a="http://schemas.openxmlformats.org/drawingml/2006/main" xmlns:r="http://schemas.openxmlformats.org/officeDocument/2006/relationships" xmlns:p="http://schemas.openxmlformats.org/presentationml/2006/main" showMasterSp="0" showMasterPhAnim="0">
   <p:cSld>
     <p:spTree>
       <p:nvGrpSpPr>
-        <p:cNvPr id="98" name="Shape 98"/>
+        <p:cNvPr id="1" name="Shape 98"/>
         <p:cNvGrpSpPr/>
         <p:nvPr/>
       </p:nvGrpSpPr>
@@ -1325,20 +1370,26 @@
       <p:sp>
         <p:nvSpPr>
           <p:cNvPr id="99" name="Google Shape;99;gf92434794e_0_165:notes"/>
-          <p:cNvSpPr/>
+          <p:cNvSpPr>
+            <a:spLocks noGrp="1" noRot="1" noChangeAspect="1"/>
+          </p:cNvSpPr>
           <p:nvPr>
-            <p:ph idx="2" type="sldImg"/>
+            <p:ph type="sldImg" idx="2"/>
           </p:nvPr>
         </p:nvSpPr>
         <p:spPr>
           <a:xfrm>
-            <a:off x="381300" y="685800"/>
+            <a:off x="381000" y="685800"/>
             <a:ext cx="6096000" cy="3429000"/>
           </a:xfrm>
           <a:custGeom>
-            <a:rect b="b" l="l" r="r" t="t"/>
+            <a:avLst/>
+            <a:gdLst/>
+            <a:ahLst/>
+            <a:cxnLst/>
+            <a:rect l="l" t="t" r="r" b="b"/>
             <a:pathLst>
-              <a:path extrusionOk="0" h="120000" w="120000">
+              <a:path w="120000" h="120000" extrusionOk="0">
                 <a:moveTo>
                   <a:pt x="0" y="0"/>
                 </a:moveTo>
@@ -1360,9 +1411,11 @@
       <p:sp>
         <p:nvSpPr>
           <p:cNvPr id="100" name="Google Shape;100;gf92434794e_0_165:notes"/>
-          <p:cNvSpPr txBox="1"/>
+          <p:cNvSpPr txBox="1">
+            <a:spLocks noGrp="1"/>
+          </p:cNvSpPr>
           <p:nvPr>
-            <p:ph idx="1" type="body"/>
+            <p:ph type="body" idx="1"/>
           </p:nvPr>
         </p:nvSpPr>
         <p:spPr>
@@ -1375,12 +1428,12 @@
           </a:prstGeom>
         </p:spPr>
         <p:txBody>
-          <a:bodyPr anchorCtr="0" anchor="t" bIns="91425" lIns="91425" spcFirstLastPara="1" rIns="91425" wrap="square" tIns="91425">
+          <a:bodyPr spcFirstLastPara="1" wrap="square" lIns="91425" tIns="91425" rIns="91425" bIns="91425" anchor="t" anchorCtr="0">
             <a:noAutofit/>
           </a:bodyPr>
           <a:lstStyle/>
           <a:p>
-            <a:pPr indent="0" lvl="0" marL="0" rtl="0" algn="l">
+            <a:pPr marL="0" lvl="0" indent="0" algn="l" rtl="0">
               <a:spcBef>
                 <a:spcPts val="0"/>
               </a:spcBef>
@@ -1389,9 +1442,6 @@
               </a:spcAft>
               <a:buNone/>
             </a:pPr>
-            <a:r>
-              <a:t/>
-            </a:r>
             <a:endParaRPr/>
           </a:p>
         </p:txBody>
@@ -1405,11 +1455,11 @@
 </file>
 
 <file path=ppt/notesSlides/notesSlide7.xml><?xml version="1.0" encoding="utf-8"?>
-<p:notes xmlns:a="http://schemas.openxmlformats.org/drawingml/2006/main" xmlns:r="http://schemas.openxmlformats.org/officeDocument/2006/relationships" xmlns:mc="http://schemas.openxmlformats.org/markup-compatibility/2006" xmlns:mv="urn:schemas-microsoft-com:mac:vml" xmlns:p="http://schemas.openxmlformats.org/presentationml/2006/main" xmlns:c="http://schemas.openxmlformats.org/drawingml/2006/chart" xmlns:dgm="http://schemas.openxmlformats.org/drawingml/2006/diagram" xmlns:o="urn:schemas-microsoft-com:office:office" xmlns:v="urn:schemas-microsoft-com:vml" xmlns:pvml="urn:schemas-microsoft-com:office:powerpoint" xmlns:com="http://schemas.openxmlformats.org/drawingml/2006/compatibility" xmlns:p14="http://schemas.microsoft.com/office/powerpoint/2010/main" xmlns:p15="http://schemas.microsoft.com/office/powerpoint/2012/main" xmlns:ahyp="http://schemas.microsoft.com/office/drawing/2018/hyperlinkcolor" showMasterPhAnim="0" showMasterSp="0">
+<p:notes xmlns:a="http://schemas.openxmlformats.org/drawingml/2006/main" xmlns:r="http://schemas.openxmlformats.org/officeDocument/2006/relationships" xmlns:p="http://schemas.openxmlformats.org/presentationml/2006/main" showMasterSp="0" showMasterPhAnim="0">
   <p:cSld>
     <p:spTree>
       <p:nvGrpSpPr>
-        <p:cNvPr id="105" name="Shape 105"/>
+        <p:cNvPr id="1" name="Shape 105"/>
         <p:cNvGrpSpPr/>
         <p:nvPr/>
       </p:nvGrpSpPr>
@@ -1424,20 +1474,26 @@
       <p:sp>
         <p:nvSpPr>
           <p:cNvPr id="106" name="Google Shape;106;gf92434794e_0_196:notes"/>
-          <p:cNvSpPr/>
+          <p:cNvSpPr>
+            <a:spLocks noGrp="1" noRot="1" noChangeAspect="1"/>
+          </p:cNvSpPr>
           <p:nvPr>
-            <p:ph idx="2" type="sldImg"/>
+            <p:ph type="sldImg" idx="2"/>
           </p:nvPr>
         </p:nvSpPr>
         <p:spPr>
           <a:xfrm>
-            <a:off x="381300" y="685800"/>
+            <a:off x="381000" y="685800"/>
             <a:ext cx="6096000" cy="3429000"/>
           </a:xfrm>
           <a:custGeom>
-            <a:rect b="b" l="l" r="r" t="t"/>
+            <a:avLst/>
+            <a:gdLst/>
+            <a:ahLst/>
+            <a:cxnLst/>
+            <a:rect l="l" t="t" r="r" b="b"/>
             <a:pathLst>
-              <a:path extrusionOk="0" h="120000" w="120000">
+              <a:path w="120000" h="120000" extrusionOk="0">
                 <a:moveTo>
                   <a:pt x="0" y="0"/>
                 </a:moveTo>
@@ -1459,9 +1515,11 @@
       <p:sp>
         <p:nvSpPr>
           <p:cNvPr id="107" name="Google Shape;107;gf92434794e_0_196:notes"/>
-          <p:cNvSpPr txBox="1"/>
+          <p:cNvSpPr txBox="1">
+            <a:spLocks noGrp="1"/>
+          </p:cNvSpPr>
           <p:nvPr>
-            <p:ph idx="1" type="body"/>
+            <p:ph type="body" idx="1"/>
           </p:nvPr>
         </p:nvSpPr>
         <p:spPr>
@@ -1474,12 +1532,12 @@
           </a:prstGeom>
         </p:spPr>
         <p:txBody>
-          <a:bodyPr anchorCtr="0" anchor="t" bIns="91425" lIns="91425" spcFirstLastPara="1" rIns="91425" wrap="square" tIns="91425">
+          <a:bodyPr spcFirstLastPara="1" wrap="square" lIns="91425" tIns="91425" rIns="91425" bIns="91425" anchor="t" anchorCtr="0">
             <a:noAutofit/>
           </a:bodyPr>
           <a:lstStyle/>
           <a:p>
-            <a:pPr indent="0" lvl="0" marL="0" rtl="0" algn="l">
+            <a:pPr marL="0" lvl="0" indent="0" algn="l" rtl="0">
               <a:spcBef>
                 <a:spcPts val="0"/>
               </a:spcBef>
@@ -1488,9 +1546,6 @@
               </a:spcAft>
               <a:buNone/>
             </a:pPr>
-            <a:r>
-              <a:t/>
-            </a:r>
             <a:endParaRPr/>
           </a:p>
         </p:txBody>
@@ -1504,11 +1559,11 @@
 </file>
 
 <file path=ppt/notesSlides/notesSlide8.xml><?xml version="1.0" encoding="utf-8"?>
-<p:notes xmlns:a="http://schemas.openxmlformats.org/drawingml/2006/main" xmlns:r="http://schemas.openxmlformats.org/officeDocument/2006/relationships" xmlns:mc="http://schemas.openxmlformats.org/markup-compatibility/2006" xmlns:mv="urn:schemas-microsoft-com:mac:vml" xmlns:p="http://schemas.openxmlformats.org/presentationml/2006/main" xmlns:c="http://schemas.openxmlformats.org/drawingml/2006/chart" xmlns:dgm="http://schemas.openxmlformats.org/drawingml/2006/diagram" xmlns:o="urn:schemas-microsoft-com:office:office" xmlns:v="urn:schemas-microsoft-com:vml" xmlns:pvml="urn:schemas-microsoft-com:office:powerpoint" xmlns:com="http://schemas.openxmlformats.org/drawingml/2006/compatibility" xmlns:p14="http://schemas.microsoft.com/office/powerpoint/2010/main" xmlns:p15="http://schemas.microsoft.com/office/powerpoint/2012/main" xmlns:ahyp="http://schemas.microsoft.com/office/drawing/2018/hyperlinkcolor" showMasterPhAnim="0" showMasterSp="0">
+<p:notes xmlns:a="http://schemas.openxmlformats.org/drawingml/2006/main" xmlns:r="http://schemas.openxmlformats.org/officeDocument/2006/relationships" xmlns:p="http://schemas.openxmlformats.org/presentationml/2006/main" showMasterSp="0" showMasterPhAnim="0">
   <p:cSld>
     <p:spTree>
       <p:nvGrpSpPr>
-        <p:cNvPr id="112" name="Shape 112"/>
+        <p:cNvPr id="1" name="Shape 112"/>
         <p:cNvGrpSpPr/>
         <p:nvPr/>
       </p:nvGrpSpPr>
@@ -1523,20 +1578,26 @@
       <p:sp>
         <p:nvSpPr>
           <p:cNvPr id="113" name="Google Shape;113;gf92434794e_0_203:notes"/>
-          <p:cNvSpPr/>
+          <p:cNvSpPr>
+            <a:spLocks noGrp="1" noRot="1" noChangeAspect="1"/>
+          </p:cNvSpPr>
           <p:nvPr>
-            <p:ph idx="2" type="sldImg"/>
+            <p:ph type="sldImg" idx="2"/>
           </p:nvPr>
         </p:nvSpPr>
         <p:spPr>
           <a:xfrm>
-            <a:off x="381300" y="685800"/>
+            <a:off x="381000" y="685800"/>
             <a:ext cx="6096000" cy="3429000"/>
           </a:xfrm>
           <a:custGeom>
-            <a:rect b="b" l="l" r="r" t="t"/>
+            <a:avLst/>
+            <a:gdLst/>
+            <a:ahLst/>
+            <a:cxnLst/>
+            <a:rect l="l" t="t" r="r" b="b"/>
             <a:pathLst>
-              <a:path extrusionOk="0" h="120000" w="120000">
+              <a:path w="120000" h="120000" extrusionOk="0">
                 <a:moveTo>
                   <a:pt x="0" y="0"/>
                 </a:moveTo>
@@ -1558,9 +1619,11 @@
       <p:sp>
         <p:nvSpPr>
           <p:cNvPr id="114" name="Google Shape;114;gf92434794e_0_203:notes"/>
-          <p:cNvSpPr txBox="1"/>
+          <p:cNvSpPr txBox="1">
+            <a:spLocks noGrp="1"/>
+          </p:cNvSpPr>
           <p:nvPr>
-            <p:ph idx="1" type="body"/>
+            <p:ph type="body" idx="1"/>
           </p:nvPr>
         </p:nvSpPr>
         <p:spPr>
@@ -1573,12 +1636,12 @@
           </a:prstGeom>
         </p:spPr>
         <p:txBody>
-          <a:bodyPr anchorCtr="0" anchor="t" bIns="91425" lIns="91425" spcFirstLastPara="1" rIns="91425" wrap="square" tIns="91425">
+          <a:bodyPr spcFirstLastPara="1" wrap="square" lIns="91425" tIns="91425" rIns="91425" bIns="91425" anchor="t" anchorCtr="0">
             <a:noAutofit/>
           </a:bodyPr>
           <a:lstStyle/>
           <a:p>
-            <a:pPr indent="0" lvl="0" marL="0" rtl="0" algn="l">
+            <a:pPr marL="0" lvl="0" indent="0" algn="l" rtl="0">
               <a:spcBef>
                 <a:spcPts val="0"/>
               </a:spcBef>
@@ -1587,9 +1650,6 @@
               </a:spcAft>
               <a:buNone/>
             </a:pPr>
-            <a:r>
-              <a:t/>
-            </a:r>
             <a:endParaRPr/>
           </a:p>
         </p:txBody>
@@ -1603,11 +1663,11 @@
 </file>
 
 <file path=ppt/notesSlides/notesSlide9.xml><?xml version="1.0" encoding="utf-8"?>
-<p:notes xmlns:a="http://schemas.openxmlformats.org/drawingml/2006/main" xmlns:r="http://schemas.openxmlformats.org/officeDocument/2006/relationships" xmlns:mc="http://schemas.openxmlformats.org/markup-compatibility/2006" xmlns:mv="urn:schemas-microsoft-com:mac:vml" xmlns:p="http://schemas.openxmlformats.org/presentationml/2006/main" xmlns:c="http://schemas.openxmlformats.org/drawingml/2006/chart" xmlns:dgm="http://schemas.openxmlformats.org/drawingml/2006/diagram" xmlns:o="urn:schemas-microsoft-com:office:office" xmlns:v="urn:schemas-microsoft-com:vml" xmlns:pvml="urn:schemas-microsoft-com:office:powerpoint" xmlns:com="http://schemas.openxmlformats.org/drawingml/2006/compatibility" xmlns:p14="http://schemas.microsoft.com/office/powerpoint/2010/main" xmlns:p15="http://schemas.microsoft.com/office/powerpoint/2012/main" xmlns:ahyp="http://schemas.microsoft.com/office/drawing/2018/hyperlinkcolor" showMasterPhAnim="0" showMasterSp="0">
+<p:notes xmlns:a="http://schemas.openxmlformats.org/drawingml/2006/main" xmlns:r="http://schemas.openxmlformats.org/officeDocument/2006/relationships" xmlns:p="http://schemas.openxmlformats.org/presentationml/2006/main" showMasterSp="0" showMasterPhAnim="0">
   <p:cSld>
     <p:spTree>
       <p:nvGrpSpPr>
-        <p:cNvPr id="119" name="Shape 119"/>
+        <p:cNvPr id="1" name="Shape 119"/>
         <p:cNvGrpSpPr/>
         <p:nvPr/>
       </p:nvGrpSpPr>
@@ -1622,20 +1682,26 @@
       <p:sp>
         <p:nvSpPr>
           <p:cNvPr id="120" name="Google Shape;120;gf92434794e_0_79:notes"/>
-          <p:cNvSpPr/>
+          <p:cNvSpPr>
+            <a:spLocks noGrp="1" noRot="1" noChangeAspect="1"/>
+          </p:cNvSpPr>
           <p:nvPr>
-            <p:ph idx="2" type="sldImg"/>
+            <p:ph type="sldImg" idx="2"/>
           </p:nvPr>
         </p:nvSpPr>
         <p:spPr>
           <a:xfrm>
-            <a:off x="381300" y="685800"/>
+            <a:off x="381000" y="685800"/>
             <a:ext cx="6096000" cy="3429000"/>
           </a:xfrm>
           <a:custGeom>
-            <a:rect b="b" l="l" r="r" t="t"/>
+            <a:avLst/>
+            <a:gdLst/>
+            <a:ahLst/>
+            <a:cxnLst/>
+            <a:rect l="l" t="t" r="r" b="b"/>
             <a:pathLst>
-              <a:path extrusionOk="0" h="120000" w="120000">
+              <a:path w="120000" h="120000" extrusionOk="0">
                 <a:moveTo>
                   <a:pt x="0" y="0"/>
                 </a:moveTo>
@@ -1657,9 +1723,11 @@
       <p:sp>
         <p:nvSpPr>
           <p:cNvPr id="121" name="Google Shape;121;gf92434794e_0_79:notes"/>
-          <p:cNvSpPr txBox="1"/>
+          <p:cNvSpPr txBox="1">
+            <a:spLocks noGrp="1"/>
+          </p:cNvSpPr>
           <p:nvPr>
-            <p:ph idx="1" type="body"/>
+            <p:ph type="body" idx="1"/>
           </p:nvPr>
         </p:nvSpPr>
         <p:spPr>
@@ -1672,12 +1740,12 @@
           </a:prstGeom>
         </p:spPr>
         <p:txBody>
-          <a:bodyPr anchorCtr="0" anchor="t" bIns="91425" lIns="91425" spcFirstLastPara="1" rIns="91425" wrap="square" tIns="91425">
+          <a:bodyPr spcFirstLastPara="1" wrap="square" lIns="91425" tIns="91425" rIns="91425" bIns="91425" anchor="t" anchorCtr="0">
             <a:noAutofit/>
           </a:bodyPr>
           <a:lstStyle/>
           <a:p>
-            <a:pPr indent="0" lvl="0" marL="0" rtl="0" algn="l">
+            <a:pPr marL="0" lvl="0" indent="0" algn="l" rtl="0">
               <a:spcBef>
                 <a:spcPts val="0"/>
               </a:spcBef>
@@ -1686,9 +1754,6 @@
               </a:spcAft>
               <a:buNone/>
             </a:pPr>
-            <a:r>
-              <a:t/>
-            </a:r>
             <a:endParaRPr/>
           </a:p>
         </p:txBody>
@@ -1702,11 +1767,11 @@
 </file>
 
 <file path=ppt/slideLayouts/slideLayout1.xml><?xml version="1.0" encoding="utf-8"?>
-<p:sldLayout xmlns:a="http://schemas.openxmlformats.org/drawingml/2006/main" xmlns:r="http://schemas.openxmlformats.org/officeDocument/2006/relationships" xmlns:mc="http://schemas.openxmlformats.org/markup-compatibility/2006" xmlns:mv="urn:schemas-microsoft-com:mac:vml" xmlns:p="http://schemas.openxmlformats.org/presentationml/2006/main" xmlns:c="http://schemas.openxmlformats.org/drawingml/2006/chart" xmlns:dgm="http://schemas.openxmlformats.org/drawingml/2006/diagram" xmlns:o="urn:schemas-microsoft-com:office:office" xmlns:v="urn:schemas-microsoft-com:vml" xmlns:pvml="urn:schemas-microsoft-com:office:powerpoint" xmlns:com="http://schemas.openxmlformats.org/drawingml/2006/compatibility" xmlns:p14="http://schemas.microsoft.com/office/powerpoint/2010/main" xmlns:p15="http://schemas.microsoft.com/office/powerpoint/2012/main" xmlns:ahyp="http://schemas.microsoft.com/office/drawing/2018/hyperlinkcolor" matchingName="Title slide" type="title">
+<p:sldLayout xmlns:a="http://schemas.openxmlformats.org/drawingml/2006/main" xmlns:r="http://schemas.openxmlformats.org/officeDocument/2006/relationships" xmlns:p="http://schemas.openxmlformats.org/presentationml/2006/main" matchingName="Title slide" type="title">
   <p:cSld name="TITLE">
     <p:spTree>
       <p:nvGrpSpPr>
-        <p:cNvPr id="9" name="Shape 9"/>
+        <p:cNvPr id="1" name="Shape 9"/>
         <p:cNvGrpSpPr/>
         <p:nvPr/>
       </p:nvGrpSpPr>
@@ -1740,12 +1805,12 @@
           </a:ln>
         </p:spPr>
         <p:txBody>
-          <a:bodyPr anchorCtr="0" anchor="ctr" bIns="91425" lIns="91425" spcFirstLastPara="1" rIns="91425" wrap="square" tIns="91425">
+          <a:bodyPr spcFirstLastPara="1" wrap="square" lIns="91425" tIns="91425" rIns="91425" bIns="91425" anchor="ctr" anchorCtr="0">
             <a:noAutofit/>
           </a:bodyPr>
           <a:lstStyle/>
           <a:p>
-            <a:pPr indent="0" lvl="0" marL="0" rtl="0" algn="l">
+            <a:pPr marL="0" lvl="0" indent="0" algn="l" rtl="0">
               <a:spcBef>
                 <a:spcPts val="0"/>
               </a:spcBef>
@@ -1754,9 +1819,6 @@
               </a:spcAft>
               <a:buNone/>
             </a:pPr>
-            <a:r>
-              <a:t/>
-            </a:r>
             <a:endParaRPr/>
           </a:p>
         </p:txBody>
@@ -1783,12 +1845,12 @@
           </a:ln>
         </p:spPr>
         <p:txBody>
-          <a:bodyPr anchorCtr="0" anchor="ctr" bIns="91425" lIns="91425" spcFirstLastPara="1" rIns="91425" wrap="square" tIns="91425">
+          <a:bodyPr spcFirstLastPara="1" wrap="square" lIns="91425" tIns="91425" rIns="91425" bIns="91425" anchor="ctr" anchorCtr="0">
             <a:noAutofit/>
           </a:bodyPr>
           <a:lstStyle/>
           <a:p>
-            <a:pPr indent="0" lvl="0" marL="0" rtl="0" algn="l">
+            <a:pPr marL="0" lvl="0" indent="0" algn="l" rtl="0">
               <a:spcBef>
                 <a:spcPts val="0"/>
               </a:spcBef>
@@ -1797,9 +1859,6 @@
               </a:spcAft>
               <a:buNone/>
             </a:pPr>
-            <a:r>
-              <a:t/>
-            </a:r>
             <a:endParaRPr/>
           </a:p>
         </p:txBody>
@@ -1819,21 +1878,23 @@
             <a:avLst/>
           </a:prstGeom>
           <a:noFill/>
-          <a:ln cap="flat" cmpd="sng" w="28575">
+          <a:ln w="28575" cap="flat" cmpd="sng">
             <a:solidFill>
               <a:schemeClr val="dk1"/>
             </a:solidFill>
             <a:prstDash val="solid"/>
             <a:round/>
-            <a:headEnd len="sm" w="sm" type="none"/>
-            <a:tailEnd len="sm" w="sm" type="none"/>
+            <a:headEnd type="none" w="sm" len="sm"/>
+            <a:tailEnd type="none" w="sm" len="sm"/>
           </a:ln>
         </p:spPr>
       </p:cxnSp>
       <p:sp>
         <p:nvSpPr>
           <p:cNvPr id="13" name="Google Shape;13;p2"/>
-          <p:cNvSpPr txBox="1"/>
+          <p:cNvSpPr txBox="1">
+            <a:spLocks noGrp="1"/>
+          </p:cNvSpPr>
           <p:nvPr>
             <p:ph type="ctrTitle"/>
           </p:nvPr>
@@ -1848,7 +1909,7 @@
           </a:prstGeom>
         </p:spPr>
         <p:txBody>
-          <a:bodyPr anchorCtr="0" anchor="b" bIns="91425" lIns="91425" spcFirstLastPara="1" rIns="91425" wrap="square" tIns="91425">
+          <a:bodyPr spcFirstLastPara="1" wrap="square" lIns="91425" tIns="91425" rIns="91425" bIns="91425" anchor="b" anchorCtr="0">
             <a:normAutofit/>
           </a:bodyPr>
           <a:lstStyle>
@@ -1952,15 +2013,19 @@
               <a:defRPr sz="4800"/>
             </a:lvl9pPr>
           </a:lstStyle>
-          <a:p/>
+          <a:p>
+            <a:endParaRPr/>
+          </a:p>
         </p:txBody>
       </p:sp>
       <p:sp>
         <p:nvSpPr>
           <p:cNvPr id="14" name="Google Shape;14;p2"/>
-          <p:cNvSpPr txBox="1"/>
+          <p:cNvSpPr txBox="1">
+            <a:spLocks noGrp="1"/>
+          </p:cNvSpPr>
           <p:nvPr>
-            <p:ph idx="1" type="subTitle"/>
+            <p:ph type="subTitle" idx="1"/>
           </p:nvPr>
         </p:nvSpPr>
         <p:spPr>
@@ -1973,7 +2038,7 @@
           </a:prstGeom>
         </p:spPr>
         <p:txBody>
-          <a:bodyPr anchorCtr="0" anchor="b" bIns="91425" lIns="91425" spcFirstLastPara="1" rIns="91425" wrap="square" tIns="91425">
+          <a:bodyPr spcFirstLastPara="1" wrap="square" lIns="91425" tIns="91425" rIns="91425" bIns="91425" anchor="b" anchorCtr="0">
             <a:normAutofit/>
           </a:bodyPr>
           <a:lstStyle>
@@ -2167,15 +2232,19 @@
               </a:defRPr>
             </a:lvl9pPr>
           </a:lstStyle>
-          <a:p/>
+          <a:p>
+            <a:endParaRPr/>
+          </a:p>
         </p:txBody>
       </p:sp>
       <p:sp>
         <p:nvSpPr>
           <p:cNvPr id="15" name="Google Shape;15;p2"/>
-          <p:cNvSpPr txBox="1"/>
+          <p:cNvSpPr txBox="1">
+            <a:spLocks noGrp="1"/>
+          </p:cNvSpPr>
           <p:nvPr>
-            <p:ph idx="12" type="sldNum"/>
+            <p:ph type="sldNum" idx="12"/>
           </p:nvPr>
         </p:nvSpPr>
         <p:spPr>
@@ -2188,7 +2257,7 @@
           </a:prstGeom>
         </p:spPr>
         <p:txBody>
-          <a:bodyPr anchorCtr="0" anchor="ctr" bIns="91425" lIns="91425" spcFirstLastPara="1" rIns="91425" wrap="square" tIns="91425">
+          <a:bodyPr spcFirstLastPara="1" wrap="square" lIns="91425" tIns="91425" rIns="91425" bIns="91425" anchor="ctr" anchorCtr="0">
             <a:normAutofit/>
           </a:bodyPr>
           <a:lstStyle>
@@ -2230,7 +2299,7 @@
             </a:lvl9pPr>
           </a:lstStyle>
           <a:p>
-            <a:pPr indent="0" lvl="0" marL="0" rtl="0" algn="r">
+            <a:pPr marL="0" lvl="0" indent="0" algn="r" rtl="0">
               <a:spcBef>
                 <a:spcPts val="0"/>
               </a:spcBef>
@@ -2256,11 +2325,11 @@
 </file>
 
 <file path=ppt/slideLayouts/slideLayout10.xml><?xml version="1.0" encoding="utf-8"?>
-<p:sldLayout xmlns:a="http://schemas.openxmlformats.org/drawingml/2006/main" xmlns:r="http://schemas.openxmlformats.org/officeDocument/2006/relationships" xmlns:mc="http://schemas.openxmlformats.org/markup-compatibility/2006" xmlns:mv="urn:schemas-microsoft-com:mac:vml" xmlns:p="http://schemas.openxmlformats.org/presentationml/2006/main" xmlns:c="http://schemas.openxmlformats.org/drawingml/2006/chart" xmlns:dgm="http://schemas.openxmlformats.org/drawingml/2006/diagram" xmlns:o="urn:schemas-microsoft-com:office:office" xmlns:v="urn:schemas-microsoft-com:vml" xmlns:pvml="urn:schemas-microsoft-com:office:powerpoint" xmlns:com="http://schemas.openxmlformats.org/drawingml/2006/compatibility" xmlns:p14="http://schemas.microsoft.com/office/powerpoint/2010/main" xmlns:p15="http://schemas.microsoft.com/office/powerpoint/2012/main" xmlns:ahyp="http://schemas.microsoft.com/office/drawing/2018/hyperlinkcolor" matchingName="Big number">
+<p:sldLayout xmlns:a="http://schemas.openxmlformats.org/drawingml/2006/main" xmlns:r="http://schemas.openxmlformats.org/officeDocument/2006/relationships" xmlns:p="http://schemas.openxmlformats.org/presentationml/2006/main" matchingName="Big number">
   <p:cSld name="BIG_NUMBER">
     <p:spTree>
       <p:nvGrpSpPr>
-        <p:cNvPr id="56" name="Shape 56"/>
+        <p:cNvPr id="1" name="Shape 56"/>
         <p:cNvGrpSpPr/>
         <p:nvPr/>
       </p:nvGrpSpPr>
@@ -2294,12 +2363,12 @@
           </a:ln>
         </p:spPr>
         <p:txBody>
-          <a:bodyPr anchorCtr="0" anchor="ctr" bIns="91425" lIns="91425" spcFirstLastPara="1" rIns="91425" wrap="square" tIns="91425">
+          <a:bodyPr spcFirstLastPara="1" wrap="square" lIns="91425" tIns="91425" rIns="91425" bIns="91425" anchor="ctr" anchorCtr="0">
             <a:noAutofit/>
           </a:bodyPr>
           <a:lstStyle/>
           <a:p>
-            <a:pPr indent="0" lvl="0" marL="0" rtl="0" algn="l">
+            <a:pPr marL="0" lvl="0" indent="0" algn="l" rtl="0">
               <a:spcBef>
                 <a:spcPts val="0"/>
               </a:spcBef>
@@ -2308,9 +2377,6 @@
               </a:spcAft>
               <a:buNone/>
             </a:pPr>
-            <a:r>
-              <a:t/>
-            </a:r>
             <a:endParaRPr/>
           </a:p>
         </p:txBody>
@@ -2337,12 +2403,12 @@
           </a:ln>
         </p:spPr>
         <p:txBody>
-          <a:bodyPr anchorCtr="0" anchor="ctr" bIns="91425" lIns="91425" spcFirstLastPara="1" rIns="91425" wrap="square" tIns="91425">
+          <a:bodyPr spcFirstLastPara="1" wrap="square" lIns="91425" tIns="91425" rIns="91425" bIns="91425" anchor="ctr" anchorCtr="0">
             <a:noAutofit/>
           </a:bodyPr>
           <a:lstStyle/>
           <a:p>
-            <a:pPr indent="0" lvl="0" marL="0" rtl="0" algn="l">
+            <a:pPr marL="0" lvl="0" indent="0" algn="l" rtl="0">
               <a:spcBef>
                 <a:spcPts val="0"/>
               </a:spcBef>
@@ -2351,9 +2417,6 @@
               </a:spcAft>
               <a:buNone/>
             </a:pPr>
-            <a:r>
-              <a:t/>
-            </a:r>
             <a:endParaRPr/>
           </a:p>
         </p:txBody>
@@ -2361,9 +2424,11 @@
       <p:sp>
         <p:nvSpPr>
           <p:cNvPr id="59" name="Google Shape;59;p11"/>
-          <p:cNvSpPr txBox="1"/>
+          <p:cNvSpPr txBox="1">
+            <a:spLocks noGrp="1"/>
+          </p:cNvSpPr>
           <p:nvPr>
-            <p:ph hasCustomPrompt="1" type="title"/>
+            <p:ph type="title" hasCustomPrompt="1"/>
           </p:nvPr>
         </p:nvSpPr>
         <p:spPr>
@@ -2376,7 +2441,7 @@
           </a:prstGeom>
         </p:spPr>
         <p:txBody>
-          <a:bodyPr anchorCtr="0" anchor="ctr" bIns="91425" lIns="91425" spcFirstLastPara="1" rIns="91425" wrap="square" tIns="91425">
+          <a:bodyPr spcFirstLastPara="1" wrap="square" lIns="91425" tIns="91425" rIns="91425" bIns="91425" anchor="ctr" anchorCtr="0">
             <a:normAutofit/>
           </a:bodyPr>
           <a:lstStyle>
@@ -2553,9 +2618,11 @@
       <p:sp>
         <p:nvSpPr>
           <p:cNvPr id="60" name="Google Shape;60;p11"/>
-          <p:cNvSpPr txBox="1"/>
+          <p:cNvSpPr txBox="1">
+            <a:spLocks noGrp="1"/>
+          </p:cNvSpPr>
           <p:nvPr>
-            <p:ph idx="1" type="body"/>
+            <p:ph type="body" idx="1"/>
           </p:nvPr>
         </p:nvSpPr>
         <p:spPr>
@@ -2568,11 +2635,11 @@
           </a:prstGeom>
         </p:spPr>
         <p:txBody>
-          <a:bodyPr anchorCtr="0" anchor="t" bIns="91425" lIns="91425" spcFirstLastPara="1" rIns="91425" wrap="square" tIns="91425">
+          <a:bodyPr spcFirstLastPara="1" wrap="square" lIns="91425" tIns="91425" rIns="91425" bIns="91425" anchor="t" anchorCtr="0">
             <a:normAutofit/>
           </a:bodyPr>
           <a:lstStyle>
-            <a:lvl1pPr indent="-342900" lvl="0" marL="457200" algn="ctr">
+            <a:lvl1pPr marL="457200" lvl="0" indent="-342900" algn="ctr">
               <a:spcBef>
                 <a:spcPts val="0"/>
               </a:spcBef>
@@ -2583,7 +2650,7 @@
               <a:buChar char="●"/>
               <a:defRPr/>
             </a:lvl1pPr>
-            <a:lvl2pPr indent="-317500" lvl="1" marL="914400" algn="ctr">
+            <a:lvl2pPr marL="914400" lvl="1" indent="-317500" algn="ctr">
               <a:spcBef>
                 <a:spcPts val="0"/>
               </a:spcBef>
@@ -2594,7 +2661,7 @@
               <a:buChar char="○"/>
               <a:defRPr/>
             </a:lvl2pPr>
-            <a:lvl3pPr indent="-317500" lvl="2" marL="1371600" algn="ctr">
+            <a:lvl3pPr marL="1371600" lvl="2" indent="-317500" algn="ctr">
               <a:spcBef>
                 <a:spcPts val="0"/>
               </a:spcBef>
@@ -2605,7 +2672,7 @@
               <a:buChar char="■"/>
               <a:defRPr/>
             </a:lvl3pPr>
-            <a:lvl4pPr indent="-317500" lvl="3" marL="1828800" algn="ctr">
+            <a:lvl4pPr marL="1828800" lvl="3" indent="-317500" algn="ctr">
               <a:spcBef>
                 <a:spcPts val="0"/>
               </a:spcBef>
@@ -2616,7 +2683,7 @@
               <a:buChar char="●"/>
               <a:defRPr/>
             </a:lvl4pPr>
-            <a:lvl5pPr indent="-317500" lvl="4" marL="2286000" algn="ctr">
+            <a:lvl5pPr marL="2286000" lvl="4" indent="-317500" algn="ctr">
               <a:spcBef>
                 <a:spcPts val="0"/>
               </a:spcBef>
@@ -2627,7 +2694,7 @@
               <a:buChar char="○"/>
               <a:defRPr/>
             </a:lvl5pPr>
-            <a:lvl6pPr indent="-317500" lvl="5" marL="2743200" algn="ctr">
+            <a:lvl6pPr marL="2743200" lvl="5" indent="-317500" algn="ctr">
               <a:spcBef>
                 <a:spcPts val="0"/>
               </a:spcBef>
@@ -2638,7 +2705,7 @@
               <a:buChar char="■"/>
               <a:defRPr/>
             </a:lvl6pPr>
-            <a:lvl7pPr indent="-317500" lvl="6" marL="3200400" algn="ctr">
+            <a:lvl7pPr marL="3200400" lvl="6" indent="-317500" algn="ctr">
               <a:spcBef>
                 <a:spcPts val="0"/>
               </a:spcBef>
@@ -2649,7 +2716,7 @@
               <a:buChar char="●"/>
               <a:defRPr/>
             </a:lvl7pPr>
-            <a:lvl8pPr indent="-317500" lvl="7" marL="3657600" algn="ctr">
+            <a:lvl8pPr marL="3657600" lvl="7" indent="-317500" algn="ctr">
               <a:spcBef>
                 <a:spcPts val="0"/>
               </a:spcBef>
@@ -2660,7 +2727,7 @@
               <a:buChar char="○"/>
               <a:defRPr/>
             </a:lvl8pPr>
-            <a:lvl9pPr indent="-317500" lvl="8" marL="4114800" algn="ctr">
+            <a:lvl9pPr marL="4114800" lvl="8" indent="-317500" algn="ctr">
               <a:spcBef>
                 <a:spcPts val="0"/>
               </a:spcBef>
@@ -2672,15 +2739,19 @@
               <a:defRPr/>
             </a:lvl9pPr>
           </a:lstStyle>
-          <a:p/>
+          <a:p>
+            <a:endParaRPr/>
+          </a:p>
         </p:txBody>
       </p:sp>
       <p:sp>
         <p:nvSpPr>
           <p:cNvPr id="61" name="Google Shape;61;p11"/>
-          <p:cNvSpPr txBox="1"/>
+          <p:cNvSpPr txBox="1">
+            <a:spLocks noGrp="1"/>
+          </p:cNvSpPr>
           <p:nvPr>
-            <p:ph idx="12" type="sldNum"/>
+            <p:ph type="sldNum" idx="12"/>
           </p:nvPr>
         </p:nvSpPr>
         <p:spPr>
@@ -2693,7 +2764,7 @@
           </a:prstGeom>
         </p:spPr>
         <p:txBody>
-          <a:bodyPr anchorCtr="0" anchor="ctr" bIns="91425" lIns="91425" spcFirstLastPara="1" rIns="91425" wrap="square" tIns="91425">
+          <a:bodyPr spcFirstLastPara="1" wrap="square" lIns="91425" tIns="91425" rIns="91425" bIns="91425" anchor="ctr" anchorCtr="0">
             <a:normAutofit/>
           </a:bodyPr>
           <a:lstStyle>
@@ -2735,7 +2806,7 @@
             </a:lvl9pPr>
           </a:lstStyle>
           <a:p>
-            <a:pPr indent="0" lvl="0" marL="0" rtl="0" algn="r">
+            <a:pPr marL="0" lvl="0" indent="0" algn="r" rtl="0">
               <a:spcBef>
                 <a:spcPts val="0"/>
               </a:spcBef>
@@ -2761,11 +2832,11 @@
 </file>
 
 <file path=ppt/slideLayouts/slideLayout11.xml><?xml version="1.0" encoding="utf-8"?>
-<p:sldLayout xmlns:a="http://schemas.openxmlformats.org/drawingml/2006/main" xmlns:r="http://schemas.openxmlformats.org/officeDocument/2006/relationships" xmlns:mc="http://schemas.openxmlformats.org/markup-compatibility/2006" xmlns:mv="urn:schemas-microsoft-com:mac:vml" xmlns:p="http://schemas.openxmlformats.org/presentationml/2006/main" xmlns:c="http://schemas.openxmlformats.org/drawingml/2006/chart" xmlns:dgm="http://schemas.openxmlformats.org/drawingml/2006/diagram" xmlns:o="urn:schemas-microsoft-com:office:office" xmlns:v="urn:schemas-microsoft-com:vml" xmlns:pvml="urn:schemas-microsoft-com:office:powerpoint" xmlns:com="http://schemas.openxmlformats.org/drawingml/2006/compatibility" xmlns:p14="http://schemas.microsoft.com/office/powerpoint/2010/main" xmlns:p15="http://schemas.microsoft.com/office/powerpoint/2012/main" xmlns:ahyp="http://schemas.microsoft.com/office/drawing/2018/hyperlinkcolor" matchingName="Blank" type="blank">
+<p:sldLayout xmlns:a="http://schemas.openxmlformats.org/drawingml/2006/main" xmlns:r="http://schemas.openxmlformats.org/officeDocument/2006/relationships" xmlns:p="http://schemas.openxmlformats.org/presentationml/2006/main" matchingName="Blank" type="blank">
   <p:cSld name="BLANK">
     <p:spTree>
       <p:nvGrpSpPr>
-        <p:cNvPr id="62" name="Shape 62"/>
+        <p:cNvPr id="1" name="Shape 62"/>
         <p:cNvGrpSpPr/>
         <p:nvPr/>
       </p:nvGrpSpPr>
@@ -2780,9 +2851,11 @@
       <p:sp>
         <p:nvSpPr>
           <p:cNvPr id="63" name="Google Shape;63;p12"/>
-          <p:cNvSpPr txBox="1"/>
+          <p:cNvSpPr txBox="1">
+            <a:spLocks noGrp="1"/>
+          </p:cNvSpPr>
           <p:nvPr>
-            <p:ph idx="12" type="sldNum"/>
+            <p:ph type="sldNum" idx="12"/>
           </p:nvPr>
         </p:nvSpPr>
         <p:spPr>
@@ -2795,7 +2868,7 @@
           </a:prstGeom>
         </p:spPr>
         <p:txBody>
-          <a:bodyPr anchorCtr="0" anchor="ctr" bIns="91425" lIns="91425" spcFirstLastPara="1" rIns="91425" wrap="square" tIns="91425">
+          <a:bodyPr spcFirstLastPara="1" wrap="square" lIns="91425" tIns="91425" rIns="91425" bIns="91425" anchor="ctr" anchorCtr="0">
             <a:normAutofit/>
           </a:bodyPr>
           <a:lstStyle>
@@ -2837,7 +2910,7 @@
             </a:lvl9pPr>
           </a:lstStyle>
           <a:p>
-            <a:pPr indent="0" lvl="0" marL="0" rtl="0" algn="r">
+            <a:pPr marL="0" lvl="0" indent="0" algn="r" rtl="0">
               <a:spcBef>
                 <a:spcPts val="0"/>
               </a:spcBef>
@@ -2863,11 +2936,11 @@
 </file>
 
 <file path=ppt/slideLayouts/slideLayout2.xml><?xml version="1.0" encoding="utf-8"?>
-<p:sldLayout xmlns:a="http://schemas.openxmlformats.org/drawingml/2006/main" xmlns:r="http://schemas.openxmlformats.org/officeDocument/2006/relationships" xmlns:mc="http://schemas.openxmlformats.org/markup-compatibility/2006" xmlns:mv="urn:schemas-microsoft-com:mac:vml" xmlns:p="http://schemas.openxmlformats.org/presentationml/2006/main" xmlns:c="http://schemas.openxmlformats.org/drawingml/2006/chart" xmlns:dgm="http://schemas.openxmlformats.org/drawingml/2006/diagram" xmlns:o="urn:schemas-microsoft-com:office:office" xmlns:v="urn:schemas-microsoft-com:vml" xmlns:pvml="urn:schemas-microsoft-com:office:powerpoint" xmlns:com="http://schemas.openxmlformats.org/drawingml/2006/compatibility" xmlns:p14="http://schemas.microsoft.com/office/powerpoint/2010/main" xmlns:p15="http://schemas.microsoft.com/office/powerpoint/2012/main" xmlns:ahyp="http://schemas.microsoft.com/office/drawing/2018/hyperlinkcolor" matchingName="Section header" type="secHead">
+<p:sldLayout xmlns:a="http://schemas.openxmlformats.org/drawingml/2006/main" xmlns:r="http://schemas.openxmlformats.org/officeDocument/2006/relationships" xmlns:p="http://schemas.openxmlformats.org/presentationml/2006/main" matchingName="Section header" type="secHead">
   <p:cSld name="SECTION_HEADER">
     <p:spTree>
       <p:nvGrpSpPr>
-        <p:cNvPr id="16" name="Shape 16"/>
+        <p:cNvPr id="1" name="Shape 16"/>
         <p:cNvGrpSpPr/>
         <p:nvPr/>
       </p:nvGrpSpPr>
@@ -2901,12 +2974,12 @@
           </a:ln>
         </p:spPr>
         <p:txBody>
-          <a:bodyPr anchorCtr="0" anchor="ctr" bIns="91425" lIns="91425" spcFirstLastPara="1" rIns="91425" wrap="square" tIns="91425">
+          <a:bodyPr spcFirstLastPara="1" wrap="square" lIns="91425" tIns="91425" rIns="91425" bIns="91425" anchor="ctr" anchorCtr="0">
             <a:noAutofit/>
           </a:bodyPr>
           <a:lstStyle/>
           <a:p>
-            <a:pPr indent="0" lvl="0" marL="0" rtl="0" algn="l">
+            <a:pPr marL="0" lvl="0" indent="0" algn="l" rtl="0">
               <a:spcBef>
                 <a:spcPts val="0"/>
               </a:spcBef>
@@ -2915,9 +2988,6 @@
               </a:spcAft>
               <a:buNone/>
             </a:pPr>
-            <a:r>
-              <a:t/>
-            </a:r>
             <a:endParaRPr/>
           </a:p>
         </p:txBody>
@@ -2944,12 +3014,12 @@
           </a:ln>
         </p:spPr>
         <p:txBody>
-          <a:bodyPr anchorCtr="0" anchor="ctr" bIns="91425" lIns="91425" spcFirstLastPara="1" rIns="91425" wrap="square" tIns="91425">
+          <a:bodyPr spcFirstLastPara="1" wrap="square" lIns="91425" tIns="91425" rIns="91425" bIns="91425" anchor="ctr" anchorCtr="0">
             <a:noAutofit/>
           </a:bodyPr>
           <a:lstStyle/>
           <a:p>
-            <a:pPr indent="0" lvl="0" marL="0" rtl="0" algn="l">
+            <a:pPr marL="0" lvl="0" indent="0" algn="l" rtl="0">
               <a:spcBef>
                 <a:spcPts val="0"/>
               </a:spcBef>
@@ -2958,9 +3028,6 @@
               </a:spcAft>
               <a:buNone/>
             </a:pPr>
-            <a:r>
-              <a:t/>
-            </a:r>
             <a:endParaRPr/>
           </a:p>
         </p:txBody>
@@ -2968,7 +3035,9 @@
       <p:sp>
         <p:nvSpPr>
           <p:cNvPr id="19" name="Google Shape;19;p3"/>
-          <p:cNvSpPr txBox="1"/>
+          <p:cNvSpPr txBox="1">
+            <a:spLocks noGrp="1"/>
+          </p:cNvSpPr>
           <p:nvPr>
             <p:ph type="title"/>
           </p:nvPr>
@@ -2983,7 +3052,7 @@
           </a:prstGeom>
         </p:spPr>
         <p:txBody>
-          <a:bodyPr anchorCtr="0" anchor="ctr" bIns="91425" lIns="91425" spcFirstLastPara="1" rIns="91425" wrap="square" tIns="91425">
+          <a:bodyPr spcFirstLastPara="1" wrap="square" lIns="91425" tIns="91425" rIns="91425" bIns="91425" anchor="ctr" anchorCtr="0">
             <a:normAutofit/>
           </a:bodyPr>
           <a:lstStyle>
@@ -3087,15 +3156,19 @@
               <a:defRPr sz="3600"/>
             </a:lvl9pPr>
           </a:lstStyle>
-          <a:p/>
+          <a:p>
+            <a:endParaRPr/>
+          </a:p>
         </p:txBody>
       </p:sp>
       <p:sp>
         <p:nvSpPr>
           <p:cNvPr id="20" name="Google Shape;20;p3"/>
-          <p:cNvSpPr txBox="1"/>
+          <p:cNvSpPr txBox="1">
+            <a:spLocks noGrp="1"/>
+          </p:cNvSpPr>
           <p:nvPr>
-            <p:ph idx="12" type="sldNum"/>
+            <p:ph type="sldNum" idx="12"/>
           </p:nvPr>
         </p:nvSpPr>
         <p:spPr>
@@ -3108,7 +3181,7 @@
           </a:prstGeom>
         </p:spPr>
         <p:txBody>
-          <a:bodyPr anchorCtr="0" anchor="ctr" bIns="91425" lIns="91425" spcFirstLastPara="1" rIns="91425" wrap="square" tIns="91425">
+          <a:bodyPr spcFirstLastPara="1" wrap="square" lIns="91425" tIns="91425" rIns="91425" bIns="91425" anchor="ctr" anchorCtr="0">
             <a:normAutofit/>
           </a:bodyPr>
           <a:lstStyle>
@@ -3150,7 +3223,7 @@
             </a:lvl9pPr>
           </a:lstStyle>
           <a:p>
-            <a:pPr indent="0" lvl="0" marL="0" rtl="0" algn="r">
+            <a:pPr marL="0" lvl="0" indent="0" algn="r" rtl="0">
               <a:spcBef>
                 <a:spcPts val="0"/>
               </a:spcBef>
@@ -3176,11 +3249,11 @@
 </file>
 
 <file path=ppt/slideLayouts/slideLayout3.xml><?xml version="1.0" encoding="utf-8"?>
-<p:sldLayout xmlns:a="http://schemas.openxmlformats.org/drawingml/2006/main" xmlns:r="http://schemas.openxmlformats.org/officeDocument/2006/relationships" xmlns:mc="http://schemas.openxmlformats.org/markup-compatibility/2006" xmlns:mv="urn:schemas-microsoft-com:mac:vml" xmlns:p="http://schemas.openxmlformats.org/presentationml/2006/main" xmlns:c="http://schemas.openxmlformats.org/drawingml/2006/chart" xmlns:dgm="http://schemas.openxmlformats.org/drawingml/2006/diagram" xmlns:o="urn:schemas-microsoft-com:office:office" xmlns:v="urn:schemas-microsoft-com:vml" xmlns:pvml="urn:schemas-microsoft-com:office:powerpoint" xmlns:com="http://schemas.openxmlformats.org/drawingml/2006/compatibility" xmlns:p14="http://schemas.microsoft.com/office/powerpoint/2010/main" xmlns:p15="http://schemas.microsoft.com/office/powerpoint/2012/main" xmlns:ahyp="http://schemas.microsoft.com/office/drawing/2018/hyperlinkcolor" matchingName="Title and body" type="tx">
+<p:sldLayout xmlns:a="http://schemas.openxmlformats.org/drawingml/2006/main" xmlns:r="http://schemas.openxmlformats.org/officeDocument/2006/relationships" xmlns:p="http://schemas.openxmlformats.org/presentationml/2006/main" matchingName="Title and body" type="tx">
   <p:cSld name="TITLE_AND_BODY">
     <p:spTree>
       <p:nvGrpSpPr>
-        <p:cNvPr id="21" name="Shape 21"/>
+        <p:cNvPr id="1" name="Shape 21"/>
         <p:cNvGrpSpPr/>
         <p:nvPr/>
       </p:nvGrpSpPr>
@@ -3214,12 +3287,12 @@
           </a:ln>
         </p:spPr>
         <p:txBody>
-          <a:bodyPr anchorCtr="0" anchor="ctr" bIns="91425" lIns="91425" spcFirstLastPara="1" rIns="91425" wrap="square" tIns="91425">
+          <a:bodyPr spcFirstLastPara="1" wrap="square" lIns="91425" tIns="91425" rIns="91425" bIns="91425" anchor="ctr" anchorCtr="0">
             <a:noAutofit/>
           </a:bodyPr>
           <a:lstStyle/>
           <a:p>
-            <a:pPr indent="0" lvl="0" marL="0" rtl="0" algn="l">
+            <a:pPr marL="0" lvl="0" indent="0" algn="l" rtl="0">
               <a:spcBef>
                 <a:spcPts val="0"/>
               </a:spcBef>
@@ -3228,9 +3301,6 @@
               </a:spcAft>
               <a:buNone/>
             </a:pPr>
-            <a:r>
-              <a:t/>
-            </a:r>
             <a:endParaRPr/>
           </a:p>
         </p:txBody>
@@ -3250,21 +3320,23 @@
             <a:avLst/>
           </a:prstGeom>
           <a:noFill/>
-          <a:ln cap="flat" cmpd="sng" w="28575">
+          <a:ln w="28575" cap="flat" cmpd="sng">
             <a:solidFill>
               <a:schemeClr val="dk1"/>
             </a:solidFill>
             <a:prstDash val="solid"/>
             <a:round/>
-            <a:headEnd len="sm" w="sm" type="none"/>
-            <a:tailEnd len="sm" w="sm" type="none"/>
+            <a:headEnd type="none" w="sm" len="sm"/>
+            <a:tailEnd type="none" w="sm" len="sm"/>
           </a:ln>
         </p:spPr>
       </p:cxnSp>
       <p:sp>
         <p:nvSpPr>
           <p:cNvPr id="24" name="Google Shape;24;p4"/>
-          <p:cNvSpPr txBox="1"/>
+          <p:cNvSpPr txBox="1">
+            <a:spLocks noGrp="1"/>
+          </p:cNvSpPr>
           <p:nvPr>
             <p:ph type="title"/>
           </p:nvPr>
@@ -3279,7 +3351,7 @@
           </a:prstGeom>
         </p:spPr>
         <p:txBody>
-          <a:bodyPr anchorCtr="0" anchor="t" bIns="91425" lIns="91425" spcFirstLastPara="1" rIns="91425" wrap="square" tIns="91425">
+          <a:bodyPr spcFirstLastPara="1" wrap="square" lIns="91425" tIns="91425" rIns="91425" bIns="91425" anchor="t" anchorCtr="0">
             <a:normAutofit/>
           </a:bodyPr>
           <a:lstStyle>
@@ -3383,15 +3455,19 @@
               <a:defRPr/>
             </a:lvl9pPr>
           </a:lstStyle>
-          <a:p/>
+          <a:p>
+            <a:endParaRPr/>
+          </a:p>
         </p:txBody>
       </p:sp>
       <p:sp>
         <p:nvSpPr>
           <p:cNvPr id="25" name="Google Shape;25;p4"/>
-          <p:cNvSpPr txBox="1"/>
+          <p:cNvSpPr txBox="1">
+            <a:spLocks noGrp="1"/>
+          </p:cNvSpPr>
           <p:nvPr>
-            <p:ph idx="1" type="body"/>
+            <p:ph type="body" idx="1"/>
           </p:nvPr>
         </p:nvSpPr>
         <p:spPr>
@@ -3404,11 +3480,11 @@
           </a:prstGeom>
         </p:spPr>
         <p:txBody>
-          <a:bodyPr anchorCtr="0" anchor="t" bIns="91425" lIns="91425" spcFirstLastPara="1" rIns="91425" wrap="square" tIns="91425">
+          <a:bodyPr spcFirstLastPara="1" wrap="square" lIns="91425" tIns="91425" rIns="91425" bIns="91425" anchor="t" anchorCtr="0">
             <a:normAutofit/>
           </a:bodyPr>
           <a:lstStyle>
-            <a:lvl1pPr indent="-342900" lvl="0" marL="457200">
+            <a:lvl1pPr marL="457200" lvl="0" indent="-342900">
               <a:spcBef>
                 <a:spcPts val="0"/>
               </a:spcBef>
@@ -3419,7 +3495,7 @@
               <a:buChar char="●"/>
               <a:defRPr/>
             </a:lvl1pPr>
-            <a:lvl2pPr indent="-317500" lvl="1" marL="914400">
+            <a:lvl2pPr marL="914400" lvl="1" indent="-317500">
               <a:spcBef>
                 <a:spcPts val="0"/>
               </a:spcBef>
@@ -3430,7 +3506,7 @@
               <a:buChar char="○"/>
               <a:defRPr/>
             </a:lvl2pPr>
-            <a:lvl3pPr indent="-317500" lvl="2" marL="1371600">
+            <a:lvl3pPr marL="1371600" lvl="2" indent="-317500">
               <a:spcBef>
                 <a:spcPts val="0"/>
               </a:spcBef>
@@ -3441,7 +3517,7 @@
               <a:buChar char="■"/>
               <a:defRPr/>
             </a:lvl3pPr>
-            <a:lvl4pPr indent="-317500" lvl="3" marL="1828800">
+            <a:lvl4pPr marL="1828800" lvl="3" indent="-317500">
               <a:spcBef>
                 <a:spcPts val="0"/>
               </a:spcBef>
@@ -3452,7 +3528,7 @@
               <a:buChar char="●"/>
               <a:defRPr/>
             </a:lvl4pPr>
-            <a:lvl5pPr indent="-317500" lvl="4" marL="2286000">
+            <a:lvl5pPr marL="2286000" lvl="4" indent="-317500">
               <a:spcBef>
                 <a:spcPts val="0"/>
               </a:spcBef>
@@ -3463,7 +3539,7 @@
               <a:buChar char="○"/>
               <a:defRPr/>
             </a:lvl5pPr>
-            <a:lvl6pPr indent="-317500" lvl="5" marL="2743200">
+            <a:lvl6pPr marL="2743200" lvl="5" indent="-317500">
               <a:spcBef>
                 <a:spcPts val="0"/>
               </a:spcBef>
@@ -3474,7 +3550,7 @@
               <a:buChar char="■"/>
               <a:defRPr/>
             </a:lvl6pPr>
-            <a:lvl7pPr indent="-317500" lvl="6" marL="3200400">
+            <a:lvl7pPr marL="3200400" lvl="6" indent="-317500">
               <a:spcBef>
                 <a:spcPts val="0"/>
               </a:spcBef>
@@ -3485,7 +3561,7 @@
               <a:buChar char="●"/>
               <a:defRPr/>
             </a:lvl7pPr>
-            <a:lvl8pPr indent="-317500" lvl="7" marL="3657600">
+            <a:lvl8pPr marL="3657600" lvl="7" indent="-317500">
               <a:spcBef>
                 <a:spcPts val="0"/>
               </a:spcBef>
@@ -3496,7 +3572,7 @@
               <a:buChar char="○"/>
               <a:defRPr/>
             </a:lvl8pPr>
-            <a:lvl9pPr indent="-317500" lvl="8" marL="4114800">
+            <a:lvl9pPr marL="4114800" lvl="8" indent="-317500">
               <a:spcBef>
                 <a:spcPts val="0"/>
               </a:spcBef>
@@ -3508,15 +3584,19 @@
               <a:defRPr/>
             </a:lvl9pPr>
           </a:lstStyle>
-          <a:p/>
+          <a:p>
+            <a:endParaRPr/>
+          </a:p>
         </p:txBody>
       </p:sp>
       <p:sp>
         <p:nvSpPr>
           <p:cNvPr id="26" name="Google Shape;26;p4"/>
-          <p:cNvSpPr txBox="1"/>
+          <p:cNvSpPr txBox="1">
+            <a:spLocks noGrp="1"/>
+          </p:cNvSpPr>
           <p:nvPr>
-            <p:ph idx="12" type="sldNum"/>
+            <p:ph type="sldNum" idx="12"/>
           </p:nvPr>
         </p:nvSpPr>
         <p:spPr>
@@ -3529,7 +3609,7 @@
           </a:prstGeom>
         </p:spPr>
         <p:txBody>
-          <a:bodyPr anchorCtr="0" anchor="ctr" bIns="91425" lIns="91425" spcFirstLastPara="1" rIns="91425" wrap="square" tIns="91425">
+          <a:bodyPr spcFirstLastPara="1" wrap="square" lIns="91425" tIns="91425" rIns="91425" bIns="91425" anchor="ctr" anchorCtr="0">
             <a:normAutofit/>
           </a:bodyPr>
           <a:lstStyle>
@@ -3571,7 +3651,7 @@
             </a:lvl9pPr>
           </a:lstStyle>
           <a:p>
-            <a:pPr indent="0" lvl="0" marL="0" rtl="0" algn="r">
+            <a:pPr marL="0" lvl="0" indent="0" algn="r" rtl="0">
               <a:spcBef>
                 <a:spcPts val="0"/>
               </a:spcBef>
@@ -3597,11 +3677,11 @@
 </file>
 
 <file path=ppt/slideLayouts/slideLayout4.xml><?xml version="1.0" encoding="utf-8"?>
-<p:sldLayout xmlns:a="http://schemas.openxmlformats.org/drawingml/2006/main" xmlns:r="http://schemas.openxmlformats.org/officeDocument/2006/relationships" xmlns:mc="http://schemas.openxmlformats.org/markup-compatibility/2006" xmlns:mv="urn:schemas-microsoft-com:mac:vml" xmlns:p="http://schemas.openxmlformats.org/presentationml/2006/main" xmlns:c="http://schemas.openxmlformats.org/drawingml/2006/chart" xmlns:dgm="http://schemas.openxmlformats.org/drawingml/2006/diagram" xmlns:o="urn:schemas-microsoft-com:office:office" xmlns:v="urn:schemas-microsoft-com:vml" xmlns:pvml="urn:schemas-microsoft-com:office:powerpoint" xmlns:com="http://schemas.openxmlformats.org/drawingml/2006/compatibility" xmlns:p14="http://schemas.microsoft.com/office/powerpoint/2010/main" xmlns:p15="http://schemas.microsoft.com/office/powerpoint/2012/main" xmlns:ahyp="http://schemas.microsoft.com/office/drawing/2018/hyperlinkcolor" matchingName="Title and two columns" type="twoColTx">
+<p:sldLayout xmlns:a="http://schemas.openxmlformats.org/drawingml/2006/main" xmlns:r="http://schemas.openxmlformats.org/officeDocument/2006/relationships" xmlns:p="http://schemas.openxmlformats.org/presentationml/2006/main" matchingName="Title and two columns" type="twoColTx">
   <p:cSld name="TITLE_AND_TWO_COLUMNS">
     <p:spTree>
       <p:nvGrpSpPr>
-        <p:cNvPr id="27" name="Shape 27"/>
+        <p:cNvPr id="1" name="Shape 27"/>
         <p:cNvGrpSpPr/>
         <p:nvPr/>
       </p:nvGrpSpPr>
@@ -3628,21 +3708,23 @@
             <a:avLst/>
           </a:prstGeom>
           <a:noFill/>
-          <a:ln cap="flat" cmpd="sng" w="28575">
+          <a:ln w="28575" cap="flat" cmpd="sng">
             <a:solidFill>
               <a:schemeClr val="dk1"/>
             </a:solidFill>
             <a:prstDash val="solid"/>
             <a:round/>
-            <a:headEnd len="sm" w="sm" type="none"/>
-            <a:tailEnd len="sm" w="sm" type="none"/>
+            <a:headEnd type="none" w="sm" len="sm"/>
+            <a:tailEnd type="none" w="sm" len="sm"/>
           </a:ln>
         </p:spPr>
       </p:cxnSp>
       <p:sp>
         <p:nvSpPr>
           <p:cNvPr id="29" name="Google Shape;29;p5"/>
-          <p:cNvSpPr txBox="1"/>
+          <p:cNvSpPr txBox="1">
+            <a:spLocks noGrp="1"/>
+          </p:cNvSpPr>
           <p:nvPr>
             <p:ph type="title"/>
           </p:nvPr>
@@ -3657,7 +3739,7 @@
           </a:prstGeom>
         </p:spPr>
         <p:txBody>
-          <a:bodyPr anchorCtr="0" anchor="t" bIns="91425" lIns="91425" spcFirstLastPara="1" rIns="91425" wrap="square" tIns="91425">
+          <a:bodyPr spcFirstLastPara="1" wrap="square" lIns="91425" tIns="91425" rIns="91425" bIns="91425" anchor="t" anchorCtr="0">
             <a:normAutofit/>
           </a:bodyPr>
           <a:lstStyle>
@@ -3761,15 +3843,19 @@
               <a:defRPr/>
             </a:lvl9pPr>
           </a:lstStyle>
-          <a:p/>
+          <a:p>
+            <a:endParaRPr/>
+          </a:p>
         </p:txBody>
       </p:sp>
       <p:sp>
         <p:nvSpPr>
           <p:cNvPr id="30" name="Google Shape;30;p5"/>
-          <p:cNvSpPr txBox="1"/>
+          <p:cNvSpPr txBox="1">
+            <a:spLocks noGrp="1"/>
+          </p:cNvSpPr>
           <p:nvPr>
-            <p:ph idx="1" type="body"/>
+            <p:ph type="body" idx="1"/>
           </p:nvPr>
         </p:nvSpPr>
         <p:spPr>
@@ -3782,11 +3868,11 @@
           </a:prstGeom>
         </p:spPr>
         <p:txBody>
-          <a:bodyPr anchorCtr="0" anchor="t" bIns="91425" lIns="91425" spcFirstLastPara="1" rIns="91425" wrap="square" tIns="91425">
+          <a:bodyPr spcFirstLastPara="1" wrap="square" lIns="91425" tIns="91425" rIns="91425" bIns="91425" anchor="t" anchorCtr="0">
             <a:normAutofit/>
           </a:bodyPr>
           <a:lstStyle>
-            <a:lvl1pPr indent="-317500" lvl="0" marL="457200">
+            <a:lvl1pPr marL="457200" lvl="0" indent="-317500">
               <a:spcBef>
                 <a:spcPts val="0"/>
               </a:spcBef>
@@ -3797,7 +3883,7 @@
               <a:buChar char="●"/>
               <a:defRPr sz="1400"/>
             </a:lvl1pPr>
-            <a:lvl2pPr indent="-304800" lvl="1" marL="914400">
+            <a:lvl2pPr marL="914400" lvl="1" indent="-304800">
               <a:spcBef>
                 <a:spcPts val="0"/>
               </a:spcBef>
@@ -3808,7 +3894,7 @@
               <a:buChar char="○"/>
               <a:defRPr sz="1200"/>
             </a:lvl2pPr>
-            <a:lvl3pPr indent="-304800" lvl="2" marL="1371600">
+            <a:lvl3pPr marL="1371600" lvl="2" indent="-304800">
               <a:spcBef>
                 <a:spcPts val="0"/>
               </a:spcBef>
@@ -3819,7 +3905,7 @@
               <a:buChar char="■"/>
               <a:defRPr sz="1200"/>
             </a:lvl3pPr>
-            <a:lvl4pPr indent="-304800" lvl="3" marL="1828800">
+            <a:lvl4pPr marL="1828800" lvl="3" indent="-304800">
               <a:spcBef>
                 <a:spcPts val="0"/>
               </a:spcBef>
@@ -3830,7 +3916,7 @@
               <a:buChar char="●"/>
               <a:defRPr sz="1200"/>
             </a:lvl4pPr>
-            <a:lvl5pPr indent="-304800" lvl="4" marL="2286000">
+            <a:lvl5pPr marL="2286000" lvl="4" indent="-304800">
               <a:spcBef>
                 <a:spcPts val="0"/>
               </a:spcBef>
@@ -3841,7 +3927,7 @@
               <a:buChar char="○"/>
               <a:defRPr sz="1200"/>
             </a:lvl5pPr>
-            <a:lvl6pPr indent="-304800" lvl="5" marL="2743200">
+            <a:lvl6pPr marL="2743200" lvl="5" indent="-304800">
               <a:spcBef>
                 <a:spcPts val="0"/>
               </a:spcBef>
@@ -3852,7 +3938,7 @@
               <a:buChar char="■"/>
               <a:defRPr sz="1200"/>
             </a:lvl6pPr>
-            <a:lvl7pPr indent="-304800" lvl="6" marL="3200400">
+            <a:lvl7pPr marL="3200400" lvl="6" indent="-304800">
               <a:spcBef>
                 <a:spcPts val="0"/>
               </a:spcBef>
@@ -3863,7 +3949,7 @@
               <a:buChar char="●"/>
               <a:defRPr sz="1200"/>
             </a:lvl7pPr>
-            <a:lvl8pPr indent="-304800" lvl="7" marL="3657600">
+            <a:lvl8pPr marL="3657600" lvl="7" indent="-304800">
               <a:spcBef>
                 <a:spcPts val="0"/>
               </a:spcBef>
@@ -3874,7 +3960,7 @@
               <a:buChar char="○"/>
               <a:defRPr sz="1200"/>
             </a:lvl8pPr>
-            <a:lvl9pPr indent="-304800" lvl="8" marL="4114800">
+            <a:lvl9pPr marL="4114800" lvl="8" indent="-304800">
               <a:spcBef>
                 <a:spcPts val="0"/>
               </a:spcBef>
@@ -3886,15 +3972,19 @@
               <a:defRPr sz="1200"/>
             </a:lvl9pPr>
           </a:lstStyle>
-          <a:p/>
+          <a:p>
+            <a:endParaRPr/>
+          </a:p>
         </p:txBody>
       </p:sp>
       <p:sp>
         <p:nvSpPr>
           <p:cNvPr id="31" name="Google Shape;31;p5"/>
-          <p:cNvSpPr txBox="1"/>
+          <p:cNvSpPr txBox="1">
+            <a:spLocks noGrp="1"/>
+          </p:cNvSpPr>
           <p:nvPr>
-            <p:ph idx="2" type="body"/>
+            <p:ph type="body" idx="2"/>
           </p:nvPr>
         </p:nvSpPr>
         <p:spPr>
@@ -3907,11 +3997,11 @@
           </a:prstGeom>
         </p:spPr>
         <p:txBody>
-          <a:bodyPr anchorCtr="0" anchor="t" bIns="91425" lIns="91425" spcFirstLastPara="1" rIns="91425" wrap="square" tIns="91425">
+          <a:bodyPr spcFirstLastPara="1" wrap="square" lIns="91425" tIns="91425" rIns="91425" bIns="91425" anchor="t" anchorCtr="0">
             <a:normAutofit/>
           </a:bodyPr>
           <a:lstStyle>
-            <a:lvl1pPr indent="-317500" lvl="0" marL="457200">
+            <a:lvl1pPr marL="457200" lvl="0" indent="-317500">
               <a:spcBef>
                 <a:spcPts val="0"/>
               </a:spcBef>
@@ -3922,7 +4012,7 @@
               <a:buChar char="●"/>
               <a:defRPr sz="1400"/>
             </a:lvl1pPr>
-            <a:lvl2pPr indent="-304800" lvl="1" marL="914400">
+            <a:lvl2pPr marL="914400" lvl="1" indent="-304800">
               <a:spcBef>
                 <a:spcPts val="0"/>
               </a:spcBef>
@@ -3933,7 +4023,7 @@
               <a:buChar char="○"/>
               <a:defRPr sz="1200"/>
             </a:lvl2pPr>
-            <a:lvl3pPr indent="-304800" lvl="2" marL="1371600">
+            <a:lvl3pPr marL="1371600" lvl="2" indent="-304800">
               <a:spcBef>
                 <a:spcPts val="0"/>
               </a:spcBef>
@@ -3944,7 +4034,7 @@
               <a:buChar char="■"/>
               <a:defRPr sz="1200"/>
             </a:lvl3pPr>
-            <a:lvl4pPr indent="-304800" lvl="3" marL="1828800">
+            <a:lvl4pPr marL="1828800" lvl="3" indent="-304800">
               <a:spcBef>
                 <a:spcPts val="0"/>
               </a:spcBef>
@@ -3955,7 +4045,7 @@
               <a:buChar char="●"/>
               <a:defRPr sz="1200"/>
             </a:lvl4pPr>
-            <a:lvl5pPr indent="-304800" lvl="4" marL="2286000">
+            <a:lvl5pPr marL="2286000" lvl="4" indent="-304800">
               <a:spcBef>
                 <a:spcPts val="0"/>
               </a:spcBef>
@@ -3966,7 +4056,7 @@
               <a:buChar char="○"/>
               <a:defRPr sz="1200"/>
             </a:lvl5pPr>
-            <a:lvl6pPr indent="-304800" lvl="5" marL="2743200">
+            <a:lvl6pPr marL="2743200" lvl="5" indent="-304800">
               <a:spcBef>
                 <a:spcPts val="0"/>
               </a:spcBef>
@@ -3977,7 +4067,7 @@
               <a:buChar char="■"/>
               <a:defRPr sz="1200"/>
             </a:lvl6pPr>
-            <a:lvl7pPr indent="-304800" lvl="6" marL="3200400">
+            <a:lvl7pPr marL="3200400" lvl="6" indent="-304800">
               <a:spcBef>
                 <a:spcPts val="0"/>
               </a:spcBef>
@@ -3988,7 +4078,7 @@
               <a:buChar char="●"/>
               <a:defRPr sz="1200"/>
             </a:lvl7pPr>
-            <a:lvl8pPr indent="-304800" lvl="7" marL="3657600">
+            <a:lvl8pPr marL="3657600" lvl="7" indent="-304800">
               <a:spcBef>
                 <a:spcPts val="0"/>
               </a:spcBef>
@@ -3999,7 +4089,7 @@
               <a:buChar char="○"/>
               <a:defRPr sz="1200"/>
             </a:lvl8pPr>
-            <a:lvl9pPr indent="-304800" lvl="8" marL="4114800">
+            <a:lvl9pPr marL="4114800" lvl="8" indent="-304800">
               <a:spcBef>
                 <a:spcPts val="0"/>
               </a:spcBef>
@@ -4011,15 +4101,19 @@
               <a:defRPr sz="1200"/>
             </a:lvl9pPr>
           </a:lstStyle>
-          <a:p/>
+          <a:p>
+            <a:endParaRPr/>
+          </a:p>
         </p:txBody>
       </p:sp>
       <p:sp>
         <p:nvSpPr>
           <p:cNvPr id="32" name="Google Shape;32;p5"/>
-          <p:cNvSpPr txBox="1"/>
+          <p:cNvSpPr txBox="1">
+            <a:spLocks noGrp="1"/>
+          </p:cNvSpPr>
           <p:nvPr>
-            <p:ph idx="12" type="sldNum"/>
+            <p:ph type="sldNum" idx="12"/>
           </p:nvPr>
         </p:nvSpPr>
         <p:spPr>
@@ -4032,7 +4126,7 @@
           </a:prstGeom>
         </p:spPr>
         <p:txBody>
-          <a:bodyPr anchorCtr="0" anchor="ctr" bIns="91425" lIns="91425" spcFirstLastPara="1" rIns="91425" wrap="square" tIns="91425">
+          <a:bodyPr spcFirstLastPara="1" wrap="square" lIns="91425" tIns="91425" rIns="91425" bIns="91425" anchor="ctr" anchorCtr="0">
             <a:normAutofit/>
           </a:bodyPr>
           <a:lstStyle>
@@ -4074,7 +4168,7 @@
             </a:lvl9pPr>
           </a:lstStyle>
           <a:p>
-            <a:pPr indent="0" lvl="0" marL="0" rtl="0" algn="r">
+            <a:pPr marL="0" lvl="0" indent="0" algn="r" rtl="0">
               <a:spcBef>
                 <a:spcPts val="0"/>
               </a:spcBef>
@@ -4100,11 +4194,11 @@
 </file>
 
 <file path=ppt/slideLayouts/slideLayout5.xml><?xml version="1.0" encoding="utf-8"?>
-<p:sldLayout xmlns:a="http://schemas.openxmlformats.org/drawingml/2006/main" xmlns:r="http://schemas.openxmlformats.org/officeDocument/2006/relationships" xmlns:mc="http://schemas.openxmlformats.org/markup-compatibility/2006" xmlns:mv="urn:schemas-microsoft-com:mac:vml" xmlns:p="http://schemas.openxmlformats.org/presentationml/2006/main" xmlns:c="http://schemas.openxmlformats.org/drawingml/2006/chart" xmlns:dgm="http://schemas.openxmlformats.org/drawingml/2006/diagram" xmlns:o="urn:schemas-microsoft-com:office:office" xmlns:v="urn:schemas-microsoft-com:vml" xmlns:pvml="urn:schemas-microsoft-com:office:powerpoint" xmlns:com="http://schemas.openxmlformats.org/drawingml/2006/compatibility" xmlns:p14="http://schemas.microsoft.com/office/powerpoint/2010/main" xmlns:p15="http://schemas.microsoft.com/office/powerpoint/2012/main" xmlns:ahyp="http://schemas.microsoft.com/office/drawing/2018/hyperlinkcolor" matchingName="Title only" type="titleOnly">
+<p:sldLayout xmlns:a="http://schemas.openxmlformats.org/drawingml/2006/main" xmlns:r="http://schemas.openxmlformats.org/officeDocument/2006/relationships" xmlns:p="http://schemas.openxmlformats.org/presentationml/2006/main" matchingName="Title only" type="titleOnly">
   <p:cSld name="TITLE_ONLY">
     <p:spTree>
       <p:nvGrpSpPr>
-        <p:cNvPr id="33" name="Shape 33"/>
+        <p:cNvPr id="1" name="Shape 33"/>
         <p:cNvGrpSpPr/>
         <p:nvPr/>
       </p:nvGrpSpPr>
@@ -4119,7 +4213,9 @@
       <p:sp>
         <p:nvSpPr>
           <p:cNvPr id="34" name="Google Shape;34;p6"/>
-          <p:cNvSpPr txBox="1"/>
+          <p:cNvSpPr txBox="1">
+            <a:spLocks noGrp="1"/>
+          </p:cNvSpPr>
           <p:nvPr>
             <p:ph type="title"/>
           </p:nvPr>
@@ -4134,7 +4230,7 @@
           </a:prstGeom>
         </p:spPr>
         <p:txBody>
-          <a:bodyPr anchorCtr="0" anchor="t" bIns="91425" lIns="91425" spcFirstLastPara="1" rIns="91425" wrap="square" tIns="91425">
+          <a:bodyPr spcFirstLastPara="1" wrap="square" lIns="91425" tIns="91425" rIns="91425" bIns="91425" anchor="t" anchorCtr="0">
             <a:normAutofit/>
           </a:bodyPr>
           <a:lstStyle>
@@ -4238,15 +4334,19 @@
               <a:defRPr/>
             </a:lvl9pPr>
           </a:lstStyle>
-          <a:p/>
+          <a:p>
+            <a:endParaRPr/>
+          </a:p>
         </p:txBody>
       </p:sp>
       <p:sp>
         <p:nvSpPr>
           <p:cNvPr id="35" name="Google Shape;35;p6"/>
-          <p:cNvSpPr txBox="1"/>
+          <p:cNvSpPr txBox="1">
+            <a:spLocks noGrp="1"/>
+          </p:cNvSpPr>
           <p:nvPr>
-            <p:ph idx="12" type="sldNum"/>
+            <p:ph type="sldNum" idx="12"/>
           </p:nvPr>
         </p:nvSpPr>
         <p:spPr>
@@ -4259,7 +4359,7 @@
           </a:prstGeom>
         </p:spPr>
         <p:txBody>
-          <a:bodyPr anchorCtr="0" anchor="ctr" bIns="91425" lIns="91425" spcFirstLastPara="1" rIns="91425" wrap="square" tIns="91425">
+          <a:bodyPr spcFirstLastPara="1" wrap="square" lIns="91425" tIns="91425" rIns="91425" bIns="91425" anchor="ctr" anchorCtr="0">
             <a:normAutofit/>
           </a:bodyPr>
           <a:lstStyle>
@@ -4301,7 +4401,7 @@
             </a:lvl9pPr>
           </a:lstStyle>
           <a:p>
-            <a:pPr indent="0" lvl="0" marL="0" rtl="0" algn="r">
+            <a:pPr marL="0" lvl="0" indent="0" algn="r" rtl="0">
               <a:spcBef>
                 <a:spcPts val="0"/>
               </a:spcBef>
@@ -4327,11 +4427,11 @@
 </file>
 
 <file path=ppt/slideLayouts/slideLayout6.xml><?xml version="1.0" encoding="utf-8"?>
-<p:sldLayout xmlns:a="http://schemas.openxmlformats.org/drawingml/2006/main" xmlns:r="http://schemas.openxmlformats.org/officeDocument/2006/relationships" xmlns:mc="http://schemas.openxmlformats.org/markup-compatibility/2006" xmlns:mv="urn:schemas-microsoft-com:mac:vml" xmlns:p="http://schemas.openxmlformats.org/presentationml/2006/main" xmlns:c="http://schemas.openxmlformats.org/drawingml/2006/chart" xmlns:dgm="http://schemas.openxmlformats.org/drawingml/2006/diagram" xmlns:o="urn:schemas-microsoft-com:office:office" xmlns:v="urn:schemas-microsoft-com:vml" xmlns:pvml="urn:schemas-microsoft-com:office:powerpoint" xmlns:com="http://schemas.openxmlformats.org/drawingml/2006/compatibility" xmlns:p14="http://schemas.microsoft.com/office/powerpoint/2010/main" xmlns:p15="http://schemas.microsoft.com/office/powerpoint/2012/main" xmlns:ahyp="http://schemas.microsoft.com/office/drawing/2018/hyperlinkcolor" matchingName="One column text">
+<p:sldLayout xmlns:a="http://schemas.openxmlformats.org/drawingml/2006/main" xmlns:r="http://schemas.openxmlformats.org/officeDocument/2006/relationships" xmlns:p="http://schemas.openxmlformats.org/presentationml/2006/main" matchingName="One column text">
   <p:cSld name="ONE_COLUMN_TEXT">
     <p:spTree>
       <p:nvGrpSpPr>
-        <p:cNvPr id="36" name="Shape 36"/>
+        <p:cNvPr id="1" name="Shape 36"/>
         <p:cNvGrpSpPr/>
         <p:nvPr/>
       </p:nvGrpSpPr>
@@ -4358,21 +4458,23 @@
             <a:avLst/>
           </a:prstGeom>
           <a:noFill/>
-          <a:ln cap="flat" cmpd="sng" w="28575">
+          <a:ln w="28575" cap="flat" cmpd="sng">
             <a:solidFill>
               <a:schemeClr val="dk1"/>
             </a:solidFill>
             <a:prstDash val="solid"/>
             <a:round/>
-            <a:headEnd len="sm" w="sm" type="none"/>
-            <a:tailEnd len="sm" w="sm" type="none"/>
+            <a:headEnd type="none" w="sm" len="sm"/>
+            <a:tailEnd type="none" w="sm" len="sm"/>
           </a:ln>
         </p:spPr>
       </p:cxnSp>
       <p:sp>
         <p:nvSpPr>
           <p:cNvPr id="38" name="Google Shape;38;p7"/>
-          <p:cNvSpPr txBox="1"/>
+          <p:cNvSpPr txBox="1">
+            <a:spLocks noGrp="1"/>
+          </p:cNvSpPr>
           <p:nvPr>
             <p:ph type="title"/>
           </p:nvPr>
@@ -4387,7 +4489,7 @@
           </a:prstGeom>
         </p:spPr>
         <p:txBody>
-          <a:bodyPr anchorCtr="0" anchor="b" bIns="91425" lIns="91425" spcFirstLastPara="1" rIns="91425" wrap="square" tIns="91425">
+          <a:bodyPr spcFirstLastPara="1" wrap="square" lIns="91425" tIns="91425" rIns="91425" bIns="91425" anchor="b" anchorCtr="0">
             <a:normAutofit/>
           </a:bodyPr>
           <a:lstStyle>
@@ -4491,15 +4593,19 @@
               <a:defRPr sz="2400"/>
             </a:lvl9pPr>
           </a:lstStyle>
-          <a:p/>
+          <a:p>
+            <a:endParaRPr/>
+          </a:p>
         </p:txBody>
       </p:sp>
       <p:sp>
         <p:nvSpPr>
           <p:cNvPr id="39" name="Google Shape;39;p7"/>
-          <p:cNvSpPr txBox="1"/>
+          <p:cNvSpPr txBox="1">
+            <a:spLocks noGrp="1"/>
+          </p:cNvSpPr>
           <p:nvPr>
-            <p:ph idx="1" type="body"/>
+            <p:ph type="body" idx="1"/>
           </p:nvPr>
         </p:nvSpPr>
         <p:spPr>
@@ -4512,11 +4618,11 @@
           </a:prstGeom>
         </p:spPr>
         <p:txBody>
-          <a:bodyPr anchorCtr="0" anchor="t" bIns="91425" lIns="91425" spcFirstLastPara="1" rIns="91425" wrap="square" tIns="91425">
+          <a:bodyPr spcFirstLastPara="1" wrap="square" lIns="91425" tIns="91425" rIns="91425" bIns="91425" anchor="t" anchorCtr="0">
             <a:normAutofit/>
           </a:bodyPr>
           <a:lstStyle>
-            <a:lvl1pPr indent="-304800" lvl="0" marL="457200">
+            <a:lvl1pPr marL="457200" lvl="0" indent="-304800">
               <a:spcBef>
                 <a:spcPts val="0"/>
               </a:spcBef>
@@ -4527,7 +4633,7 @@
               <a:buChar char="●"/>
               <a:defRPr sz="1200"/>
             </a:lvl1pPr>
-            <a:lvl2pPr indent="-304800" lvl="1" marL="914400">
+            <a:lvl2pPr marL="914400" lvl="1" indent="-304800">
               <a:spcBef>
                 <a:spcPts val="0"/>
               </a:spcBef>
@@ -4538,7 +4644,7 @@
               <a:buChar char="○"/>
               <a:defRPr sz="1200"/>
             </a:lvl2pPr>
-            <a:lvl3pPr indent="-304800" lvl="2" marL="1371600">
+            <a:lvl3pPr marL="1371600" lvl="2" indent="-304800">
               <a:spcBef>
                 <a:spcPts val="0"/>
               </a:spcBef>
@@ -4549,7 +4655,7 @@
               <a:buChar char="■"/>
               <a:defRPr sz="1200"/>
             </a:lvl3pPr>
-            <a:lvl4pPr indent="-304800" lvl="3" marL="1828800">
+            <a:lvl4pPr marL="1828800" lvl="3" indent="-304800">
               <a:spcBef>
                 <a:spcPts val="0"/>
               </a:spcBef>
@@ -4560,7 +4666,7 @@
               <a:buChar char="●"/>
               <a:defRPr sz="1200"/>
             </a:lvl4pPr>
-            <a:lvl5pPr indent="-304800" lvl="4" marL="2286000">
+            <a:lvl5pPr marL="2286000" lvl="4" indent="-304800">
               <a:spcBef>
                 <a:spcPts val="0"/>
               </a:spcBef>
@@ -4571,7 +4677,7 @@
               <a:buChar char="○"/>
               <a:defRPr sz="1200"/>
             </a:lvl5pPr>
-            <a:lvl6pPr indent="-304800" lvl="5" marL="2743200">
+            <a:lvl6pPr marL="2743200" lvl="5" indent="-304800">
               <a:spcBef>
                 <a:spcPts val="0"/>
               </a:spcBef>
@@ -4582,7 +4688,7 @@
               <a:buChar char="■"/>
               <a:defRPr sz="1200"/>
             </a:lvl6pPr>
-            <a:lvl7pPr indent="-304800" lvl="6" marL="3200400">
+            <a:lvl7pPr marL="3200400" lvl="6" indent="-304800">
               <a:spcBef>
                 <a:spcPts val="0"/>
               </a:spcBef>
@@ -4593,7 +4699,7 @@
               <a:buChar char="●"/>
               <a:defRPr sz="1200"/>
             </a:lvl7pPr>
-            <a:lvl8pPr indent="-304800" lvl="7" marL="3657600">
+            <a:lvl8pPr marL="3657600" lvl="7" indent="-304800">
               <a:spcBef>
                 <a:spcPts val="0"/>
               </a:spcBef>
@@ -4604,7 +4710,7 @@
               <a:buChar char="○"/>
               <a:defRPr sz="1200"/>
             </a:lvl8pPr>
-            <a:lvl9pPr indent="-304800" lvl="8" marL="4114800">
+            <a:lvl9pPr marL="4114800" lvl="8" indent="-304800">
               <a:spcBef>
                 <a:spcPts val="0"/>
               </a:spcBef>
@@ -4616,15 +4722,19 @@
               <a:defRPr sz="1200"/>
             </a:lvl9pPr>
           </a:lstStyle>
-          <a:p/>
+          <a:p>
+            <a:endParaRPr/>
+          </a:p>
         </p:txBody>
       </p:sp>
       <p:sp>
         <p:nvSpPr>
           <p:cNvPr id="40" name="Google Shape;40;p7"/>
-          <p:cNvSpPr txBox="1"/>
+          <p:cNvSpPr txBox="1">
+            <a:spLocks noGrp="1"/>
+          </p:cNvSpPr>
           <p:nvPr>
-            <p:ph idx="12" type="sldNum"/>
+            <p:ph type="sldNum" idx="12"/>
           </p:nvPr>
         </p:nvSpPr>
         <p:spPr>
@@ -4637,7 +4747,7 @@
           </a:prstGeom>
         </p:spPr>
         <p:txBody>
-          <a:bodyPr anchorCtr="0" anchor="ctr" bIns="91425" lIns="91425" spcFirstLastPara="1" rIns="91425" wrap="square" tIns="91425">
+          <a:bodyPr spcFirstLastPara="1" wrap="square" lIns="91425" tIns="91425" rIns="91425" bIns="91425" anchor="ctr" anchorCtr="0">
             <a:normAutofit/>
           </a:bodyPr>
           <a:lstStyle>
@@ -4679,7 +4789,7 @@
             </a:lvl9pPr>
           </a:lstStyle>
           <a:p>
-            <a:pPr indent="0" lvl="0" marL="0" rtl="0" algn="r">
+            <a:pPr marL="0" lvl="0" indent="0" algn="r" rtl="0">
               <a:spcBef>
                 <a:spcPts val="0"/>
               </a:spcBef>
@@ -4705,11 +4815,11 @@
 </file>
 
 <file path=ppt/slideLayouts/slideLayout7.xml><?xml version="1.0" encoding="utf-8"?>
-<p:sldLayout xmlns:a="http://schemas.openxmlformats.org/drawingml/2006/main" xmlns:r="http://schemas.openxmlformats.org/officeDocument/2006/relationships" xmlns:mc="http://schemas.openxmlformats.org/markup-compatibility/2006" xmlns:mv="urn:schemas-microsoft-com:mac:vml" xmlns:p="http://schemas.openxmlformats.org/presentationml/2006/main" xmlns:c="http://schemas.openxmlformats.org/drawingml/2006/chart" xmlns:dgm="http://schemas.openxmlformats.org/drawingml/2006/diagram" xmlns:o="urn:schemas-microsoft-com:office:office" xmlns:v="urn:schemas-microsoft-com:vml" xmlns:pvml="urn:schemas-microsoft-com:office:powerpoint" xmlns:com="http://schemas.openxmlformats.org/drawingml/2006/compatibility" xmlns:p14="http://schemas.microsoft.com/office/powerpoint/2010/main" xmlns:p15="http://schemas.microsoft.com/office/powerpoint/2012/main" xmlns:ahyp="http://schemas.microsoft.com/office/drawing/2018/hyperlinkcolor" matchingName="Main point">
+<p:sldLayout xmlns:a="http://schemas.openxmlformats.org/drawingml/2006/main" xmlns:r="http://schemas.openxmlformats.org/officeDocument/2006/relationships" xmlns:p="http://schemas.openxmlformats.org/presentationml/2006/main" matchingName="Main point">
   <p:cSld name="MAIN_POINT">
     <p:spTree>
       <p:nvGrpSpPr>
-        <p:cNvPr id="41" name="Shape 41"/>
+        <p:cNvPr id="1" name="Shape 41"/>
         <p:cNvGrpSpPr/>
         <p:nvPr/>
       </p:nvGrpSpPr>
@@ -4743,12 +4853,12 @@
           </a:ln>
         </p:spPr>
         <p:txBody>
-          <a:bodyPr anchorCtr="0" anchor="ctr" bIns="91425" lIns="91425" spcFirstLastPara="1" rIns="91425" wrap="square" tIns="91425">
+          <a:bodyPr spcFirstLastPara="1" wrap="square" lIns="91425" tIns="91425" rIns="91425" bIns="91425" anchor="ctr" anchorCtr="0">
             <a:noAutofit/>
           </a:bodyPr>
           <a:lstStyle/>
           <a:p>
-            <a:pPr indent="0" lvl="0" marL="0" rtl="0" algn="l">
+            <a:pPr marL="0" lvl="0" indent="0" algn="l" rtl="0">
               <a:spcBef>
                 <a:spcPts val="0"/>
               </a:spcBef>
@@ -4757,9 +4867,6 @@
               </a:spcAft>
               <a:buNone/>
             </a:pPr>
-            <a:r>
-              <a:t/>
-            </a:r>
             <a:endParaRPr/>
           </a:p>
         </p:txBody>
@@ -4786,12 +4893,12 @@
           </a:ln>
         </p:spPr>
         <p:txBody>
-          <a:bodyPr anchorCtr="0" anchor="ctr" bIns="91425" lIns="91425" spcFirstLastPara="1" rIns="91425" wrap="square" tIns="91425">
+          <a:bodyPr spcFirstLastPara="1" wrap="square" lIns="91425" tIns="91425" rIns="91425" bIns="91425" anchor="ctr" anchorCtr="0">
             <a:noAutofit/>
           </a:bodyPr>
           <a:lstStyle/>
           <a:p>
-            <a:pPr indent="0" lvl="0" marL="0" rtl="0" algn="l">
+            <a:pPr marL="0" lvl="0" indent="0" algn="l" rtl="0">
               <a:spcBef>
                 <a:spcPts val="0"/>
               </a:spcBef>
@@ -4800,9 +4907,6 @@
               </a:spcAft>
               <a:buNone/>
             </a:pPr>
-            <a:r>
-              <a:t/>
-            </a:r>
             <a:endParaRPr/>
           </a:p>
         </p:txBody>
@@ -4810,7 +4914,9 @@
       <p:sp>
         <p:nvSpPr>
           <p:cNvPr id="44" name="Google Shape;44;p8"/>
-          <p:cNvSpPr txBox="1"/>
+          <p:cNvSpPr txBox="1">
+            <a:spLocks noGrp="1"/>
+          </p:cNvSpPr>
           <p:nvPr>
             <p:ph type="title"/>
           </p:nvPr>
@@ -4825,7 +4931,7 @@
           </a:prstGeom>
         </p:spPr>
         <p:txBody>
-          <a:bodyPr anchorCtr="0" anchor="ctr" bIns="91425" lIns="91425" spcFirstLastPara="1" rIns="91425" wrap="square" tIns="91425">
+          <a:bodyPr spcFirstLastPara="1" wrap="square" lIns="91425" tIns="91425" rIns="91425" bIns="91425" anchor="ctr" anchorCtr="0">
             <a:normAutofit/>
           </a:bodyPr>
           <a:lstStyle>
@@ -4929,15 +5035,19 @@
               <a:defRPr sz="4200"/>
             </a:lvl9pPr>
           </a:lstStyle>
-          <a:p/>
+          <a:p>
+            <a:endParaRPr/>
+          </a:p>
         </p:txBody>
       </p:sp>
       <p:sp>
         <p:nvSpPr>
           <p:cNvPr id="45" name="Google Shape;45;p8"/>
-          <p:cNvSpPr txBox="1"/>
+          <p:cNvSpPr txBox="1">
+            <a:spLocks noGrp="1"/>
+          </p:cNvSpPr>
           <p:nvPr>
-            <p:ph idx="12" type="sldNum"/>
+            <p:ph type="sldNum" idx="12"/>
           </p:nvPr>
         </p:nvSpPr>
         <p:spPr>
@@ -4950,7 +5060,7 @@
           </a:prstGeom>
         </p:spPr>
         <p:txBody>
-          <a:bodyPr anchorCtr="0" anchor="ctr" bIns="91425" lIns="91425" spcFirstLastPara="1" rIns="91425" wrap="square" tIns="91425">
+          <a:bodyPr spcFirstLastPara="1" wrap="square" lIns="91425" tIns="91425" rIns="91425" bIns="91425" anchor="ctr" anchorCtr="0">
             <a:normAutofit/>
           </a:bodyPr>
           <a:lstStyle>
@@ -4992,7 +5102,7 @@
             </a:lvl9pPr>
           </a:lstStyle>
           <a:p>
-            <a:pPr indent="0" lvl="0" marL="0" rtl="0" algn="r">
+            <a:pPr marL="0" lvl="0" indent="0" algn="r" rtl="0">
               <a:spcBef>
                 <a:spcPts val="0"/>
               </a:spcBef>
@@ -5018,11 +5128,11 @@
 </file>
 
 <file path=ppt/slideLayouts/slideLayout8.xml><?xml version="1.0" encoding="utf-8"?>
-<p:sldLayout xmlns:a="http://schemas.openxmlformats.org/drawingml/2006/main" xmlns:r="http://schemas.openxmlformats.org/officeDocument/2006/relationships" xmlns:mc="http://schemas.openxmlformats.org/markup-compatibility/2006" xmlns:mv="urn:schemas-microsoft-com:mac:vml" xmlns:p="http://schemas.openxmlformats.org/presentationml/2006/main" xmlns:c="http://schemas.openxmlformats.org/drawingml/2006/chart" xmlns:dgm="http://schemas.openxmlformats.org/drawingml/2006/diagram" xmlns:o="urn:schemas-microsoft-com:office:office" xmlns:v="urn:schemas-microsoft-com:vml" xmlns:pvml="urn:schemas-microsoft-com:office:powerpoint" xmlns:com="http://schemas.openxmlformats.org/drawingml/2006/compatibility" xmlns:p14="http://schemas.microsoft.com/office/powerpoint/2010/main" xmlns:p15="http://schemas.microsoft.com/office/powerpoint/2012/main" xmlns:ahyp="http://schemas.microsoft.com/office/drawing/2018/hyperlinkcolor" matchingName="Section title and description">
+<p:sldLayout xmlns:a="http://schemas.openxmlformats.org/drawingml/2006/main" xmlns:r="http://schemas.openxmlformats.org/officeDocument/2006/relationships" xmlns:p="http://schemas.openxmlformats.org/presentationml/2006/main" matchingName="Section title and description">
   <p:cSld name="SECTION_TITLE_AND_DESCRIPTION">
     <p:spTree>
       <p:nvGrpSpPr>
-        <p:cNvPr id="46" name="Shape 46"/>
+        <p:cNvPr id="1" name="Shape 46"/>
         <p:cNvGrpSpPr/>
         <p:nvPr/>
       </p:nvGrpSpPr>
@@ -5056,12 +5166,12 @@
           </a:ln>
         </p:spPr>
         <p:txBody>
-          <a:bodyPr anchorCtr="0" anchor="ctr" bIns="91425" lIns="91425" spcFirstLastPara="1" rIns="91425" wrap="square" tIns="91425">
+          <a:bodyPr spcFirstLastPara="1" wrap="square" lIns="91425" tIns="91425" rIns="91425" bIns="91425" anchor="ctr" anchorCtr="0">
             <a:noAutofit/>
           </a:bodyPr>
           <a:lstStyle/>
           <a:p>
-            <a:pPr indent="0" lvl="0" marL="0" rtl="0" algn="l">
+            <a:pPr marL="0" lvl="0" indent="0" algn="l" rtl="0">
               <a:spcBef>
                 <a:spcPts val="0"/>
               </a:spcBef>
@@ -5070,9 +5180,6 @@
               </a:spcAft>
               <a:buNone/>
             </a:pPr>
-            <a:r>
-              <a:t/>
-            </a:r>
             <a:endParaRPr/>
           </a:p>
         </p:txBody>
@@ -5092,21 +5199,23 @@
             <a:avLst/>
           </a:prstGeom>
           <a:noFill/>
-          <a:ln cap="flat" cmpd="sng" w="19050">
+          <a:ln w="19050" cap="flat" cmpd="sng">
             <a:solidFill>
               <a:schemeClr val="lt1"/>
             </a:solidFill>
             <a:prstDash val="solid"/>
             <a:round/>
-            <a:headEnd len="sm" w="sm" type="none"/>
-            <a:tailEnd len="sm" w="sm" type="none"/>
+            <a:headEnd type="none" w="sm" len="sm"/>
+            <a:tailEnd type="none" w="sm" len="sm"/>
           </a:ln>
         </p:spPr>
       </p:cxnSp>
       <p:sp>
         <p:nvSpPr>
           <p:cNvPr id="49" name="Google Shape;49;p9"/>
-          <p:cNvSpPr txBox="1"/>
+          <p:cNvSpPr txBox="1">
+            <a:spLocks noGrp="1"/>
+          </p:cNvSpPr>
           <p:nvPr>
             <p:ph type="title"/>
           </p:nvPr>
@@ -5121,7 +5230,7 @@
           </a:prstGeom>
         </p:spPr>
         <p:txBody>
-          <a:bodyPr anchorCtr="0" anchor="b" bIns="91425" lIns="91425" spcFirstLastPara="1" rIns="91425" wrap="square" tIns="91425">
+          <a:bodyPr spcFirstLastPara="1" wrap="square" lIns="91425" tIns="91425" rIns="91425" bIns="91425" anchor="b" anchorCtr="0">
             <a:normAutofit/>
           </a:bodyPr>
           <a:lstStyle>
@@ -5225,15 +5334,19 @@
               <a:defRPr sz="4200"/>
             </a:lvl9pPr>
           </a:lstStyle>
-          <a:p/>
+          <a:p>
+            <a:endParaRPr/>
+          </a:p>
         </p:txBody>
       </p:sp>
       <p:sp>
         <p:nvSpPr>
           <p:cNvPr id="50" name="Google Shape;50;p9"/>
-          <p:cNvSpPr txBox="1"/>
+          <p:cNvSpPr txBox="1">
+            <a:spLocks noGrp="1"/>
+          </p:cNvSpPr>
           <p:nvPr>
-            <p:ph idx="1" type="subTitle"/>
+            <p:ph type="subTitle" idx="1"/>
           </p:nvPr>
         </p:nvSpPr>
         <p:spPr>
@@ -5246,7 +5359,7 @@
           </a:prstGeom>
         </p:spPr>
         <p:txBody>
-          <a:bodyPr anchorCtr="0" anchor="t" bIns="91425" lIns="91425" spcFirstLastPara="1" rIns="91425" wrap="square" tIns="91425">
+          <a:bodyPr spcFirstLastPara="1" wrap="square" lIns="91425" tIns="91425" rIns="91425" bIns="91425" anchor="t" anchorCtr="0">
             <a:normAutofit/>
           </a:bodyPr>
           <a:lstStyle>
@@ -5440,15 +5553,19 @@
               </a:defRPr>
             </a:lvl9pPr>
           </a:lstStyle>
-          <a:p/>
+          <a:p>
+            <a:endParaRPr/>
+          </a:p>
         </p:txBody>
       </p:sp>
       <p:sp>
         <p:nvSpPr>
           <p:cNvPr id="51" name="Google Shape;51;p9"/>
-          <p:cNvSpPr txBox="1"/>
+          <p:cNvSpPr txBox="1">
+            <a:spLocks noGrp="1"/>
+          </p:cNvSpPr>
           <p:nvPr>
-            <p:ph idx="2" type="body"/>
+            <p:ph type="body" idx="2"/>
           </p:nvPr>
         </p:nvSpPr>
         <p:spPr>
@@ -5461,11 +5578,11 @@
           </a:prstGeom>
         </p:spPr>
         <p:txBody>
-          <a:bodyPr anchorCtr="0" anchor="ctr" bIns="91425" lIns="91425" spcFirstLastPara="1" rIns="91425" wrap="square" tIns="91425">
+          <a:bodyPr spcFirstLastPara="1" wrap="square" lIns="91425" tIns="91425" rIns="91425" bIns="91425" anchor="ctr" anchorCtr="0">
             <a:normAutofit/>
           </a:bodyPr>
           <a:lstStyle>
-            <a:lvl1pPr indent="-342900" lvl="0" marL="457200">
+            <a:lvl1pPr marL="457200" lvl="0" indent="-342900">
               <a:spcBef>
                 <a:spcPts val="0"/>
               </a:spcBef>
@@ -5483,7 +5600,7 @@
                 </a:solidFill>
               </a:defRPr>
             </a:lvl1pPr>
-            <a:lvl2pPr indent="-317500" lvl="1" marL="914400">
+            <a:lvl2pPr marL="914400" lvl="1" indent="-317500">
               <a:spcBef>
                 <a:spcPts val="0"/>
               </a:spcBef>
@@ -5501,7 +5618,7 @@
                 </a:solidFill>
               </a:defRPr>
             </a:lvl2pPr>
-            <a:lvl3pPr indent="-317500" lvl="2" marL="1371600">
+            <a:lvl3pPr marL="1371600" lvl="2" indent="-317500">
               <a:spcBef>
                 <a:spcPts val="0"/>
               </a:spcBef>
@@ -5519,7 +5636,7 @@
                 </a:solidFill>
               </a:defRPr>
             </a:lvl3pPr>
-            <a:lvl4pPr indent="-317500" lvl="3" marL="1828800">
+            <a:lvl4pPr marL="1828800" lvl="3" indent="-317500">
               <a:spcBef>
                 <a:spcPts val="0"/>
               </a:spcBef>
@@ -5537,7 +5654,7 @@
                 </a:solidFill>
               </a:defRPr>
             </a:lvl4pPr>
-            <a:lvl5pPr indent="-317500" lvl="4" marL="2286000">
+            <a:lvl5pPr marL="2286000" lvl="4" indent="-317500">
               <a:spcBef>
                 <a:spcPts val="0"/>
               </a:spcBef>
@@ -5555,7 +5672,7 @@
                 </a:solidFill>
               </a:defRPr>
             </a:lvl5pPr>
-            <a:lvl6pPr indent="-317500" lvl="5" marL="2743200">
+            <a:lvl6pPr marL="2743200" lvl="5" indent="-317500">
               <a:spcBef>
                 <a:spcPts val="0"/>
               </a:spcBef>
@@ -5573,7 +5690,7 @@
                 </a:solidFill>
               </a:defRPr>
             </a:lvl6pPr>
-            <a:lvl7pPr indent="-317500" lvl="6" marL="3200400">
+            <a:lvl7pPr marL="3200400" lvl="6" indent="-317500">
               <a:spcBef>
                 <a:spcPts val="0"/>
               </a:spcBef>
@@ -5591,7 +5708,7 @@
                 </a:solidFill>
               </a:defRPr>
             </a:lvl7pPr>
-            <a:lvl8pPr indent="-317500" lvl="7" marL="3657600">
+            <a:lvl8pPr marL="3657600" lvl="7" indent="-317500">
               <a:spcBef>
                 <a:spcPts val="0"/>
               </a:spcBef>
@@ -5609,7 +5726,7 @@
                 </a:solidFill>
               </a:defRPr>
             </a:lvl8pPr>
-            <a:lvl9pPr indent="-317500" lvl="8" marL="4114800">
+            <a:lvl9pPr marL="4114800" lvl="8" indent="-317500">
               <a:spcBef>
                 <a:spcPts val="0"/>
               </a:spcBef>
@@ -5628,15 +5745,19 @@
               </a:defRPr>
             </a:lvl9pPr>
           </a:lstStyle>
-          <a:p/>
+          <a:p>
+            <a:endParaRPr/>
+          </a:p>
         </p:txBody>
       </p:sp>
       <p:sp>
         <p:nvSpPr>
           <p:cNvPr id="52" name="Google Shape;52;p9"/>
-          <p:cNvSpPr txBox="1"/>
+          <p:cNvSpPr txBox="1">
+            <a:spLocks noGrp="1"/>
+          </p:cNvSpPr>
           <p:nvPr>
-            <p:ph idx="12" type="sldNum"/>
+            <p:ph type="sldNum" idx="12"/>
           </p:nvPr>
         </p:nvSpPr>
         <p:spPr>
@@ -5649,7 +5770,7 @@
           </a:prstGeom>
         </p:spPr>
         <p:txBody>
-          <a:bodyPr anchorCtr="0" anchor="ctr" bIns="91425" lIns="91425" spcFirstLastPara="1" rIns="91425" wrap="square" tIns="91425">
+          <a:bodyPr spcFirstLastPara="1" wrap="square" lIns="91425" tIns="91425" rIns="91425" bIns="91425" anchor="ctr" anchorCtr="0">
             <a:normAutofit/>
           </a:bodyPr>
           <a:lstStyle>
@@ -5727,7 +5848,7 @@
             </a:lvl9pPr>
           </a:lstStyle>
           <a:p>
-            <a:pPr indent="0" lvl="0" marL="0" rtl="0" algn="r">
+            <a:pPr marL="0" lvl="0" indent="0" algn="r" rtl="0">
               <a:spcBef>
                 <a:spcPts val="0"/>
               </a:spcBef>
@@ -5753,11 +5874,11 @@
 </file>
 
 <file path=ppt/slideLayouts/slideLayout9.xml><?xml version="1.0" encoding="utf-8"?>
-<p:sldLayout xmlns:a="http://schemas.openxmlformats.org/drawingml/2006/main" xmlns:r="http://schemas.openxmlformats.org/officeDocument/2006/relationships" xmlns:mc="http://schemas.openxmlformats.org/markup-compatibility/2006" xmlns:mv="urn:schemas-microsoft-com:mac:vml" xmlns:p="http://schemas.openxmlformats.org/presentationml/2006/main" xmlns:c="http://schemas.openxmlformats.org/drawingml/2006/chart" xmlns:dgm="http://schemas.openxmlformats.org/drawingml/2006/diagram" xmlns:o="urn:schemas-microsoft-com:office:office" xmlns:v="urn:schemas-microsoft-com:vml" xmlns:pvml="urn:schemas-microsoft-com:office:powerpoint" xmlns:com="http://schemas.openxmlformats.org/drawingml/2006/compatibility" xmlns:p14="http://schemas.microsoft.com/office/powerpoint/2010/main" xmlns:p15="http://schemas.microsoft.com/office/powerpoint/2012/main" xmlns:ahyp="http://schemas.microsoft.com/office/drawing/2018/hyperlinkcolor" matchingName="Caption">
+<p:sldLayout xmlns:a="http://schemas.openxmlformats.org/drawingml/2006/main" xmlns:r="http://schemas.openxmlformats.org/officeDocument/2006/relationships" xmlns:p="http://schemas.openxmlformats.org/presentationml/2006/main" matchingName="Caption">
   <p:cSld name="CAPTION_ONLY">
     <p:spTree>
       <p:nvGrpSpPr>
-        <p:cNvPr id="53" name="Shape 53"/>
+        <p:cNvPr id="1" name="Shape 53"/>
         <p:cNvGrpSpPr/>
         <p:nvPr/>
       </p:nvGrpSpPr>
@@ -5772,9 +5893,11 @@
       <p:sp>
         <p:nvSpPr>
           <p:cNvPr id="54" name="Google Shape;54;p10"/>
-          <p:cNvSpPr txBox="1"/>
+          <p:cNvSpPr txBox="1">
+            <a:spLocks noGrp="1"/>
+          </p:cNvSpPr>
           <p:nvPr>
-            <p:ph idx="1" type="body"/>
+            <p:ph type="body" idx="1"/>
           </p:nvPr>
         </p:nvSpPr>
         <p:spPr>
@@ -5787,11 +5910,11 @@
           </a:prstGeom>
         </p:spPr>
         <p:txBody>
-          <a:bodyPr anchorCtr="0" anchor="ctr" bIns="91425" lIns="91425" spcFirstLastPara="1" rIns="91425" wrap="square" tIns="91425">
+          <a:bodyPr spcFirstLastPara="1" wrap="square" lIns="91425" tIns="91425" rIns="91425" bIns="91425" anchor="ctr" anchorCtr="0">
             <a:normAutofit/>
           </a:bodyPr>
           <a:lstStyle>
-            <a:lvl1pPr indent="-228600" lvl="0" marL="457200">
+            <a:lvl1pPr marL="457200" lvl="0" indent="-228600">
               <a:lnSpc>
                 <a:spcPct val="100000"/>
               </a:lnSpc>
@@ -5806,15 +5929,19 @@
               <a:defRPr/>
             </a:lvl1pPr>
           </a:lstStyle>
-          <a:p/>
+          <a:p>
+            <a:endParaRPr/>
+          </a:p>
         </p:txBody>
       </p:sp>
       <p:sp>
         <p:nvSpPr>
           <p:cNvPr id="55" name="Google Shape;55;p10"/>
-          <p:cNvSpPr txBox="1"/>
+          <p:cNvSpPr txBox="1">
+            <a:spLocks noGrp="1"/>
+          </p:cNvSpPr>
           <p:nvPr>
-            <p:ph idx="12" type="sldNum"/>
+            <p:ph type="sldNum" idx="12"/>
           </p:nvPr>
         </p:nvSpPr>
         <p:spPr>
@@ -5827,7 +5954,7 @@
           </a:prstGeom>
         </p:spPr>
         <p:txBody>
-          <a:bodyPr anchorCtr="0" anchor="ctr" bIns="91425" lIns="91425" spcFirstLastPara="1" rIns="91425" wrap="square" tIns="91425">
+          <a:bodyPr spcFirstLastPara="1" wrap="square" lIns="91425" tIns="91425" rIns="91425" bIns="91425" anchor="ctr" anchorCtr="0">
             <a:normAutofit/>
           </a:bodyPr>
           <a:lstStyle>
@@ -5869,7 +5996,7 @@
             </a:lvl9pPr>
           </a:lstStyle>
           <a:p>
-            <a:pPr indent="0" lvl="0" marL="0" rtl="0" algn="r">
+            <a:pPr marL="0" lvl="0" indent="0" algn="r" rtl="0">
               <a:spcBef>
                 <a:spcPts val="0"/>
               </a:spcBef>
@@ -5895,18 +6022,19 @@
 </file>
 
 <file path=ppt/slideMasters/slideMaster1.xml><?xml version="1.0" encoding="utf-8"?>
-<p:sldMaster xmlns:a="http://schemas.openxmlformats.org/drawingml/2006/main" xmlns:r="http://schemas.openxmlformats.org/officeDocument/2006/relationships" xmlns:mc="http://schemas.openxmlformats.org/markup-compatibility/2006" xmlns:mv="urn:schemas-microsoft-com:mac:vml" xmlns:p="http://schemas.openxmlformats.org/presentationml/2006/main" xmlns:c="http://schemas.openxmlformats.org/drawingml/2006/chart" xmlns:dgm="http://schemas.openxmlformats.org/drawingml/2006/diagram" xmlns:o="urn:schemas-microsoft-com:office:office" xmlns:v="urn:schemas-microsoft-com:vml" xmlns:pvml="urn:schemas-microsoft-com:office:powerpoint" xmlns:com="http://schemas.openxmlformats.org/drawingml/2006/compatibility" xmlns:p14="http://schemas.microsoft.com/office/powerpoint/2010/main" xmlns:p15="http://schemas.microsoft.com/office/powerpoint/2012/main" xmlns:ahyp="http://schemas.microsoft.com/office/drawing/2018/hyperlinkcolor">
+<p:sldMaster xmlns:a="http://schemas.openxmlformats.org/drawingml/2006/main" xmlns:r="http://schemas.openxmlformats.org/officeDocument/2006/relationships" xmlns:p="http://schemas.openxmlformats.org/presentationml/2006/main">
   <p:cSld name="blue-gold">
     <p:bg>
       <p:bgPr>
         <a:solidFill>
           <a:schemeClr val="lt1"/>
         </a:solidFill>
+        <a:effectLst/>
       </p:bgPr>
     </p:bg>
     <p:spTree>
       <p:nvGrpSpPr>
-        <p:cNvPr id="5" name="Shape 5"/>
+        <p:cNvPr id="1" name="Shape 5"/>
         <p:cNvGrpSpPr/>
         <p:nvPr/>
       </p:nvGrpSpPr>
@@ -5921,7 +6049,9 @@
       <p:sp>
         <p:nvSpPr>
           <p:cNvPr id="6" name="Google Shape;6;p1"/>
-          <p:cNvSpPr txBox="1"/>
+          <p:cNvSpPr txBox="1">
+            <a:spLocks noGrp="1"/>
+          </p:cNvSpPr>
           <p:nvPr>
             <p:ph type="title"/>
           </p:nvPr>
@@ -5940,7 +6070,7 @@
           </a:ln>
         </p:spPr>
         <p:txBody>
-          <a:bodyPr anchorCtr="0" anchor="t" bIns="91425" lIns="91425" spcFirstLastPara="1" rIns="91425" wrap="square" tIns="91425">
+          <a:bodyPr spcFirstLastPara="1" wrap="square" lIns="91425" tIns="91425" rIns="91425" bIns="91425" anchor="t" anchorCtr="0">
             <a:normAutofit/>
           </a:bodyPr>
           <a:lstStyle>
@@ -5957,7 +6087,7 @@
               <a:buSzPts val="3200"/>
               <a:buFont typeface="Playfair Display"/>
               <a:buNone/>
-              <a:defRPr b="1" sz="3200">
+              <a:defRPr sz="3200" b="1">
                 <a:solidFill>
                   <a:schemeClr val="dk1"/>
                 </a:solidFill>
@@ -5980,7 +6110,7 @@
               <a:buSzPts val="3200"/>
               <a:buFont typeface="Playfair Display"/>
               <a:buNone/>
-              <a:defRPr b="1" sz="3200">
+              <a:defRPr sz="3200" b="1">
                 <a:solidFill>
                   <a:schemeClr val="dk1"/>
                 </a:solidFill>
@@ -6003,7 +6133,7 @@
               <a:buSzPts val="3200"/>
               <a:buFont typeface="Playfair Display"/>
               <a:buNone/>
-              <a:defRPr b="1" sz="3200">
+              <a:defRPr sz="3200" b="1">
                 <a:solidFill>
                   <a:schemeClr val="dk1"/>
                 </a:solidFill>
@@ -6026,7 +6156,7 @@
               <a:buSzPts val="3200"/>
               <a:buFont typeface="Playfair Display"/>
               <a:buNone/>
-              <a:defRPr b="1" sz="3200">
+              <a:defRPr sz="3200" b="1">
                 <a:solidFill>
                   <a:schemeClr val="dk1"/>
                 </a:solidFill>
@@ -6049,7 +6179,7 @@
               <a:buSzPts val="3200"/>
               <a:buFont typeface="Playfair Display"/>
               <a:buNone/>
-              <a:defRPr b="1" sz="3200">
+              <a:defRPr sz="3200" b="1">
                 <a:solidFill>
                   <a:schemeClr val="dk1"/>
                 </a:solidFill>
@@ -6072,7 +6202,7 @@
               <a:buSzPts val="3200"/>
               <a:buFont typeface="Playfair Display"/>
               <a:buNone/>
-              <a:defRPr b="1" sz="3200">
+              <a:defRPr sz="3200" b="1">
                 <a:solidFill>
                   <a:schemeClr val="dk1"/>
                 </a:solidFill>
@@ -6095,7 +6225,7 @@
               <a:buSzPts val="3200"/>
               <a:buFont typeface="Playfair Display"/>
               <a:buNone/>
-              <a:defRPr b="1" sz="3200">
+              <a:defRPr sz="3200" b="1">
                 <a:solidFill>
                   <a:schemeClr val="dk1"/>
                 </a:solidFill>
@@ -6118,7 +6248,7 @@
               <a:buSzPts val="3200"/>
               <a:buFont typeface="Playfair Display"/>
               <a:buNone/>
-              <a:defRPr b="1" sz="3200">
+              <a:defRPr sz="3200" b="1">
                 <a:solidFill>
                   <a:schemeClr val="dk1"/>
                 </a:solidFill>
@@ -6141,7 +6271,7 @@
               <a:buSzPts val="3200"/>
               <a:buFont typeface="Playfair Display"/>
               <a:buNone/>
-              <a:defRPr b="1" sz="3200">
+              <a:defRPr sz="3200" b="1">
                 <a:solidFill>
                   <a:schemeClr val="dk1"/>
                 </a:solidFill>
@@ -6152,15 +6282,19 @@
               </a:defRPr>
             </a:lvl9pPr>
           </a:lstStyle>
-          <a:p/>
+          <a:p>
+            <a:endParaRPr/>
+          </a:p>
         </p:txBody>
       </p:sp>
       <p:sp>
         <p:nvSpPr>
           <p:cNvPr id="7" name="Google Shape;7;p1"/>
-          <p:cNvSpPr txBox="1"/>
+          <p:cNvSpPr txBox="1">
+            <a:spLocks noGrp="1"/>
+          </p:cNvSpPr>
           <p:nvPr>
-            <p:ph idx="1" type="body"/>
+            <p:ph type="body" idx="1"/>
           </p:nvPr>
         </p:nvSpPr>
         <p:spPr>
@@ -6177,11 +6311,11 @@
           </a:ln>
         </p:spPr>
         <p:txBody>
-          <a:bodyPr anchorCtr="0" anchor="t" bIns="91425" lIns="91425" spcFirstLastPara="1" rIns="91425" wrap="square" tIns="91425">
+          <a:bodyPr spcFirstLastPara="1" wrap="square" lIns="91425" tIns="91425" rIns="91425" bIns="91425" anchor="t" anchorCtr="0">
             <a:normAutofit/>
           </a:bodyPr>
           <a:lstStyle>
-            <a:lvl1pPr indent="-342900" lvl="0" marL="457200">
+            <a:lvl1pPr marL="457200" lvl="0" indent="-342900">
               <a:lnSpc>
                 <a:spcPct val="115000"/>
               </a:lnSpc>
@@ -6207,7 +6341,7 @@
                 <a:sym typeface="Lato"/>
               </a:defRPr>
             </a:lvl1pPr>
-            <a:lvl2pPr indent="-317500" lvl="1" marL="914400">
+            <a:lvl2pPr marL="914400" lvl="1" indent="-317500">
               <a:lnSpc>
                 <a:spcPct val="115000"/>
               </a:lnSpc>
@@ -6233,7 +6367,7 @@
                 <a:sym typeface="Lato"/>
               </a:defRPr>
             </a:lvl2pPr>
-            <a:lvl3pPr indent="-317500" lvl="2" marL="1371600">
+            <a:lvl3pPr marL="1371600" lvl="2" indent="-317500">
               <a:lnSpc>
                 <a:spcPct val="115000"/>
               </a:lnSpc>
@@ -6259,7 +6393,7 @@
                 <a:sym typeface="Lato"/>
               </a:defRPr>
             </a:lvl3pPr>
-            <a:lvl4pPr indent="-317500" lvl="3" marL="1828800">
+            <a:lvl4pPr marL="1828800" lvl="3" indent="-317500">
               <a:lnSpc>
                 <a:spcPct val="115000"/>
               </a:lnSpc>
@@ -6285,7 +6419,7 @@
                 <a:sym typeface="Lato"/>
               </a:defRPr>
             </a:lvl4pPr>
-            <a:lvl5pPr indent="-317500" lvl="4" marL="2286000">
+            <a:lvl5pPr marL="2286000" lvl="4" indent="-317500">
               <a:lnSpc>
                 <a:spcPct val="115000"/>
               </a:lnSpc>
@@ -6311,7 +6445,7 @@
                 <a:sym typeface="Lato"/>
               </a:defRPr>
             </a:lvl5pPr>
-            <a:lvl6pPr indent="-317500" lvl="5" marL="2743200">
+            <a:lvl6pPr marL="2743200" lvl="5" indent="-317500">
               <a:lnSpc>
                 <a:spcPct val="115000"/>
               </a:lnSpc>
@@ -6337,7 +6471,7 @@
                 <a:sym typeface="Lato"/>
               </a:defRPr>
             </a:lvl6pPr>
-            <a:lvl7pPr indent="-317500" lvl="6" marL="3200400">
+            <a:lvl7pPr marL="3200400" lvl="6" indent="-317500">
               <a:lnSpc>
                 <a:spcPct val="115000"/>
               </a:lnSpc>
@@ -6363,7 +6497,7 @@
                 <a:sym typeface="Lato"/>
               </a:defRPr>
             </a:lvl7pPr>
-            <a:lvl8pPr indent="-317500" lvl="7" marL="3657600">
+            <a:lvl8pPr marL="3657600" lvl="7" indent="-317500">
               <a:lnSpc>
                 <a:spcPct val="115000"/>
               </a:lnSpc>
@@ -6389,7 +6523,7 @@
                 <a:sym typeface="Lato"/>
               </a:defRPr>
             </a:lvl8pPr>
-            <a:lvl9pPr indent="-317500" lvl="8" marL="4114800">
+            <a:lvl9pPr marL="4114800" lvl="8" indent="-317500">
               <a:lnSpc>
                 <a:spcPct val="115000"/>
               </a:lnSpc>
@@ -6416,15 +6550,19 @@
               </a:defRPr>
             </a:lvl9pPr>
           </a:lstStyle>
-          <a:p/>
+          <a:p>
+            <a:endParaRPr/>
+          </a:p>
         </p:txBody>
       </p:sp>
       <p:sp>
         <p:nvSpPr>
           <p:cNvPr id="8" name="Google Shape;8;p1"/>
-          <p:cNvSpPr txBox="1"/>
+          <p:cNvSpPr txBox="1">
+            <a:spLocks noGrp="1"/>
+          </p:cNvSpPr>
           <p:nvPr>
-            <p:ph idx="12" type="sldNum"/>
+            <p:ph type="sldNum" idx="12"/>
           </p:nvPr>
         </p:nvSpPr>
         <p:spPr>
@@ -6441,7 +6579,7 @@
           </a:ln>
         </p:spPr>
         <p:txBody>
-          <a:bodyPr anchorCtr="0" anchor="ctr" bIns="91425" lIns="91425" spcFirstLastPara="1" rIns="91425" wrap="square" tIns="91425">
+          <a:bodyPr spcFirstLastPara="1" wrap="square" lIns="91425" tIns="91425" rIns="91425" bIns="91425" anchor="ctr" anchorCtr="0">
             <a:normAutofit/>
           </a:bodyPr>
           <a:lstStyle>
@@ -6555,7 +6693,7 @@
             </a:lvl9pPr>
           </a:lstStyle>
           <a:p>
-            <a:pPr indent="0" lvl="0" marL="0" rtl="0" algn="r">
+            <a:pPr marL="0" lvl="0" indent="0" algn="r" rtl="0">
               <a:spcBef>
                 <a:spcPts val="0"/>
               </a:spcBef>
@@ -6574,7 +6712,7 @@
       </p:sp>
     </p:spTree>
   </p:cSld>
-  <p:clrMap accent1="accent1" accent2="accent2" accent3="accent3" accent4="accent4" accent5="accent5" accent6="accent6" bg1="lt1" bg2="dk2" tx1="dk1" tx2="lt2" folHlink="folHlink" hlink="hlink"/>
+  <p:clrMap bg1="lt1" tx1="dk1" bg2="dk2" tx2="lt2" accent1="accent1" accent2="accent2" accent3="accent3" accent4="accent4" accent5="accent5" accent6="accent6" hlink="hlink" folHlink="folHlink"/>
   <p:sldLayoutIdLst>
     <p:sldLayoutId id="2147483648" r:id="rId1"/>
     <p:sldLayoutId id="2147483649" r:id="rId2"/>
@@ -6588,10 +6726,10 @@
     <p:sldLayoutId id="2147483657" r:id="rId10"/>
     <p:sldLayoutId id="2147483658" r:id="rId11"/>
   </p:sldLayoutIdLst>
-  <p:hf dt="0" ftr="0" hdr="0" sldNum="0"/>
+  <p:hf sldNum="0" hdr="0" ftr="0" dt="0"/>
   <p:txStyles>
     <p:titleStyle>
-      <a:defPPr lvl="0" marR="0" rtl="0" algn="l">
+      <a:defPPr marR="0" lvl="0" algn="l" rtl="0">
         <a:lnSpc>
           <a:spcPct val="100000"/>
         </a:lnSpc>
@@ -6602,7 +6740,7 @@
           <a:spcPts val="0"/>
         </a:spcAft>
       </a:defPPr>
-      <a:lvl1pPr lvl="0" marR="0" rtl="0" algn="l">
+      <a:lvl1pPr marR="0" lvl="0" algn="l" rtl="0">
         <a:lnSpc>
           <a:spcPct val="100000"/>
         </a:lnSpc>
@@ -6616,7 +6754,7 @@
           <a:srgbClr val="000000"/>
         </a:buClr>
         <a:buFont typeface="Arial"/>
-        <a:defRPr b="0" i="0" sz="1400" u="none" cap="none" strike="noStrike">
+        <a:defRPr sz="1400" b="0" i="0" u="none" strike="noStrike" cap="none">
           <a:solidFill>
             <a:srgbClr val="000000"/>
           </a:solidFill>
@@ -6626,7 +6764,7 @@
           <a:sym typeface="Arial"/>
         </a:defRPr>
       </a:lvl1pPr>
-      <a:lvl2pPr lvl="1" marR="0" rtl="0" algn="l">
+      <a:lvl2pPr marR="0" lvl="1" algn="l" rtl="0">
         <a:lnSpc>
           <a:spcPct val="100000"/>
         </a:lnSpc>
@@ -6640,7 +6778,7 @@
           <a:srgbClr val="000000"/>
         </a:buClr>
         <a:buFont typeface="Arial"/>
-        <a:defRPr b="0" i="0" sz="1400" u="none" cap="none" strike="noStrike">
+        <a:defRPr sz="1400" b="0" i="0" u="none" strike="noStrike" cap="none">
           <a:solidFill>
             <a:srgbClr val="000000"/>
           </a:solidFill>
@@ -6650,7 +6788,7 @@
           <a:sym typeface="Arial"/>
         </a:defRPr>
       </a:lvl2pPr>
-      <a:lvl3pPr lvl="2" marR="0" rtl="0" algn="l">
+      <a:lvl3pPr marR="0" lvl="2" algn="l" rtl="0">
         <a:lnSpc>
           <a:spcPct val="100000"/>
         </a:lnSpc>
@@ -6664,7 +6802,7 @@
           <a:srgbClr val="000000"/>
         </a:buClr>
         <a:buFont typeface="Arial"/>
-        <a:defRPr b="0" i="0" sz="1400" u="none" cap="none" strike="noStrike">
+        <a:defRPr sz="1400" b="0" i="0" u="none" strike="noStrike" cap="none">
           <a:solidFill>
             <a:srgbClr val="000000"/>
           </a:solidFill>
@@ -6674,7 +6812,7 @@
           <a:sym typeface="Arial"/>
         </a:defRPr>
       </a:lvl3pPr>
-      <a:lvl4pPr lvl="3" marR="0" rtl="0" algn="l">
+      <a:lvl4pPr marR="0" lvl="3" algn="l" rtl="0">
         <a:lnSpc>
           <a:spcPct val="100000"/>
         </a:lnSpc>
@@ -6688,7 +6826,7 @@
           <a:srgbClr val="000000"/>
         </a:buClr>
         <a:buFont typeface="Arial"/>
-        <a:defRPr b="0" i="0" sz="1400" u="none" cap="none" strike="noStrike">
+        <a:defRPr sz="1400" b="0" i="0" u="none" strike="noStrike" cap="none">
           <a:solidFill>
             <a:srgbClr val="000000"/>
           </a:solidFill>
@@ -6698,7 +6836,7 @@
           <a:sym typeface="Arial"/>
         </a:defRPr>
       </a:lvl4pPr>
-      <a:lvl5pPr lvl="4" marR="0" rtl="0" algn="l">
+      <a:lvl5pPr marR="0" lvl="4" algn="l" rtl="0">
         <a:lnSpc>
           <a:spcPct val="100000"/>
         </a:lnSpc>
@@ -6712,7 +6850,7 @@
           <a:srgbClr val="000000"/>
         </a:buClr>
         <a:buFont typeface="Arial"/>
-        <a:defRPr b="0" i="0" sz="1400" u="none" cap="none" strike="noStrike">
+        <a:defRPr sz="1400" b="0" i="0" u="none" strike="noStrike" cap="none">
           <a:solidFill>
             <a:srgbClr val="000000"/>
           </a:solidFill>
@@ -6722,7 +6860,7 @@
           <a:sym typeface="Arial"/>
         </a:defRPr>
       </a:lvl5pPr>
-      <a:lvl6pPr lvl="5" marR="0" rtl="0" algn="l">
+      <a:lvl6pPr marR="0" lvl="5" algn="l" rtl="0">
         <a:lnSpc>
           <a:spcPct val="100000"/>
         </a:lnSpc>
@@ -6736,7 +6874,7 @@
           <a:srgbClr val="000000"/>
         </a:buClr>
         <a:buFont typeface="Arial"/>
-        <a:defRPr b="0" i="0" sz="1400" u="none" cap="none" strike="noStrike">
+        <a:defRPr sz="1400" b="0" i="0" u="none" strike="noStrike" cap="none">
           <a:solidFill>
             <a:srgbClr val="000000"/>
           </a:solidFill>
@@ -6746,7 +6884,7 @@
           <a:sym typeface="Arial"/>
         </a:defRPr>
       </a:lvl6pPr>
-      <a:lvl7pPr lvl="6" marR="0" rtl="0" algn="l">
+      <a:lvl7pPr marR="0" lvl="6" algn="l" rtl="0">
         <a:lnSpc>
           <a:spcPct val="100000"/>
         </a:lnSpc>
@@ -6760,7 +6898,7 @@
           <a:srgbClr val="000000"/>
         </a:buClr>
         <a:buFont typeface="Arial"/>
-        <a:defRPr b="0" i="0" sz="1400" u="none" cap="none" strike="noStrike">
+        <a:defRPr sz="1400" b="0" i="0" u="none" strike="noStrike" cap="none">
           <a:solidFill>
             <a:srgbClr val="000000"/>
           </a:solidFill>
@@ -6770,7 +6908,7 @@
           <a:sym typeface="Arial"/>
         </a:defRPr>
       </a:lvl7pPr>
-      <a:lvl8pPr lvl="7" marR="0" rtl="0" algn="l">
+      <a:lvl8pPr marR="0" lvl="7" algn="l" rtl="0">
         <a:lnSpc>
           <a:spcPct val="100000"/>
         </a:lnSpc>
@@ -6784,7 +6922,7 @@
           <a:srgbClr val="000000"/>
         </a:buClr>
         <a:buFont typeface="Arial"/>
-        <a:defRPr b="0" i="0" sz="1400" u="none" cap="none" strike="noStrike">
+        <a:defRPr sz="1400" b="0" i="0" u="none" strike="noStrike" cap="none">
           <a:solidFill>
             <a:srgbClr val="000000"/>
           </a:solidFill>
@@ -6794,7 +6932,7 @@
           <a:sym typeface="Arial"/>
         </a:defRPr>
       </a:lvl8pPr>
-      <a:lvl9pPr lvl="8" marR="0" rtl="0" algn="l">
+      <a:lvl9pPr marR="0" lvl="8" algn="l" rtl="0">
         <a:lnSpc>
           <a:spcPct val="100000"/>
         </a:lnSpc>
@@ -6808,7 +6946,7 @@
           <a:srgbClr val="000000"/>
         </a:buClr>
         <a:buFont typeface="Arial"/>
-        <a:defRPr b="0" i="0" sz="1400" u="none" cap="none" strike="noStrike">
+        <a:defRPr sz="1400" b="0" i="0" u="none" strike="noStrike" cap="none">
           <a:solidFill>
             <a:srgbClr val="000000"/>
           </a:solidFill>
@@ -6820,7 +6958,7 @@
       </a:lvl9pPr>
     </p:titleStyle>
     <p:bodyStyle>
-      <a:defPPr lvl="0" marR="0" rtl="0" algn="l">
+      <a:defPPr marR="0" lvl="0" algn="l" rtl="0">
         <a:lnSpc>
           <a:spcPct val="100000"/>
         </a:lnSpc>
@@ -6831,7 +6969,7 @@
           <a:spcPts val="0"/>
         </a:spcAft>
       </a:defPPr>
-      <a:lvl1pPr lvl="0" marR="0" rtl="0" algn="l">
+      <a:lvl1pPr marR="0" lvl="0" algn="l" rtl="0">
         <a:lnSpc>
           <a:spcPct val="100000"/>
         </a:lnSpc>
@@ -6845,7 +6983,7 @@
           <a:srgbClr val="000000"/>
         </a:buClr>
         <a:buFont typeface="Arial"/>
-        <a:defRPr b="0" i="0" sz="1400" u="none" cap="none" strike="noStrike">
+        <a:defRPr sz="1400" b="0" i="0" u="none" strike="noStrike" cap="none">
           <a:solidFill>
             <a:srgbClr val="000000"/>
           </a:solidFill>
@@ -6855,7 +6993,7 @@
           <a:sym typeface="Arial"/>
         </a:defRPr>
       </a:lvl1pPr>
-      <a:lvl2pPr lvl="1" marR="0" rtl="0" algn="l">
+      <a:lvl2pPr marR="0" lvl="1" algn="l" rtl="0">
         <a:lnSpc>
           <a:spcPct val="100000"/>
         </a:lnSpc>
@@ -6869,7 +7007,7 @@
           <a:srgbClr val="000000"/>
         </a:buClr>
         <a:buFont typeface="Arial"/>
-        <a:defRPr b="0" i="0" sz="1400" u="none" cap="none" strike="noStrike">
+        <a:defRPr sz="1400" b="0" i="0" u="none" strike="noStrike" cap="none">
           <a:solidFill>
             <a:srgbClr val="000000"/>
           </a:solidFill>
@@ -6879,7 +7017,7 @@
           <a:sym typeface="Arial"/>
         </a:defRPr>
       </a:lvl2pPr>
-      <a:lvl3pPr lvl="2" marR="0" rtl="0" algn="l">
+      <a:lvl3pPr marR="0" lvl="2" algn="l" rtl="0">
         <a:lnSpc>
           <a:spcPct val="100000"/>
         </a:lnSpc>
@@ -6893,7 +7031,7 @@
           <a:srgbClr val="000000"/>
         </a:buClr>
         <a:buFont typeface="Arial"/>
-        <a:defRPr b="0" i="0" sz="1400" u="none" cap="none" strike="noStrike">
+        <a:defRPr sz="1400" b="0" i="0" u="none" strike="noStrike" cap="none">
           <a:solidFill>
             <a:srgbClr val="000000"/>
           </a:solidFill>
@@ -6903,7 +7041,7 @@
           <a:sym typeface="Arial"/>
         </a:defRPr>
       </a:lvl3pPr>
-      <a:lvl4pPr lvl="3" marR="0" rtl="0" algn="l">
+      <a:lvl4pPr marR="0" lvl="3" algn="l" rtl="0">
         <a:lnSpc>
           <a:spcPct val="100000"/>
         </a:lnSpc>
@@ -6917,7 +7055,7 @@
           <a:srgbClr val="000000"/>
         </a:buClr>
         <a:buFont typeface="Arial"/>
-        <a:defRPr b="0" i="0" sz="1400" u="none" cap="none" strike="noStrike">
+        <a:defRPr sz="1400" b="0" i="0" u="none" strike="noStrike" cap="none">
           <a:solidFill>
             <a:srgbClr val="000000"/>
           </a:solidFill>
@@ -6927,7 +7065,7 @@
           <a:sym typeface="Arial"/>
         </a:defRPr>
       </a:lvl4pPr>
-      <a:lvl5pPr lvl="4" marR="0" rtl="0" algn="l">
+      <a:lvl5pPr marR="0" lvl="4" algn="l" rtl="0">
         <a:lnSpc>
           <a:spcPct val="100000"/>
         </a:lnSpc>
@@ -6941,7 +7079,7 @@
           <a:srgbClr val="000000"/>
         </a:buClr>
         <a:buFont typeface="Arial"/>
-        <a:defRPr b="0" i="0" sz="1400" u="none" cap="none" strike="noStrike">
+        <a:defRPr sz="1400" b="0" i="0" u="none" strike="noStrike" cap="none">
           <a:solidFill>
             <a:srgbClr val="000000"/>
           </a:solidFill>
@@ -6951,7 +7089,7 @@
           <a:sym typeface="Arial"/>
         </a:defRPr>
       </a:lvl5pPr>
-      <a:lvl6pPr lvl="5" marR="0" rtl="0" algn="l">
+      <a:lvl6pPr marR="0" lvl="5" algn="l" rtl="0">
         <a:lnSpc>
           <a:spcPct val="100000"/>
         </a:lnSpc>
@@ -6965,7 +7103,7 @@
           <a:srgbClr val="000000"/>
         </a:buClr>
         <a:buFont typeface="Arial"/>
-        <a:defRPr b="0" i="0" sz="1400" u="none" cap="none" strike="noStrike">
+        <a:defRPr sz="1400" b="0" i="0" u="none" strike="noStrike" cap="none">
           <a:solidFill>
             <a:srgbClr val="000000"/>
           </a:solidFill>
@@ -6975,7 +7113,7 @@
           <a:sym typeface="Arial"/>
         </a:defRPr>
       </a:lvl6pPr>
-      <a:lvl7pPr lvl="6" marR="0" rtl="0" algn="l">
+      <a:lvl7pPr marR="0" lvl="6" algn="l" rtl="0">
         <a:lnSpc>
           <a:spcPct val="100000"/>
         </a:lnSpc>
@@ -6989,7 +7127,7 @@
           <a:srgbClr val="000000"/>
         </a:buClr>
         <a:buFont typeface="Arial"/>
-        <a:defRPr b="0" i="0" sz="1400" u="none" cap="none" strike="noStrike">
+        <a:defRPr sz="1400" b="0" i="0" u="none" strike="noStrike" cap="none">
           <a:solidFill>
             <a:srgbClr val="000000"/>
           </a:solidFill>
@@ -6999,7 +7137,7 @@
           <a:sym typeface="Arial"/>
         </a:defRPr>
       </a:lvl7pPr>
-      <a:lvl8pPr lvl="7" marR="0" rtl="0" algn="l">
+      <a:lvl8pPr marR="0" lvl="7" algn="l" rtl="0">
         <a:lnSpc>
           <a:spcPct val="100000"/>
         </a:lnSpc>
@@ -7013,7 +7151,7 @@
           <a:srgbClr val="000000"/>
         </a:buClr>
         <a:buFont typeface="Arial"/>
-        <a:defRPr b="0" i="0" sz="1400" u="none" cap="none" strike="noStrike">
+        <a:defRPr sz="1400" b="0" i="0" u="none" strike="noStrike" cap="none">
           <a:solidFill>
             <a:srgbClr val="000000"/>
           </a:solidFill>
@@ -7023,7 +7161,7 @@
           <a:sym typeface="Arial"/>
         </a:defRPr>
       </a:lvl8pPr>
-      <a:lvl9pPr lvl="8" marR="0" rtl="0" algn="l">
+      <a:lvl9pPr marR="0" lvl="8" algn="l" rtl="0">
         <a:lnSpc>
           <a:spcPct val="100000"/>
         </a:lnSpc>
@@ -7037,7 +7175,7 @@
           <a:srgbClr val="000000"/>
         </a:buClr>
         <a:buFont typeface="Arial"/>
-        <a:defRPr b="0" i="0" sz="1400" u="none" cap="none" strike="noStrike">
+        <a:defRPr sz="1400" b="0" i="0" u="none" strike="noStrike" cap="none">
           <a:solidFill>
             <a:srgbClr val="000000"/>
           </a:solidFill>
@@ -7049,7 +7187,7 @@
       </a:lvl9pPr>
     </p:bodyStyle>
     <p:otherStyle>
-      <a:defPPr lvl="0" marR="0" rtl="0" algn="l">
+      <a:defPPr marR="0" lvl="0" algn="l" rtl="0">
         <a:lnSpc>
           <a:spcPct val="100000"/>
         </a:lnSpc>
@@ -7060,7 +7198,7 @@
           <a:spcPts val="0"/>
         </a:spcAft>
       </a:defPPr>
-      <a:lvl1pPr lvl="0" marR="0" rtl="0" algn="l">
+      <a:lvl1pPr marR="0" lvl="0" algn="l" rtl="0">
         <a:lnSpc>
           <a:spcPct val="100000"/>
         </a:lnSpc>
@@ -7074,7 +7212,7 @@
           <a:srgbClr val="000000"/>
         </a:buClr>
         <a:buFont typeface="Arial"/>
-        <a:defRPr b="0" i="0" sz="1400" u="none" cap="none" strike="noStrike">
+        <a:defRPr sz="1400" b="0" i="0" u="none" strike="noStrike" cap="none">
           <a:solidFill>
             <a:srgbClr val="000000"/>
           </a:solidFill>
@@ -7084,7 +7222,7 @@
           <a:sym typeface="Arial"/>
         </a:defRPr>
       </a:lvl1pPr>
-      <a:lvl2pPr lvl="1" marR="0" rtl="0" algn="l">
+      <a:lvl2pPr marR="0" lvl="1" algn="l" rtl="0">
         <a:lnSpc>
           <a:spcPct val="100000"/>
         </a:lnSpc>
@@ -7098,7 +7236,7 @@
           <a:srgbClr val="000000"/>
         </a:buClr>
         <a:buFont typeface="Arial"/>
-        <a:defRPr b="0" i="0" sz="1400" u="none" cap="none" strike="noStrike">
+        <a:defRPr sz="1400" b="0" i="0" u="none" strike="noStrike" cap="none">
           <a:solidFill>
             <a:srgbClr val="000000"/>
           </a:solidFill>
@@ -7108,7 +7246,7 @@
           <a:sym typeface="Arial"/>
         </a:defRPr>
       </a:lvl2pPr>
-      <a:lvl3pPr lvl="2" marR="0" rtl="0" algn="l">
+      <a:lvl3pPr marR="0" lvl="2" algn="l" rtl="0">
         <a:lnSpc>
           <a:spcPct val="100000"/>
         </a:lnSpc>
@@ -7122,7 +7260,7 @@
           <a:srgbClr val="000000"/>
         </a:buClr>
         <a:buFont typeface="Arial"/>
-        <a:defRPr b="0" i="0" sz="1400" u="none" cap="none" strike="noStrike">
+        <a:defRPr sz="1400" b="0" i="0" u="none" strike="noStrike" cap="none">
           <a:solidFill>
             <a:srgbClr val="000000"/>
           </a:solidFill>
@@ -7132,7 +7270,7 @@
           <a:sym typeface="Arial"/>
         </a:defRPr>
       </a:lvl3pPr>
-      <a:lvl4pPr lvl="3" marR="0" rtl="0" algn="l">
+      <a:lvl4pPr marR="0" lvl="3" algn="l" rtl="0">
         <a:lnSpc>
           <a:spcPct val="100000"/>
         </a:lnSpc>
@@ -7146,7 +7284,7 @@
           <a:srgbClr val="000000"/>
         </a:buClr>
         <a:buFont typeface="Arial"/>
-        <a:defRPr b="0" i="0" sz="1400" u="none" cap="none" strike="noStrike">
+        <a:defRPr sz="1400" b="0" i="0" u="none" strike="noStrike" cap="none">
           <a:solidFill>
             <a:srgbClr val="000000"/>
           </a:solidFill>
@@ -7156,7 +7294,7 @@
           <a:sym typeface="Arial"/>
         </a:defRPr>
       </a:lvl4pPr>
-      <a:lvl5pPr lvl="4" marR="0" rtl="0" algn="l">
+      <a:lvl5pPr marR="0" lvl="4" algn="l" rtl="0">
         <a:lnSpc>
           <a:spcPct val="100000"/>
         </a:lnSpc>
@@ -7170,7 +7308,7 @@
           <a:srgbClr val="000000"/>
         </a:buClr>
         <a:buFont typeface="Arial"/>
-        <a:defRPr b="0" i="0" sz="1400" u="none" cap="none" strike="noStrike">
+        <a:defRPr sz="1400" b="0" i="0" u="none" strike="noStrike" cap="none">
           <a:solidFill>
             <a:srgbClr val="000000"/>
           </a:solidFill>
@@ -7180,7 +7318,7 @@
           <a:sym typeface="Arial"/>
         </a:defRPr>
       </a:lvl5pPr>
-      <a:lvl6pPr lvl="5" marR="0" rtl="0" algn="l">
+      <a:lvl6pPr marR="0" lvl="5" algn="l" rtl="0">
         <a:lnSpc>
           <a:spcPct val="100000"/>
         </a:lnSpc>
@@ -7194,7 +7332,7 @@
           <a:srgbClr val="000000"/>
         </a:buClr>
         <a:buFont typeface="Arial"/>
-        <a:defRPr b="0" i="0" sz="1400" u="none" cap="none" strike="noStrike">
+        <a:defRPr sz="1400" b="0" i="0" u="none" strike="noStrike" cap="none">
           <a:solidFill>
             <a:srgbClr val="000000"/>
           </a:solidFill>
@@ -7204,7 +7342,7 @@
           <a:sym typeface="Arial"/>
         </a:defRPr>
       </a:lvl6pPr>
-      <a:lvl7pPr lvl="6" marR="0" rtl="0" algn="l">
+      <a:lvl7pPr marR="0" lvl="6" algn="l" rtl="0">
         <a:lnSpc>
           <a:spcPct val="100000"/>
         </a:lnSpc>
@@ -7218,7 +7356,7 @@
           <a:srgbClr val="000000"/>
         </a:buClr>
         <a:buFont typeface="Arial"/>
-        <a:defRPr b="0" i="0" sz="1400" u="none" cap="none" strike="noStrike">
+        <a:defRPr sz="1400" b="0" i="0" u="none" strike="noStrike" cap="none">
           <a:solidFill>
             <a:srgbClr val="000000"/>
           </a:solidFill>
@@ -7228,7 +7366,7 @@
           <a:sym typeface="Arial"/>
         </a:defRPr>
       </a:lvl7pPr>
-      <a:lvl8pPr lvl="7" marR="0" rtl="0" algn="l">
+      <a:lvl8pPr marR="0" lvl="7" algn="l" rtl="0">
         <a:lnSpc>
           <a:spcPct val="100000"/>
         </a:lnSpc>
@@ -7242,7 +7380,7 @@
           <a:srgbClr val="000000"/>
         </a:buClr>
         <a:buFont typeface="Arial"/>
-        <a:defRPr b="0" i="0" sz="1400" u="none" cap="none" strike="noStrike">
+        <a:defRPr sz="1400" b="0" i="0" u="none" strike="noStrike" cap="none">
           <a:solidFill>
             <a:srgbClr val="000000"/>
           </a:solidFill>
@@ -7252,7 +7390,7 @@
           <a:sym typeface="Arial"/>
         </a:defRPr>
       </a:lvl8pPr>
-      <a:lvl9pPr lvl="8" marR="0" rtl="0" algn="l">
+      <a:lvl9pPr marR="0" lvl="8" algn="l" rtl="0">
         <a:lnSpc>
           <a:spcPct val="100000"/>
         </a:lnSpc>
@@ -7266,7 +7404,7 @@
           <a:srgbClr val="000000"/>
         </a:buClr>
         <a:buFont typeface="Arial"/>
-        <a:defRPr b="0" i="0" sz="1400" u="none" cap="none" strike="noStrike">
+        <a:defRPr sz="1400" b="0" i="0" u="none" strike="noStrike" cap="none">
           <a:solidFill>
             <a:srgbClr val="000000"/>
           </a:solidFill>
@@ -7282,11 +7420,11 @@
 </file>
 
 <file path=ppt/slides/slide1.xml><?xml version="1.0" encoding="utf-8"?>
-<p:sld xmlns:a="http://schemas.openxmlformats.org/drawingml/2006/main" xmlns:r="http://schemas.openxmlformats.org/officeDocument/2006/relationships" xmlns:mc="http://schemas.openxmlformats.org/markup-compatibility/2006" xmlns:mv="urn:schemas-microsoft-com:mac:vml" xmlns:p="http://schemas.openxmlformats.org/presentationml/2006/main" xmlns:c="http://schemas.openxmlformats.org/drawingml/2006/chart" xmlns:dgm="http://schemas.openxmlformats.org/drawingml/2006/diagram" xmlns:o="urn:schemas-microsoft-com:office:office" xmlns:v="urn:schemas-microsoft-com:vml" xmlns:pvml="urn:schemas-microsoft-com:office:powerpoint" xmlns:com="http://schemas.openxmlformats.org/drawingml/2006/compatibility" xmlns:p14="http://schemas.microsoft.com/office/powerpoint/2010/main" xmlns:p15="http://schemas.microsoft.com/office/powerpoint/2012/main" xmlns:ahyp="http://schemas.microsoft.com/office/drawing/2018/hyperlinkcolor">
+<p:sld xmlns:a="http://schemas.openxmlformats.org/drawingml/2006/main" xmlns:r="http://schemas.openxmlformats.org/officeDocument/2006/relationships" xmlns:p="http://schemas.openxmlformats.org/presentationml/2006/main">
   <p:cSld>
     <p:spTree>
       <p:nvGrpSpPr>
-        <p:cNvPr id="67" name="Shape 67"/>
+        <p:cNvPr id="1" name="Shape 67"/>
         <p:cNvGrpSpPr/>
         <p:nvPr/>
       </p:nvGrpSpPr>
@@ -7301,7 +7439,9 @@
       <p:sp>
         <p:nvSpPr>
           <p:cNvPr id="68" name="Google Shape;68;p13"/>
-          <p:cNvSpPr txBox="1"/>
+          <p:cNvSpPr txBox="1">
+            <a:spLocks noGrp="1"/>
+          </p:cNvSpPr>
           <p:nvPr>
             <p:ph type="ctrTitle"/>
           </p:nvPr>
@@ -7316,12 +7456,12 @@
           </a:prstGeom>
         </p:spPr>
         <p:txBody>
-          <a:bodyPr anchorCtr="0" anchor="b" bIns="91425" lIns="91425" spcFirstLastPara="1" rIns="91425" wrap="square" tIns="91425">
-            <a:normAutofit/>
+          <a:bodyPr spcFirstLastPara="1" wrap="square" lIns="91425" tIns="91425" rIns="91425" bIns="91425" anchor="b" anchorCtr="0">
+            <a:normAutofit fontScale="90000"/>
           </a:bodyPr>
           <a:lstStyle/>
           <a:p>
-            <a:pPr indent="0" lvl="0" marL="0" rtl="0" algn="l">
+            <a:pPr marL="0" lvl="0" indent="0" algn="l" rtl="0">
               <a:spcBef>
                 <a:spcPts val="1000"/>
               </a:spcBef>
@@ -7331,19 +7471,21 @@
               <a:buNone/>
             </a:pPr>
             <a:r>
-              <a:rPr lang="en"/>
+              <a:rPr lang="en" u="sng" dirty="0"/>
               <a:t>Big Mountain Resort Pricing Strategy</a:t>
             </a:r>
-            <a:endParaRPr/>
+            <a:endParaRPr u="sng" dirty="0"/>
           </a:p>
         </p:txBody>
       </p:sp>
       <p:sp>
         <p:nvSpPr>
           <p:cNvPr id="69" name="Google Shape;69;p13"/>
-          <p:cNvSpPr txBox="1"/>
+          <p:cNvSpPr txBox="1">
+            <a:spLocks noGrp="1"/>
+          </p:cNvSpPr>
           <p:nvPr>
-            <p:ph idx="1" type="subTitle"/>
+            <p:ph type="subTitle" idx="1"/>
           </p:nvPr>
         </p:nvSpPr>
         <p:spPr>
@@ -7356,12 +7498,12 @@
           </a:prstGeom>
         </p:spPr>
         <p:txBody>
-          <a:bodyPr anchorCtr="0" anchor="b" bIns="91425" lIns="91425" spcFirstLastPara="1" rIns="91425" wrap="square" tIns="91425">
+          <a:bodyPr spcFirstLastPara="1" wrap="square" lIns="91425" tIns="91425" rIns="91425" bIns="91425" anchor="b" anchorCtr="0">
             <a:normAutofit/>
           </a:bodyPr>
           <a:lstStyle/>
           <a:p>
-            <a:pPr indent="0" lvl="0" marL="0" rtl="0" algn="l">
+            <a:pPr marL="0" lvl="0" indent="0" algn="l" rtl="0">
               <a:spcBef>
                 <a:spcPts val="1000"/>
               </a:spcBef>
@@ -7426,12 +7568,12 @@
           </a:ln>
         </p:spPr>
         <p:txBody>
-          <a:bodyPr anchorCtr="0" anchor="t" bIns="91425" lIns="91425" spcFirstLastPara="1" rIns="91425" wrap="square" tIns="91425">
+          <a:bodyPr spcFirstLastPara="1" wrap="square" lIns="91425" tIns="91425" rIns="91425" bIns="91425" anchor="t" anchorCtr="0">
             <a:spAutoFit/>
           </a:bodyPr>
           <a:lstStyle/>
           <a:p>
-            <a:pPr indent="0" lvl="0" marL="0" rtl="0" algn="l">
+            <a:pPr marL="0" lvl="0" indent="0" algn="l" rtl="0">
               <a:spcBef>
                 <a:spcPts val="0"/>
               </a:spcBef>
@@ -7467,11 +7609,11 @@
 </file>
 
 <file path=ppt/slides/slide10.xml><?xml version="1.0" encoding="utf-8"?>
-<p:sld xmlns:a="http://schemas.openxmlformats.org/drawingml/2006/main" xmlns:r="http://schemas.openxmlformats.org/officeDocument/2006/relationships" xmlns:mc="http://schemas.openxmlformats.org/markup-compatibility/2006" xmlns:mv="urn:schemas-microsoft-com:mac:vml" xmlns:p="http://schemas.openxmlformats.org/presentationml/2006/main" xmlns:c="http://schemas.openxmlformats.org/drawingml/2006/chart" xmlns:dgm="http://schemas.openxmlformats.org/drawingml/2006/diagram" xmlns:o="urn:schemas-microsoft-com:office:office" xmlns:v="urn:schemas-microsoft-com:vml" xmlns:pvml="urn:schemas-microsoft-com:office:powerpoint" xmlns:com="http://schemas.openxmlformats.org/drawingml/2006/compatibility" xmlns:p14="http://schemas.microsoft.com/office/powerpoint/2010/main" xmlns:p15="http://schemas.microsoft.com/office/powerpoint/2012/main" xmlns:ahyp="http://schemas.microsoft.com/office/drawing/2018/hyperlinkcolor">
+<p:sld xmlns:a="http://schemas.openxmlformats.org/drawingml/2006/main" xmlns:r="http://schemas.openxmlformats.org/officeDocument/2006/relationships" xmlns:p="http://schemas.openxmlformats.org/presentationml/2006/main">
   <p:cSld>
     <p:spTree>
       <p:nvGrpSpPr>
-        <p:cNvPr id="128" name="Shape 128"/>
+        <p:cNvPr id="1" name="Shape 128"/>
         <p:cNvGrpSpPr/>
         <p:nvPr/>
       </p:nvGrpSpPr>
@@ -7486,7 +7628,9 @@
       <p:sp>
         <p:nvSpPr>
           <p:cNvPr id="129" name="Google Shape;129;p22"/>
-          <p:cNvSpPr txBox="1"/>
+          <p:cNvSpPr txBox="1">
+            <a:spLocks noGrp="1"/>
+          </p:cNvSpPr>
           <p:nvPr>
             <p:ph type="title"/>
           </p:nvPr>
@@ -7501,12 +7645,12 @@
           </a:prstGeom>
         </p:spPr>
         <p:txBody>
-          <a:bodyPr anchorCtr="0" anchor="t" bIns="91425" lIns="91425" spcFirstLastPara="1" rIns="91425" wrap="square" tIns="91425">
+          <a:bodyPr spcFirstLastPara="1" wrap="square" lIns="91425" tIns="91425" rIns="91425" bIns="91425" anchor="t" anchorCtr="0">
             <a:normAutofit fontScale="90000"/>
           </a:bodyPr>
           <a:lstStyle/>
           <a:p>
-            <a:pPr indent="0" lvl="0" marL="0" rtl="0" algn="l">
+            <a:pPr marL="0" lvl="0" indent="0" algn="l" rtl="0">
               <a:spcBef>
                 <a:spcPts val="0"/>
               </a:spcBef>
@@ -7516,37 +7660,44 @@
               <a:buNone/>
             </a:pPr>
             <a:r>
-              <a:rPr lang="en"/>
+              <a:rPr lang="en" u="sng" dirty="0"/>
               <a:t>Summary and Conclusion</a:t>
             </a:r>
-            <a:endParaRPr/>
+            <a:endParaRPr u="sng" dirty="0"/>
           </a:p>
         </p:txBody>
       </p:sp>
       <p:sp>
         <p:nvSpPr>
           <p:cNvPr id="130" name="Google Shape;130;p22"/>
-          <p:cNvSpPr txBox="1"/>
+          <p:cNvSpPr txBox="1">
+            <a:spLocks noGrp="1"/>
+          </p:cNvSpPr>
           <p:nvPr>
-            <p:ph idx="1" type="body"/>
+            <p:ph type="body" idx="1"/>
           </p:nvPr>
         </p:nvSpPr>
         <p:spPr>
           <a:xfrm>
             <a:off x="311700" y="1417800"/>
-            <a:ext cx="8520600" cy="3150900"/>
+            <a:ext cx="5241935" cy="3150900"/>
           </a:xfrm>
           <a:prstGeom prst="rect">
             <a:avLst/>
           </a:prstGeom>
+          <a:ln>
+            <a:solidFill>
+              <a:schemeClr val="tx1"/>
+            </a:solidFill>
+          </a:ln>
         </p:spPr>
         <p:txBody>
-          <a:bodyPr anchorCtr="0" anchor="t" bIns="91425" lIns="91425" spcFirstLastPara="1" rIns="91425" wrap="square" tIns="91425">
-            <a:normAutofit/>
+          <a:bodyPr spcFirstLastPara="1" wrap="square" lIns="91425" tIns="91425" rIns="91425" bIns="91425" anchor="t" anchorCtr="0">
+            <a:normAutofit fontScale="85000" lnSpcReduction="20000"/>
           </a:bodyPr>
           <a:lstStyle/>
           <a:p>
-            <a:pPr indent="-342900" lvl="0" marL="457200" rtl="0" algn="l">
+            <a:pPr lvl="0" algn="l" rtl="0">
               <a:spcBef>
                 <a:spcPts val="0"/>
               </a:spcBef>
@@ -7554,16 +7705,103 @@
                 <a:spcPts val="0"/>
               </a:spcAft>
               <a:buSzPts val="1800"/>
+              <a:buFont typeface="Arial" panose="020B0604020202020204" pitchFamily="34" charset="0"/>
+              <a:buChar char="•"/>
+            </a:pPr>
+            <a:r>
+              <a:rPr lang="en-US" b="1" u="sng" dirty="0"/>
+              <a:t>Conclusion: </a:t>
+            </a:r>
+            <a:r>
+              <a:rPr lang="en-US" dirty="0"/>
+              <a:t>Model suggests BM’s features support ticket prices at around </a:t>
+            </a:r>
+            <a:r>
+              <a:rPr lang="en-US" b="1" dirty="0"/>
+              <a:t>$95</a:t>
+            </a:r>
+            <a:r>
+              <a:rPr lang="en-US" dirty="0"/>
+              <a:t>. </a:t>
+            </a:r>
+          </a:p>
+          <a:p>
+            <a:pPr marL="114300" lvl="0" indent="0" algn="l" rtl="0">
+              <a:spcBef>
+                <a:spcPts val="0"/>
+              </a:spcBef>
+              <a:spcAft>
+                <a:spcPts val="0"/>
+              </a:spcAft>
+              <a:buSzPts val="1800"/>
+              <a:buNone/>
+            </a:pPr>
+            <a:endParaRPr lang="en-US" dirty="0"/>
+          </a:p>
+          <a:p>
+            <a:pPr lvl="0" algn="l" rtl="0">
+              <a:spcBef>
+                <a:spcPts val="0"/>
+              </a:spcBef>
+              <a:spcAft>
+                <a:spcPts val="0"/>
+              </a:spcAft>
+              <a:buSzPts val="1800"/>
+              <a:buFont typeface="Arial" panose="020B0604020202020204" pitchFamily="34" charset="0"/>
+              <a:buChar char="•"/>
+            </a:pPr>
+            <a:r>
+              <a:rPr lang="en-US" b="1" u="sng" dirty="0"/>
+              <a:t>Scenarios</a:t>
+            </a:r>
+            <a:r>
+              <a:rPr lang="en-US" b="1" dirty="0"/>
+              <a:t>:</a:t>
+            </a:r>
+            <a:r>
+              <a:rPr lang="en-US" dirty="0"/>
+              <a:t> </a:t>
+            </a:r>
+          </a:p>
+          <a:p>
+            <a:pPr lvl="0" algn="l" rtl="0">
+              <a:spcBef>
+                <a:spcPts val="0"/>
+              </a:spcBef>
+              <a:spcAft>
+                <a:spcPts val="0"/>
+              </a:spcAft>
+              <a:buSzPts val="1800"/>
+              <a:buFontTx/>
               <a:buChar char="-"/>
             </a:pPr>
             <a:r>
-              <a:rPr lang="en"/>
-              <a:t>We developed a model which can have future use to make decisis</a:t>
-            </a:r>
-            <a:endParaRPr/>
-          </a:p>
-          <a:p>
-            <a:pPr indent="-342900" lvl="0" marL="457200" rtl="0" algn="l">
+              <a:rPr lang="en-US" i="1" dirty="0"/>
+              <a:t>Scenario 2</a:t>
+            </a:r>
+            <a:r>
+              <a:rPr lang="en-US" dirty="0"/>
+              <a:t> will be able to support a change of ticket price of </a:t>
+            </a:r>
+            <a:r>
+              <a:rPr lang="en-US" b="1" dirty="0"/>
+              <a:t>$1.99 </a:t>
+            </a:r>
+            <a:r>
+              <a:rPr lang="en-US" dirty="0"/>
+              <a:t>and generate additional revenue of </a:t>
+            </a:r>
+            <a:r>
+              <a:rPr lang="en-US" b="1" dirty="0"/>
+              <a:t>$3.4 million</a:t>
+            </a:r>
+            <a:r>
+              <a:rPr lang="en-US" dirty="0"/>
+              <a:t>.</a:t>
+            </a:r>
+          </a:p>
+          <a:p>
+            <a:pPr lvl="0" algn="l" rtl="0">
               <a:spcBef>
                 <a:spcPts val="0"/>
               </a:spcBef>
@@ -7571,16 +7809,20 @@
                 <a:spcPts val="0"/>
               </a:spcAft>
               <a:buSzPts val="1800"/>
+              <a:buFontTx/>
               <a:buChar char="-"/>
             </a:pPr>
             <a:r>
-              <a:rPr lang="en"/>
-              <a:t>Limitations of the model include: </a:t>
-            </a:r>
-            <a:endParaRPr/>
-          </a:p>
-          <a:p>
-            <a:pPr indent="-342900" lvl="0" marL="457200" rtl="0" algn="l">
+              <a:rPr lang="en-US" i="1" dirty="0"/>
+              <a:t>Scenario 1</a:t>
+            </a:r>
+            <a:r>
+              <a:rPr lang="en-US" dirty="0"/>
+              <a:t> would need operation cost data. </a:t>
+            </a:r>
+          </a:p>
+          <a:p>
+            <a:pPr marL="114300" lvl="0" indent="0" algn="l" rtl="0">
               <a:spcBef>
                 <a:spcPts val="0"/>
               </a:spcBef>
@@ -7588,16 +7830,12 @@
                 <a:spcPts val="0"/>
               </a:spcAft>
               <a:buSzPts val="1800"/>
-              <a:buAutoNum type="arabicParenR"/>
+              <a:buNone/>
             </a:pPr>
-            <a:r>
-              <a:rPr lang="en"/>
-              <a:t>E</a:t>
-            </a:r>
-            <a:endParaRPr/>
-          </a:p>
-          <a:p>
-            <a:pPr indent="-342900" lvl="0" marL="457200" rtl="0" algn="l">
+            <a:endParaRPr dirty="0"/>
+          </a:p>
+          <a:p>
+            <a:pPr lvl="0" algn="l" rtl="0">
               <a:spcBef>
                 <a:spcPts val="0"/>
               </a:spcBef>
@@ -7605,16 +7843,21 @@
                 <a:spcPts val="0"/>
               </a:spcAft>
               <a:buSzPts val="1800"/>
-              <a:buAutoNum type="arabicParenR"/>
+              <a:buFont typeface="Arial" panose="020B0604020202020204" pitchFamily="34" charset="0"/>
+              <a:buChar char="•"/>
             </a:pPr>
             <a:r>
-              <a:rPr lang="en"/>
-              <a:t>E</a:t>
-            </a:r>
-            <a:endParaRPr/>
-          </a:p>
-          <a:p>
-            <a:pPr indent="-342900" lvl="0" marL="457200" rtl="0" algn="l">
+              <a:rPr lang="en" b="1" u="sng" dirty="0"/>
+              <a:t>Limitations of the model:</a:t>
+            </a:r>
+            <a:r>
+              <a:rPr lang="en" dirty="0"/>
+              <a:t> </a:t>
+            </a:r>
+            <a:endParaRPr dirty="0"/>
+          </a:p>
+          <a:p>
+            <a:pPr lvl="0" algn="l" rtl="0">
               <a:spcBef>
                 <a:spcPts val="0"/>
               </a:spcBef>
@@ -7622,16 +7865,77 @@
                 <a:spcPts val="0"/>
               </a:spcAft>
               <a:buSzPts val="1800"/>
-              <a:buAutoNum type="arabicParenR"/>
+              <a:buFontTx/>
+              <a:buChar char="-"/>
             </a:pPr>
             <a:r>
-              <a:rPr lang="en"/>
-              <a:t>E</a:t>
-            </a:r>
-            <a:endParaRPr/>
-          </a:p>
-          <a:p>
-            <a:pPr indent="0" lvl="0" marL="0" rtl="0" algn="l">
+              <a:rPr lang="en" i="1" dirty="0"/>
+              <a:t>Missing Operation Cost data</a:t>
+            </a:r>
+            <a:r>
+              <a:rPr lang="en" dirty="0"/>
+              <a:t>. </a:t>
+            </a:r>
+          </a:p>
+          <a:p>
+            <a:pPr lvl="0" algn="l" rtl="0">
+              <a:spcBef>
+                <a:spcPts val="0"/>
+              </a:spcBef>
+              <a:spcAft>
+                <a:spcPts val="0"/>
+              </a:spcAft>
+              <a:buSzPts val="1800"/>
+              <a:buFontTx/>
+              <a:buChar char="-"/>
+            </a:pPr>
+            <a:r>
+              <a:rPr lang="en" i="1" dirty="0"/>
+              <a:t>Conduct Surveys to find skiiers preferences</a:t>
+            </a:r>
+            <a:r>
+              <a:rPr lang="en" dirty="0"/>
+              <a:t>. </a:t>
+            </a:r>
+          </a:p>
+          <a:p>
+            <a:pPr lvl="0" algn="l" rtl="0">
+              <a:spcBef>
+                <a:spcPts val="0"/>
+              </a:spcBef>
+              <a:spcAft>
+                <a:spcPts val="0"/>
+              </a:spcAft>
+              <a:buSzPts val="1800"/>
+              <a:buFontTx/>
+              <a:buChar char="-"/>
+            </a:pPr>
+            <a:r>
+              <a:rPr lang="en" i="1" dirty="0"/>
+              <a:t>Elasticity of demand for ticket prices</a:t>
+            </a:r>
+            <a:r>
+              <a:rPr lang="en" dirty="0"/>
+              <a:t>. </a:t>
+            </a:r>
+            <a:endParaRPr dirty="0"/>
+          </a:p>
+          <a:p>
+            <a:pPr lvl="0" algn="l" rtl="0">
+              <a:spcBef>
+                <a:spcPts val="0"/>
+              </a:spcBef>
+              <a:spcAft>
+                <a:spcPts val="0"/>
+              </a:spcAft>
+              <a:buSzPts val="1800"/>
+              <a:buFont typeface="Arial" panose="020B0604020202020204" pitchFamily="34" charset="0"/>
+              <a:buChar char="•"/>
+            </a:pPr>
+            <a:endParaRPr dirty="0"/>
+          </a:p>
+          <a:p>
+            <a:pPr marL="0" lvl="0" indent="0" algn="l" rtl="0">
               <a:spcBef>
                 <a:spcPts val="1200"/>
               </a:spcBef>
@@ -7640,42 +7944,100 @@
               </a:spcAft>
               <a:buNone/>
             </a:pPr>
-            <a:r>
-              <a:t/>
-            </a:r>
-            <a:endParaRPr/>
-          </a:p>
-          <a:p>
-            <a:pPr indent="0" lvl="0" marL="0" rtl="0" algn="l">
-              <a:spcBef>
-                <a:spcPts val="1200"/>
-              </a:spcBef>
-              <a:spcAft>
-                <a:spcPts val="1200"/>
-              </a:spcAft>
-              <a:buNone/>
-            </a:pPr>
-            <a:r>
-              <a:rPr lang="en"/>
-              <a:t>Conclusion: Based on the results of the model, we </a:t>
-            </a:r>
-            <a:r>
-              <a:rPr lang="en"/>
-              <a:t>recommend</a:t>
-            </a:r>
-            <a:r>
-              <a:rPr lang="en"/>
-              <a:t> that . </a:t>
-            </a:r>
-            <a:r>
-              <a:rPr lang="en"/>
-              <a:t>Should</a:t>
-            </a:r>
-            <a:r>
-              <a:rPr lang="en"/>
-              <a:t> BMS adapt only</a:t>
-            </a:r>
-            <a:endParaRPr/>
+            <a:endParaRPr dirty="0"/>
+          </a:p>
+        </p:txBody>
+      </p:sp>
+      <p:pic>
+        <p:nvPicPr>
+          <p:cNvPr id="1026" name="Picture 2" descr="Man Doing Snow Ski Blade Tricks on Air">
+            <a:extLst>
+              <a:ext uri="{FF2B5EF4-FFF2-40B4-BE49-F238E27FC236}">
+                <a16:creationId xmlns:a16="http://schemas.microsoft.com/office/drawing/2014/main" id="{6B54F335-143E-4A22-B8E7-40F8DAD7AC62}"/>
+              </a:ext>
+            </a:extLst>
+          </p:cNvPr>
+          <p:cNvPicPr>
+            <a:picLocks noChangeAspect="1" noChangeArrowheads="1"/>
+          </p:cNvPicPr>
+          <p:nvPr/>
+        </p:nvPicPr>
+        <p:blipFill>
+          <a:blip r:embed="rId3">
+            <a:extLst>
+              <a:ext uri="{28A0092B-C50C-407E-A947-70E740481C1C}">
+                <a14:useLocalDpi xmlns:a14="http://schemas.microsoft.com/office/drawing/2010/main" val="0"/>
+              </a:ext>
+            </a:extLst>
+          </a:blip>
+          <a:srcRect/>
+          <a:stretch>
+            <a:fillRect/>
+          </a:stretch>
+        </p:blipFill>
+        <p:spPr bwMode="auto">
+          <a:xfrm>
+            <a:off x="6031293" y="620461"/>
+            <a:ext cx="2601719" cy="3902578"/>
+          </a:xfrm>
+          <a:prstGeom prst="rect">
+            <a:avLst/>
+          </a:prstGeom>
+          <a:noFill/>
+          <a:extLst>
+            <a:ext uri="{909E8E84-426E-40DD-AFC4-6F175D3DCCD1}">
+              <a14:hiddenFill xmlns:a14="http://schemas.microsoft.com/office/drawing/2010/main">
+                <a:solidFill>
+                  <a:srgbClr val="FFFFFF"/>
+                </a:solidFill>
+              </a14:hiddenFill>
+            </a:ext>
+          </a:extLst>
+        </p:spPr>
+      </p:pic>
+      <p:sp>
+        <p:nvSpPr>
+          <p:cNvPr id="2" name="TextBox 1">
+            <a:extLst>
+              <a:ext uri="{FF2B5EF4-FFF2-40B4-BE49-F238E27FC236}">
+                <a16:creationId xmlns:a16="http://schemas.microsoft.com/office/drawing/2014/main" id="{8FD8903A-64F4-4EB1-8776-9DC0A1051BAE}"/>
+              </a:ext>
+            </a:extLst>
+          </p:cNvPr>
+          <p:cNvSpPr txBox="1"/>
+          <p:nvPr/>
+        </p:nvSpPr>
+        <p:spPr>
+          <a:xfrm>
+            <a:off x="5338483" y="4630221"/>
+            <a:ext cx="3805517" cy="338554"/>
+          </a:xfrm>
+          <a:prstGeom prst="rect">
+            <a:avLst/>
+          </a:prstGeom>
+          <a:noFill/>
+        </p:spPr>
+        <p:txBody>
+          <a:bodyPr wrap="square" rtlCol="0">
+            <a:spAutoFit/>
+          </a:bodyPr>
+          <a:lstStyle/>
+          <a:p>
+            <a:r>
+              <a:rPr lang="en-US" sz="800" dirty="0"/>
+              <a:t>Image by Melvin </a:t>
+            </a:r>
+            <a:r>
+              <a:rPr lang="en-US" sz="800" dirty="0" err="1"/>
+              <a:t>Wahlin</a:t>
+            </a:r>
+            <a:endParaRPr lang="en-US" sz="800" dirty="0"/>
+          </a:p>
+          <a:p>
+            <a:r>
+              <a:rPr lang="en-US" sz="800" dirty="0"/>
+              <a:t>https://www.pexels.com/photo/man-doing-snow-ski-blade-tricks-on-air-2433356/</a:t>
+            </a:r>
           </a:p>
         </p:txBody>
       </p:sp>
@@ -7688,11 +8050,11 @@
 </file>
 
 <file path=ppt/slides/slide2.xml><?xml version="1.0" encoding="utf-8"?>
-<p:sld xmlns:a="http://schemas.openxmlformats.org/drawingml/2006/main" xmlns:r="http://schemas.openxmlformats.org/officeDocument/2006/relationships" xmlns:mc="http://schemas.openxmlformats.org/markup-compatibility/2006" xmlns:mv="urn:schemas-microsoft-com:mac:vml" xmlns:p="http://schemas.openxmlformats.org/presentationml/2006/main" xmlns:c="http://schemas.openxmlformats.org/drawingml/2006/chart" xmlns:dgm="http://schemas.openxmlformats.org/drawingml/2006/diagram" xmlns:o="urn:schemas-microsoft-com:office:office" xmlns:v="urn:schemas-microsoft-com:vml" xmlns:pvml="urn:schemas-microsoft-com:office:powerpoint" xmlns:com="http://schemas.openxmlformats.org/drawingml/2006/compatibility" xmlns:p14="http://schemas.microsoft.com/office/powerpoint/2010/main" xmlns:p15="http://schemas.microsoft.com/office/powerpoint/2012/main" xmlns:ahyp="http://schemas.microsoft.com/office/drawing/2018/hyperlinkcolor">
+<p:sld xmlns:a="http://schemas.openxmlformats.org/drawingml/2006/main" xmlns:r="http://schemas.openxmlformats.org/officeDocument/2006/relationships" xmlns:p="http://schemas.openxmlformats.org/presentationml/2006/main">
   <p:cSld>
     <p:spTree>
       <p:nvGrpSpPr>
-        <p:cNvPr id="75" name="Shape 75"/>
+        <p:cNvPr id="1" name="Shape 75"/>
         <p:cNvGrpSpPr/>
         <p:nvPr/>
       </p:nvGrpSpPr>
@@ -7707,7 +8069,9 @@
       <p:sp>
         <p:nvSpPr>
           <p:cNvPr id="76" name="Google Shape;76;p14"/>
-          <p:cNvSpPr txBox="1"/>
+          <p:cNvSpPr txBox="1">
+            <a:spLocks noGrp="1"/>
+          </p:cNvSpPr>
           <p:nvPr>
             <p:ph type="title"/>
           </p:nvPr>
@@ -7722,12 +8086,12 @@
           </a:prstGeom>
         </p:spPr>
         <p:txBody>
-          <a:bodyPr anchorCtr="0" anchor="t" bIns="91425" lIns="91425" spcFirstLastPara="1" rIns="91425" wrap="square" tIns="91425">
+          <a:bodyPr spcFirstLastPara="1" wrap="square" lIns="91425" tIns="91425" rIns="91425" bIns="91425" anchor="t" anchorCtr="0">
             <a:normAutofit fontScale="90000"/>
           </a:bodyPr>
           <a:lstStyle/>
           <a:p>
-            <a:pPr indent="0" lvl="0" marL="0" rtl="0" algn="l">
+            <a:pPr marL="0" lvl="0" indent="0" algn="l" rtl="0">
               <a:spcBef>
                 <a:spcPts val="0"/>
               </a:spcBef>
@@ -7737,46 +8101,48 @@
               <a:buNone/>
             </a:pPr>
             <a:r>
-              <a:rPr lang="en"/>
+              <a:rPr lang="en" u="sng" dirty="0"/>
               <a:t>Problem Identification: </a:t>
             </a:r>
-            <a:endParaRPr/>
+            <a:endParaRPr u="sng" dirty="0"/>
           </a:p>
         </p:txBody>
       </p:sp>
       <p:sp>
         <p:nvSpPr>
           <p:cNvPr id="77" name="Google Shape;77;p14"/>
-          <p:cNvSpPr txBox="1"/>
+          <p:cNvSpPr txBox="1">
+            <a:spLocks noGrp="1"/>
+          </p:cNvSpPr>
           <p:nvPr>
-            <p:ph idx="1" type="body"/>
+            <p:ph type="body" idx="1"/>
           </p:nvPr>
         </p:nvSpPr>
         <p:spPr>
           <a:xfrm>
-            <a:off x="311700" y="1417800"/>
-            <a:ext cx="4655100" cy="3150900"/>
+            <a:off x="311700" y="1673294"/>
+            <a:ext cx="4655100" cy="1917071"/>
           </a:xfrm>
           <a:prstGeom prst="rect">
             <a:avLst/>
           </a:prstGeom>
-          <a:ln cap="flat" cmpd="sng" w="9525">
+          <a:ln w="9525" cap="flat" cmpd="sng">
             <a:solidFill>
               <a:srgbClr val="FFFFFF"/>
             </a:solidFill>
             <a:prstDash val="solid"/>
             <a:round/>
-            <a:headEnd len="sm" w="sm" type="none"/>
-            <a:tailEnd len="sm" w="sm" type="none"/>
+            <a:headEnd type="none" w="sm" len="sm"/>
+            <a:tailEnd type="none" w="sm" len="sm"/>
           </a:ln>
         </p:spPr>
         <p:txBody>
-          <a:bodyPr anchorCtr="0" anchor="t" bIns="91425" lIns="91425" spcFirstLastPara="1" rIns="91425" wrap="square" tIns="91425">
+          <a:bodyPr spcFirstLastPara="1" wrap="square" lIns="91425" tIns="91425" rIns="91425" bIns="91425" anchor="t" anchorCtr="0">
             <a:normAutofit/>
           </a:bodyPr>
           <a:lstStyle/>
           <a:p>
-            <a:pPr indent="0" lvl="0" marL="0" rtl="0" algn="l">
+            <a:pPr marL="0" lvl="0" indent="0" algn="l" rtl="0">
               <a:lnSpc>
                 <a:spcPct val="100000"/>
               </a:lnSpc>
@@ -7794,39 +8160,21 @@
               <a:buNone/>
             </a:pPr>
             <a:r>
-              <a:rPr b="1" lang="en">
+              <a:rPr lang="en" b="1" dirty="0">
                 <a:latin typeface="Arial"/>
                 <a:ea typeface="Arial"/>
                 <a:cs typeface="Arial"/>
                 <a:sym typeface="Arial"/>
               </a:rPr>
-              <a:t>How can Big Mountain Resort adapt its ticket pricing strategy by capturing the full value of its diverse infrastructure, product and natural offerings relative to its competitors in order t</a:t>
-            </a:r>
-            <a:r>
-              <a:rPr b="1" lang="en">
-                <a:latin typeface="Arial"/>
-                <a:ea typeface="Arial"/>
-                <a:cs typeface="Arial"/>
-                <a:sym typeface="Arial"/>
-              </a:rPr>
-              <a:t>o increase profitability by ~ $3 million</a:t>
-            </a:r>
-            <a:r>
-              <a:rPr b="1" lang="en">
-                <a:latin typeface="Arial"/>
-                <a:ea typeface="Arial"/>
-                <a:cs typeface="Arial"/>
-                <a:sym typeface="Arial"/>
-              </a:rPr>
-              <a:t> ?  </a:t>
-            </a:r>
-            <a:endParaRPr sz="2200"/>
+              <a:t>How can Big Mountain Resort adapt its ticket pricing strategy by capturing the full value of its diverse infrastructure, product and natural offerings relative to its competitors in order to increase profitability by ~ $3 million ?  </a:t>
+            </a:r>
+            <a:endParaRPr sz="2200" dirty="0"/>
           </a:p>
         </p:txBody>
       </p:sp>
       <p:pic>
         <p:nvPicPr>
-          <p:cNvPr descr="Set of trendy vector ski pass template design. Set of vector ski pass template design. Trendy colorful mountain background illustration Skiing stock vector" id="78" name="Google Shape;78;p14" title="Set of trendy vector ski pass template design. Set of vector ski pass template design. Trendy colorful mountain background illustration Skiing stock vector"/>
+          <p:cNvPr id="78" name="Google Shape;78;p14" descr="Set of trendy vector ski pass template design. Set of vector ski pass template design. Trendy colorful mountain background illustration Skiing stock vector" title="Set of trendy vector ski pass template design. Set of vector ski pass template design. Trendy colorful mountain background illustration Skiing stock vector"/>
           <p:cNvPicPr preferRelativeResize="0"/>
           <p:nvPr/>
         </p:nvPicPr>
@@ -7872,12 +8220,12 @@
           </a:ln>
         </p:spPr>
         <p:txBody>
-          <a:bodyPr anchorCtr="0" anchor="t" bIns="91425" lIns="91425" spcFirstLastPara="1" rIns="91425" wrap="square" tIns="91425">
+          <a:bodyPr spcFirstLastPara="1" wrap="square" lIns="91425" tIns="91425" rIns="91425" bIns="91425" anchor="t" anchorCtr="0">
             <a:spAutoFit/>
           </a:bodyPr>
           <a:lstStyle/>
           <a:p>
-            <a:pPr indent="0" lvl="0" marL="0" rtl="0" algn="l">
+            <a:pPr marL="0" lvl="0" indent="0" algn="l" rtl="0">
               <a:spcBef>
                 <a:spcPts val="0"/>
               </a:spcBef>
@@ -7903,7 +8251,7 @@
             </a:endParaRPr>
           </a:p>
           <a:p>
-            <a:pPr indent="0" lvl="0" marL="0" rtl="0" algn="l">
+            <a:pPr marL="0" lvl="0" indent="0" algn="l" rtl="0">
               <a:spcBef>
                 <a:spcPts val="0"/>
               </a:spcBef>
@@ -7939,11 +8287,11 @@
 </file>
 
 <file path=ppt/slides/slide3.xml><?xml version="1.0" encoding="utf-8"?>
-<p:sld xmlns:a="http://schemas.openxmlformats.org/drawingml/2006/main" xmlns:r="http://schemas.openxmlformats.org/officeDocument/2006/relationships" xmlns:mc="http://schemas.openxmlformats.org/markup-compatibility/2006" xmlns:mv="urn:schemas-microsoft-com:mac:vml" xmlns:p="http://schemas.openxmlformats.org/presentationml/2006/main" xmlns:c="http://schemas.openxmlformats.org/drawingml/2006/chart" xmlns:dgm="http://schemas.openxmlformats.org/drawingml/2006/diagram" xmlns:o="urn:schemas-microsoft-com:office:office" xmlns:v="urn:schemas-microsoft-com:vml" xmlns:pvml="urn:schemas-microsoft-com:office:powerpoint" xmlns:com="http://schemas.openxmlformats.org/drawingml/2006/compatibility" xmlns:p14="http://schemas.microsoft.com/office/powerpoint/2010/main" xmlns:p15="http://schemas.microsoft.com/office/powerpoint/2012/main" xmlns:ahyp="http://schemas.microsoft.com/office/drawing/2018/hyperlinkcolor">
+<p:sld xmlns:a="http://schemas.openxmlformats.org/drawingml/2006/main" xmlns:r="http://schemas.openxmlformats.org/officeDocument/2006/relationships" xmlns:p="http://schemas.openxmlformats.org/presentationml/2006/main">
   <p:cSld>
     <p:spTree>
       <p:nvGrpSpPr>
-        <p:cNvPr id="83" name="Shape 83"/>
+        <p:cNvPr id="1" name="Shape 83"/>
         <p:cNvGrpSpPr/>
         <p:nvPr/>
       </p:nvGrpSpPr>
@@ -7958,7 +8306,9 @@
       <p:sp>
         <p:nvSpPr>
           <p:cNvPr id="84" name="Google Shape;84;p15"/>
-          <p:cNvSpPr txBox="1"/>
+          <p:cNvSpPr txBox="1">
+            <a:spLocks noGrp="1"/>
+          </p:cNvSpPr>
           <p:nvPr>
             <p:ph type="title"/>
           </p:nvPr>
@@ -7973,12 +8323,12 @@
           </a:prstGeom>
         </p:spPr>
         <p:txBody>
-          <a:bodyPr anchorCtr="0" anchor="t" bIns="91425" lIns="91425" spcFirstLastPara="1" rIns="91425" wrap="square" tIns="91425">
+          <a:bodyPr spcFirstLastPara="1" wrap="square" lIns="91425" tIns="91425" rIns="91425" bIns="91425" anchor="t" anchorCtr="0">
             <a:normAutofit fontScale="90000"/>
           </a:bodyPr>
           <a:lstStyle/>
           <a:p>
-            <a:pPr indent="0" lvl="0" marL="0" rtl="0" algn="l">
+            <a:pPr marL="0" lvl="0" indent="0" algn="l" rtl="0">
               <a:spcBef>
                 <a:spcPts val="0"/>
               </a:spcBef>
@@ -7988,37 +8338,44 @@
               <a:buNone/>
             </a:pPr>
             <a:r>
-              <a:rPr lang="en"/>
+              <a:rPr lang="en" u="sng" dirty="0"/>
               <a:t>Recommendations and Key Findings: </a:t>
             </a:r>
-            <a:endParaRPr/>
+            <a:endParaRPr u="sng" dirty="0"/>
           </a:p>
         </p:txBody>
       </p:sp>
       <p:sp>
         <p:nvSpPr>
           <p:cNvPr id="85" name="Google Shape;85;p15"/>
-          <p:cNvSpPr txBox="1"/>
+          <p:cNvSpPr txBox="1">
+            <a:spLocks noGrp="1"/>
+          </p:cNvSpPr>
           <p:nvPr>
-            <p:ph idx="1" type="body"/>
+            <p:ph type="body" idx="1"/>
           </p:nvPr>
         </p:nvSpPr>
         <p:spPr>
           <a:xfrm>
-            <a:off x="311700" y="1417800"/>
-            <a:ext cx="3928800" cy="3150900"/>
+            <a:off x="311700" y="1344706"/>
+            <a:ext cx="4092212" cy="3223994"/>
           </a:xfrm>
           <a:prstGeom prst="rect">
             <a:avLst/>
           </a:prstGeom>
+          <a:ln>
+            <a:solidFill>
+              <a:schemeClr val="tx1"/>
+            </a:solidFill>
+          </a:ln>
         </p:spPr>
         <p:txBody>
-          <a:bodyPr anchorCtr="0" anchor="t" bIns="91425" lIns="91425" spcFirstLastPara="1" rIns="91425" wrap="square" tIns="91425">
-            <a:normAutofit lnSpcReduction="20000"/>
+          <a:bodyPr spcFirstLastPara="1" wrap="square" lIns="91425" tIns="91425" rIns="91425" bIns="91425" anchor="t" anchorCtr="0">
+            <a:normAutofit fontScale="92500" lnSpcReduction="10000"/>
           </a:bodyPr>
           <a:lstStyle/>
           <a:p>
-            <a:pPr indent="-342900" lvl="0" marL="457200" rtl="0" algn="l">
+            <a:pPr marL="457200" lvl="0" indent="-342900" algn="l" rtl="0">
               <a:spcBef>
                 <a:spcPts val="0"/>
               </a:spcBef>
@@ -8029,33 +8386,29 @@
               <a:buChar char="●"/>
             </a:pPr>
             <a:r>
-              <a:rPr b="1" lang="en"/>
+              <a:rPr lang="en" b="1" u="sng" dirty="0"/>
               <a:t>Key Finding</a:t>
             </a:r>
             <a:r>
-              <a:rPr lang="en"/>
-              <a:t>: </a:t>
-            </a:r>
-            <a:r>
-              <a:rPr lang="en"/>
-              <a:t>Model showed BM’s features justifies ticket prices closer to </a:t>
-            </a:r>
-            <a:r>
-              <a:rPr b="1" lang="en"/>
+              <a:rPr lang="en" dirty="0"/>
+              <a:t>: Model showed BM’s features justifies ticket prices closer to </a:t>
+            </a:r>
+            <a:r>
+              <a:rPr lang="en" b="1" dirty="0"/>
               <a:t>$95  </a:t>
             </a:r>
             <a:r>
-              <a:rPr lang="en"/>
+              <a:rPr lang="en" dirty="0"/>
               <a:t>rather than the  current </a:t>
             </a:r>
             <a:r>
-              <a:rPr b="1" lang="en"/>
+              <a:rPr lang="en" b="1" dirty="0"/>
               <a:t>$81. </a:t>
             </a:r>
-            <a:endParaRPr b="1"/>
-          </a:p>
-          <a:p>
-            <a:pPr indent="-342900" lvl="0" marL="457200" rtl="0" algn="l">
+            <a:endParaRPr b="1" dirty="0"/>
+          </a:p>
+          <a:p>
+            <a:pPr marL="457200" lvl="0" indent="-342900" algn="l" rtl="0">
               <a:spcBef>
                 <a:spcPts val="0"/>
               </a:spcBef>
@@ -8066,21 +8419,16 @@
               <a:buChar char="●"/>
             </a:pPr>
             <a:r>
-              <a:rPr lang="en"/>
-              <a:t>Of the 4 proposed  scenarios we </a:t>
-            </a:r>
-            <a:r>
-              <a:rPr lang="en"/>
-              <a:t>recommend</a:t>
-            </a:r>
-            <a:r>
-              <a:rPr lang="en"/>
-              <a:t> scenario 2, which is to add another chair lift, adding a run and increasing the vertical drop by 150 feet.  </a:t>
-            </a:r>
-            <a:endParaRPr/>
-          </a:p>
-          <a:p>
-            <a:pPr indent="-342900" lvl="0" marL="457200" rtl="0" algn="l">
+              <a:rPr lang="en" b="1" u="sng" dirty="0"/>
+              <a:t>Scenario Analysis Results</a:t>
+            </a:r>
+            <a:r>
+              <a:rPr lang="en" b="1" dirty="0"/>
+              <a:t>: </a:t>
+            </a:r>
+          </a:p>
+          <a:p>
+            <a:pPr lvl="0" algn="l" rtl="0">
               <a:spcBef>
                 <a:spcPts val="0"/>
               </a:spcBef>
@@ -8088,13 +8436,140 @@
                 <a:spcPts val="0"/>
               </a:spcAft>
               <a:buSzPts val="1800"/>
-              <a:buChar char="●"/>
+              <a:buFontTx/>
+              <a:buChar char="-"/>
             </a:pPr>
             <a:r>
-              <a:rPr lang="en"/>
-              <a:t>Scenario 1 is also a possibility to explore. </a:t>
-            </a:r>
-            <a:endParaRPr/>
+              <a:rPr lang="en" dirty="0"/>
+              <a:t>We recommend </a:t>
+            </a:r>
+            <a:r>
+              <a:rPr lang="en" b="1" dirty="0"/>
+              <a:t>scenario 2</a:t>
+            </a:r>
+            <a:r>
+              <a:rPr lang="en" dirty="0"/>
+              <a:t>, which is to add another chair lift, adding a run and increasing the vertical drop by 150 feet.  </a:t>
+            </a:r>
+          </a:p>
+          <a:p>
+            <a:pPr lvl="0" algn="l" rtl="0">
+              <a:spcBef>
+                <a:spcPts val="0"/>
+              </a:spcBef>
+              <a:spcAft>
+                <a:spcPts val="0"/>
+              </a:spcAft>
+              <a:buSzPts val="1800"/>
+              <a:buFontTx/>
+              <a:buChar char="-"/>
+            </a:pPr>
+            <a:r>
+              <a:rPr lang="en" dirty="0"/>
+              <a:t> </a:t>
+            </a:r>
+            <a:r>
+              <a:rPr lang="en" b="1" dirty="0"/>
+              <a:t>Scenario 1</a:t>
+            </a:r>
+            <a:r>
+              <a:rPr lang="en" dirty="0"/>
+              <a:t> is also a possibility to explore with more cost data. </a:t>
+            </a:r>
+            <a:endParaRPr dirty="0"/>
+          </a:p>
+        </p:txBody>
+      </p:sp>
+      <p:pic>
+        <p:nvPicPr>
+          <p:cNvPr id="2050" name="Picture 2" descr="Photo of Person Skiing on Snowfield">
+            <a:extLst>
+              <a:ext uri="{FF2B5EF4-FFF2-40B4-BE49-F238E27FC236}">
+                <a16:creationId xmlns:a16="http://schemas.microsoft.com/office/drawing/2014/main" id="{FAAF6F33-298D-4A29-B53A-5E8CCF6376F0}"/>
+              </a:ext>
+            </a:extLst>
+          </p:cNvPr>
+          <p:cNvPicPr>
+            <a:picLocks noChangeAspect="1" noChangeArrowheads="1"/>
+          </p:cNvPicPr>
+          <p:nvPr/>
+        </p:nvPicPr>
+        <p:blipFill>
+          <a:blip r:embed="rId3">
+            <a:extLst>
+              <a:ext uri="{28A0092B-C50C-407E-A947-70E740481C1C}">
+                <a14:useLocalDpi xmlns:a14="http://schemas.microsoft.com/office/drawing/2010/main" val="0"/>
+              </a:ext>
+            </a:extLst>
+          </a:blip>
+          <a:srcRect/>
+          <a:stretch>
+            <a:fillRect/>
+          </a:stretch>
+        </p:blipFill>
+        <p:spPr bwMode="auto">
+          <a:xfrm>
+            <a:off x="6014197" y="1344706"/>
+            <a:ext cx="2494430" cy="3118038"/>
+          </a:xfrm>
+          <a:prstGeom prst="rect">
+            <a:avLst/>
+          </a:prstGeom>
+          <a:noFill/>
+          <a:extLst>
+            <a:ext uri="{909E8E84-426E-40DD-AFC4-6F175D3DCCD1}">
+              <a14:hiddenFill xmlns:a14="http://schemas.microsoft.com/office/drawing/2010/main">
+                <a:solidFill>
+                  <a:srgbClr val="FFFFFF"/>
+                </a:solidFill>
+              </a14:hiddenFill>
+            </a:ext>
+          </a:extLst>
+        </p:spPr>
+      </p:pic>
+      <p:sp>
+        <p:nvSpPr>
+          <p:cNvPr id="2" name="TextBox 1">
+            <a:extLst>
+              <a:ext uri="{FF2B5EF4-FFF2-40B4-BE49-F238E27FC236}">
+                <a16:creationId xmlns:a16="http://schemas.microsoft.com/office/drawing/2014/main" id="{19B9E165-C9EC-43EB-B3D3-0EE7551CF9AA}"/>
+              </a:ext>
+            </a:extLst>
+          </p:cNvPr>
+          <p:cNvSpPr txBox="1"/>
+          <p:nvPr/>
+        </p:nvSpPr>
+        <p:spPr>
+          <a:xfrm>
+            <a:off x="5284694" y="4568700"/>
+            <a:ext cx="3953436" cy="338554"/>
+          </a:xfrm>
+          <a:prstGeom prst="rect">
+            <a:avLst/>
+          </a:prstGeom>
+          <a:noFill/>
+        </p:spPr>
+        <p:txBody>
+          <a:bodyPr wrap="square" rtlCol="0">
+            <a:spAutoFit/>
+          </a:bodyPr>
+          <a:lstStyle/>
+          <a:p>
+            <a:r>
+              <a:rPr lang="en-US" sz="800" b="1" dirty="0"/>
+              <a:t>Image by Melvin </a:t>
+            </a:r>
+            <a:r>
+              <a:rPr lang="en-US" sz="800" b="1" dirty="0" err="1"/>
+              <a:t>Wahlin</a:t>
+            </a:r>
+            <a:endParaRPr lang="en-US" sz="800" b="1" dirty="0"/>
+          </a:p>
+          <a:p>
+            <a:r>
+              <a:rPr lang="en-US" sz="800" b="1" dirty="0"/>
+              <a:t>https://www.pexels.com/photo/photo-of-person-skiing-on-snowfield-2433353/</a:t>
+            </a:r>
           </a:p>
         </p:txBody>
       </p:sp>
@@ -8107,11 +8582,11 @@
 </file>
 
 <file path=ppt/slides/slide4.xml><?xml version="1.0" encoding="utf-8"?>
-<p:sld xmlns:a="http://schemas.openxmlformats.org/drawingml/2006/main" xmlns:r="http://schemas.openxmlformats.org/officeDocument/2006/relationships" xmlns:mc="http://schemas.openxmlformats.org/markup-compatibility/2006" xmlns:mv="urn:schemas-microsoft-com:mac:vml" xmlns:p="http://schemas.openxmlformats.org/presentationml/2006/main" xmlns:c="http://schemas.openxmlformats.org/drawingml/2006/chart" xmlns:dgm="http://schemas.openxmlformats.org/drawingml/2006/diagram" xmlns:o="urn:schemas-microsoft-com:office:office" xmlns:v="urn:schemas-microsoft-com:vml" xmlns:pvml="urn:schemas-microsoft-com:office:powerpoint" xmlns:com="http://schemas.openxmlformats.org/drawingml/2006/compatibility" xmlns:p14="http://schemas.microsoft.com/office/powerpoint/2010/main" xmlns:p15="http://schemas.microsoft.com/office/powerpoint/2012/main" xmlns:ahyp="http://schemas.microsoft.com/office/drawing/2018/hyperlinkcolor">
+<p:sld xmlns:a="http://schemas.openxmlformats.org/drawingml/2006/main" xmlns:r="http://schemas.openxmlformats.org/officeDocument/2006/relationships" xmlns:p="http://schemas.openxmlformats.org/presentationml/2006/main">
   <p:cSld>
     <p:spTree>
       <p:nvGrpSpPr>
-        <p:cNvPr id="89" name="Shape 89"/>
+        <p:cNvPr id="1" name="Shape 89"/>
         <p:cNvGrpSpPr/>
         <p:nvPr/>
       </p:nvGrpSpPr>
@@ -8126,7 +8601,9 @@
       <p:sp>
         <p:nvSpPr>
           <p:cNvPr id="90" name="Google Shape;90;p16"/>
-          <p:cNvSpPr txBox="1"/>
+          <p:cNvSpPr txBox="1">
+            <a:spLocks noGrp="1"/>
+          </p:cNvSpPr>
           <p:nvPr>
             <p:ph type="title"/>
           </p:nvPr>
@@ -8141,12 +8618,12 @@
           </a:prstGeom>
         </p:spPr>
         <p:txBody>
-          <a:bodyPr anchorCtr="0" anchor="t" bIns="91425" lIns="91425" spcFirstLastPara="1" rIns="91425" wrap="square" tIns="91425">
+          <a:bodyPr spcFirstLastPara="1" wrap="square" lIns="91425" tIns="91425" rIns="91425" bIns="91425" anchor="t" anchorCtr="0">
             <a:normAutofit fontScale="90000"/>
           </a:bodyPr>
           <a:lstStyle/>
           <a:p>
-            <a:pPr indent="0" lvl="0" marL="0" rtl="0" algn="l">
+            <a:pPr marL="0" lvl="0" indent="0" algn="l" rtl="0">
               <a:spcBef>
                 <a:spcPts val="0"/>
               </a:spcBef>
@@ -8156,209 +8633,312 @@
               <a:buNone/>
             </a:pPr>
             <a:r>
-              <a:rPr lang="en"/>
+              <a:rPr lang="en" u="sng" dirty="0"/>
               <a:t>Modeling Results and Analysis - The Analysis</a:t>
             </a:r>
-            <a:endParaRPr/>
+            <a:endParaRPr u="sng" dirty="0"/>
           </a:p>
         </p:txBody>
       </p:sp>
       <p:sp>
         <p:nvSpPr>
           <p:cNvPr id="91" name="Google Shape;91;p16"/>
-          <p:cNvSpPr txBox="1"/>
+          <p:cNvSpPr txBox="1">
+            <a:spLocks noGrp="1"/>
+          </p:cNvSpPr>
           <p:nvPr>
-            <p:ph idx="1" type="body"/>
+            <p:ph type="body" idx="1"/>
           </p:nvPr>
         </p:nvSpPr>
         <p:spPr>
           <a:xfrm>
-            <a:off x="311700" y="1417800"/>
-            <a:ext cx="8520600" cy="3150900"/>
+            <a:off x="177929" y="1417800"/>
+            <a:ext cx="5309479" cy="3188198"/>
+          </a:xfrm>
+          <a:prstGeom prst="rect">
+            <a:avLst/>
+          </a:prstGeom>
+          <a:ln>
+            <a:solidFill>
+              <a:schemeClr val="tx1"/>
+            </a:solidFill>
+          </a:ln>
+        </p:spPr>
+        <p:txBody>
+          <a:bodyPr spcFirstLastPara="1" wrap="square" lIns="91425" tIns="91425" rIns="91425" bIns="91425" anchor="t" anchorCtr="0">
+            <a:normAutofit/>
+          </a:bodyPr>
+          <a:lstStyle/>
+          <a:p>
+            <a:pPr marL="457200" lvl="0" indent="-342900" algn="l" rtl="0">
+              <a:spcBef>
+                <a:spcPts val="0"/>
+              </a:spcBef>
+              <a:spcAft>
+                <a:spcPts val="0"/>
+              </a:spcAft>
+              <a:buSzPts val="1800"/>
+              <a:buChar char="●"/>
+            </a:pPr>
+            <a:r>
+              <a:rPr lang="en" sz="1600" dirty="0"/>
+              <a:t>Compared BM to </a:t>
+            </a:r>
+            <a:r>
+              <a:rPr lang="en" sz="1600" b="1" dirty="0"/>
+              <a:t>276 </a:t>
+            </a:r>
+            <a:r>
+              <a:rPr lang="en" sz="1600" dirty="0"/>
+              <a:t>resorts across &gt; </a:t>
+            </a:r>
+            <a:r>
+              <a:rPr lang="en" sz="1600" b="1" dirty="0"/>
+              <a:t>30</a:t>
+            </a:r>
+            <a:r>
+              <a:rPr lang="en" sz="1600" dirty="0"/>
+              <a:t> states. </a:t>
+            </a:r>
+            <a:endParaRPr sz="1600" dirty="0"/>
+          </a:p>
+          <a:p>
+            <a:pPr marL="457200" lvl="0" indent="-342900" algn="l" rtl="0">
+              <a:spcBef>
+                <a:spcPts val="0"/>
+              </a:spcBef>
+              <a:spcAft>
+                <a:spcPts val="0"/>
+              </a:spcAft>
+              <a:buSzPts val="1800"/>
+              <a:buChar char="●"/>
+            </a:pPr>
+            <a:r>
+              <a:rPr lang="en" sz="1600" dirty="0"/>
+              <a:t>Explored </a:t>
+            </a:r>
+            <a:r>
+              <a:rPr lang="en" sz="1600" b="1" dirty="0"/>
+              <a:t>36</a:t>
+            </a:r>
+            <a:r>
+              <a:rPr lang="en" sz="1600" dirty="0"/>
+              <a:t> variables on Weekend ticket prices.</a:t>
+            </a:r>
+            <a:endParaRPr sz="1600" dirty="0"/>
+          </a:p>
+          <a:p>
+            <a:pPr marL="457200" lvl="0" indent="-342900" algn="l" rtl="0">
+              <a:spcBef>
+                <a:spcPts val="0"/>
+              </a:spcBef>
+              <a:spcAft>
+                <a:spcPts val="0"/>
+              </a:spcAft>
+              <a:buSzPts val="1800"/>
+              <a:buChar char="●"/>
+            </a:pPr>
+            <a:r>
+              <a:rPr lang="en" sz="1600" dirty="0"/>
+              <a:t>BS Weekend Ticket Prices stand at </a:t>
+            </a:r>
+            <a:r>
+              <a:rPr lang="en" sz="1600" b="1" dirty="0"/>
+              <a:t>$81.</a:t>
+            </a:r>
+            <a:r>
+              <a:rPr lang="en" sz="1600" dirty="0"/>
+              <a:t> </a:t>
+            </a:r>
+          </a:p>
+          <a:p>
+            <a:pPr marL="457200" lvl="0" indent="-342900" algn="l" rtl="0">
+              <a:spcBef>
+                <a:spcPts val="0"/>
+              </a:spcBef>
+              <a:spcAft>
+                <a:spcPts val="0"/>
+              </a:spcAft>
+              <a:buSzPts val="1800"/>
+              <a:buChar char="●"/>
+            </a:pPr>
+            <a:r>
+              <a:rPr lang="en" sz="1600" dirty="0"/>
+              <a:t>Average of other resorts prices was </a:t>
+            </a:r>
+            <a:r>
+              <a:rPr lang="en" sz="1600" b="1" dirty="0"/>
+              <a:t>$64.</a:t>
+            </a:r>
+            <a:endParaRPr sz="1600" b="1" dirty="0"/>
+          </a:p>
+          <a:p>
+            <a:pPr marL="457200" lvl="0" indent="-342900" algn="l" rtl="0">
+              <a:spcBef>
+                <a:spcPts val="0"/>
+              </a:spcBef>
+              <a:spcAft>
+                <a:spcPts val="0"/>
+              </a:spcAft>
+              <a:buSzPts val="1800"/>
+              <a:buChar char="●"/>
+            </a:pPr>
+            <a:r>
+              <a:rPr lang="en" sz="1600" b="1" u="sng" dirty="0"/>
+              <a:t>Assumptions</a:t>
+            </a:r>
+            <a:r>
+              <a:rPr lang="en" sz="1600" dirty="0"/>
+              <a:t>:</a:t>
+            </a:r>
+          </a:p>
+          <a:p>
+            <a:pPr marL="114300" lvl="0" indent="0" algn="l" rtl="0">
+              <a:spcBef>
+                <a:spcPts val="0"/>
+              </a:spcBef>
+              <a:spcAft>
+                <a:spcPts val="0"/>
+              </a:spcAft>
+              <a:buSzPts val="1800"/>
+              <a:buNone/>
+            </a:pPr>
+            <a:r>
+              <a:rPr lang="en" sz="1600" dirty="0"/>
+              <a:t>	- Receiving </a:t>
+            </a:r>
+            <a:r>
+              <a:rPr lang="en" sz="1600" b="1" dirty="0"/>
+              <a:t>350,000</a:t>
+            </a:r>
+            <a:r>
+              <a:rPr lang="en" sz="1600" dirty="0"/>
+              <a:t> visitors. </a:t>
+            </a:r>
+          </a:p>
+          <a:p>
+            <a:pPr marL="114300" lvl="0" indent="0" algn="l" rtl="0">
+              <a:spcBef>
+                <a:spcPts val="0"/>
+              </a:spcBef>
+              <a:spcAft>
+                <a:spcPts val="0"/>
+              </a:spcAft>
+              <a:buSzPts val="1800"/>
+              <a:buNone/>
+            </a:pPr>
+            <a:r>
+              <a:rPr lang="en" sz="1600" dirty="0"/>
+              <a:t>	- Each visitor skis for </a:t>
+            </a:r>
+            <a:r>
+              <a:rPr lang="en" sz="1600" b="1" dirty="0"/>
+              <a:t>5</a:t>
+            </a:r>
+            <a:r>
+              <a:rPr lang="en" sz="1600" dirty="0"/>
+              <a:t> days on average.</a:t>
+            </a:r>
+          </a:p>
+          <a:p>
+            <a:r>
+              <a:rPr lang="en" sz="1600" dirty="0"/>
+              <a:t>Developed a model to evaluate which features influence ticket price</a:t>
+            </a:r>
+            <a:r>
+              <a:rPr lang="en" dirty="0"/>
+              <a:t>. </a:t>
+            </a:r>
+            <a:endParaRPr dirty="0"/>
+          </a:p>
+          <a:p>
+            <a:pPr marL="457200" lvl="0" indent="0" algn="l" rtl="0">
+              <a:spcBef>
+                <a:spcPts val="1200"/>
+              </a:spcBef>
+              <a:spcAft>
+                <a:spcPts val="0"/>
+              </a:spcAft>
+              <a:buNone/>
+            </a:pPr>
+            <a:endParaRPr dirty="0"/>
+          </a:p>
+          <a:p>
+            <a:pPr marL="457200" lvl="0" indent="0" algn="l" rtl="0">
+              <a:spcBef>
+                <a:spcPts val="1200"/>
+              </a:spcBef>
+              <a:spcAft>
+                <a:spcPts val="1200"/>
+              </a:spcAft>
+              <a:buNone/>
+            </a:pPr>
+            <a:endParaRPr dirty="0"/>
+          </a:p>
+        </p:txBody>
+      </p:sp>
+      <p:pic>
+        <p:nvPicPr>
+          <p:cNvPr id="3" name="Picture 2">
+            <a:extLst>
+              <a:ext uri="{FF2B5EF4-FFF2-40B4-BE49-F238E27FC236}">
+                <a16:creationId xmlns:a16="http://schemas.microsoft.com/office/drawing/2014/main" id="{2A4F6F87-A5F1-4CB0-AD5D-94D7511A6670}"/>
+              </a:ext>
+            </a:extLst>
+          </p:cNvPr>
+          <p:cNvPicPr>
+            <a:picLocks noChangeAspect="1"/>
+          </p:cNvPicPr>
+          <p:nvPr/>
+        </p:nvPicPr>
+        <p:blipFill>
+          <a:blip r:embed="rId3"/>
+          <a:stretch>
+            <a:fillRect/>
+          </a:stretch>
+        </p:blipFill>
+        <p:spPr>
+          <a:xfrm>
+            <a:off x="5628115" y="1613647"/>
+            <a:ext cx="3337956" cy="2699065"/>
           </a:xfrm>
           <a:prstGeom prst="rect">
             <a:avLst/>
           </a:prstGeom>
         </p:spPr>
+      </p:pic>
+      <p:sp>
+        <p:nvSpPr>
+          <p:cNvPr id="4" name="TextBox 3">
+            <a:extLst>
+              <a:ext uri="{FF2B5EF4-FFF2-40B4-BE49-F238E27FC236}">
+                <a16:creationId xmlns:a16="http://schemas.microsoft.com/office/drawing/2014/main" id="{F90ED6C8-69B9-4F16-925E-DB07FFD61CF6}"/>
+              </a:ext>
+            </a:extLst>
+          </p:cNvPr>
+          <p:cNvSpPr txBox="1"/>
+          <p:nvPr/>
+        </p:nvSpPr>
+        <p:spPr>
+          <a:xfrm>
+            <a:off x="5487409" y="4359777"/>
+            <a:ext cx="3478662" cy="246221"/>
+          </a:xfrm>
+          <a:prstGeom prst="rect">
+            <a:avLst/>
+          </a:prstGeom>
+          <a:noFill/>
+        </p:spPr>
         <p:txBody>
-          <a:bodyPr anchorCtr="0" anchor="t" bIns="91425" lIns="91425" spcFirstLastPara="1" rIns="91425" wrap="square" tIns="91425">
-            <a:normAutofit/>
+          <a:bodyPr wrap="square" rtlCol="0">
+            <a:spAutoFit/>
           </a:bodyPr>
           <a:lstStyle/>
           <a:p>
-            <a:pPr indent="-342900" lvl="0" marL="457200" rtl="0" algn="l">
-              <a:spcBef>
-                <a:spcPts val="0"/>
-              </a:spcBef>
-              <a:spcAft>
-                <a:spcPts val="0"/>
-              </a:spcAft>
-              <a:buSzPts val="1800"/>
-              <a:buChar char="●"/>
-            </a:pPr>
-            <a:r>
-              <a:rPr lang="en"/>
-              <a:t>We compared Big Mountain to over</a:t>
-            </a:r>
-            <a:r>
-              <a:rPr b="1" lang="en"/>
-              <a:t> 276 </a:t>
-            </a:r>
-            <a:r>
-              <a:rPr lang="en"/>
-              <a:t>ski resorts across</a:t>
-            </a:r>
-            <a:r>
-              <a:rPr lang="en"/>
-              <a:t> &gt; </a:t>
-            </a:r>
-            <a:r>
-              <a:rPr b="1" lang="en"/>
-              <a:t>30</a:t>
-            </a:r>
-            <a:r>
-              <a:rPr lang="en"/>
-              <a:t> states. </a:t>
-            </a:r>
-            <a:endParaRPr/>
-          </a:p>
-          <a:p>
-            <a:pPr indent="-342900" lvl="0" marL="457200" rtl="0" algn="l">
-              <a:spcBef>
-                <a:spcPts val="0"/>
-              </a:spcBef>
-              <a:spcAft>
-                <a:spcPts val="0"/>
-              </a:spcAft>
-              <a:buSzPts val="1800"/>
-              <a:buChar char="●"/>
-            </a:pPr>
-            <a:r>
-              <a:rPr lang="en"/>
-              <a:t>Explored over </a:t>
-            </a:r>
-            <a:r>
-              <a:rPr b="1" lang="en"/>
-              <a:t>36</a:t>
-            </a:r>
-            <a:r>
-              <a:rPr lang="en"/>
-              <a:t> different </a:t>
-            </a:r>
-            <a:r>
-              <a:rPr lang="en"/>
-              <a:t>parameters</a:t>
-            </a:r>
-            <a:r>
-              <a:rPr lang="en"/>
-              <a:t> on Weekend ticket prices.</a:t>
-            </a:r>
-            <a:endParaRPr/>
-          </a:p>
-          <a:p>
-            <a:pPr indent="-342900" lvl="0" marL="457200" rtl="0" algn="l">
-              <a:spcBef>
-                <a:spcPts val="0"/>
-              </a:spcBef>
-              <a:spcAft>
-                <a:spcPts val="0"/>
-              </a:spcAft>
-              <a:buSzPts val="1800"/>
-              <a:buChar char="●"/>
-            </a:pPr>
-            <a:r>
-              <a:rPr lang="en"/>
-              <a:t>BS Weekend Ticket Prices were at </a:t>
-            </a:r>
-            <a:r>
-              <a:rPr b="1" lang="en"/>
-              <a:t>$81</a:t>
-            </a:r>
-            <a:r>
-              <a:rPr lang="en"/>
-              <a:t>, average of other resorts was </a:t>
-            </a:r>
-            <a:r>
-              <a:rPr b="1" lang="en"/>
-              <a:t>$64</a:t>
-            </a:r>
-            <a:endParaRPr b="1"/>
-          </a:p>
-          <a:p>
-            <a:pPr indent="-342900" lvl="0" marL="457200" rtl="0" algn="l">
-              <a:spcBef>
-                <a:spcPts val="0"/>
-              </a:spcBef>
-              <a:spcAft>
-                <a:spcPts val="0"/>
-              </a:spcAft>
-              <a:buSzPts val="1800"/>
-              <a:buChar char="●"/>
-            </a:pPr>
-            <a:r>
-              <a:rPr lang="en"/>
-              <a:t>D</a:t>
-            </a:r>
-            <a:r>
-              <a:rPr lang="en"/>
-              <a:t>eveloped a model to evaluate which features influence ticket price. </a:t>
-            </a:r>
-            <a:endParaRPr/>
-          </a:p>
-          <a:p>
-            <a:pPr indent="-342900" lvl="0" marL="457200" rtl="0" algn="l">
-              <a:spcBef>
-                <a:spcPts val="0"/>
-              </a:spcBef>
-              <a:spcAft>
-                <a:spcPts val="0"/>
-              </a:spcAft>
-              <a:buSzPts val="1800"/>
-              <a:buChar char="●"/>
-            </a:pPr>
-            <a:r>
-              <a:rPr lang="en"/>
-              <a:t>Our model was able to predict price with a Mean Absolute Error of </a:t>
-            </a:r>
-            <a:r>
-              <a:rPr b="1" lang="en"/>
-              <a:t>~9$</a:t>
-            </a:r>
-            <a:r>
-              <a:rPr lang="en"/>
-              <a:t>. </a:t>
-            </a:r>
-            <a:endParaRPr/>
-          </a:p>
-          <a:p>
-            <a:pPr indent="0" lvl="0" marL="457200" rtl="0" algn="l">
-              <a:spcBef>
-                <a:spcPts val="1200"/>
-              </a:spcBef>
-              <a:spcAft>
-                <a:spcPts val="0"/>
-              </a:spcAft>
-              <a:buNone/>
-            </a:pPr>
-            <a:r>
-              <a:t/>
-            </a:r>
-            <a:endParaRPr/>
-          </a:p>
-          <a:p>
-            <a:pPr indent="0" lvl="0" marL="457200" rtl="0" algn="l">
-              <a:spcBef>
-                <a:spcPts val="1200"/>
-              </a:spcBef>
-              <a:spcAft>
-                <a:spcPts val="1200"/>
-              </a:spcAft>
-              <a:buNone/>
-            </a:pPr>
-            <a:r>
-              <a:t/>
-            </a:r>
-            <a:endParaRPr/>
+            <a:r>
+              <a:rPr lang="en-US" sz="1000" i="1" dirty="0"/>
+              <a:t>Scatterplot of variables explored that could influence price. </a:t>
+            </a:r>
           </a:p>
         </p:txBody>
       </p:sp>
@@ -8371,11 +8951,11 @@
 </file>
 
 <file path=ppt/slides/slide5.xml><?xml version="1.0" encoding="utf-8"?>
-<p:sld xmlns:a="http://schemas.openxmlformats.org/drawingml/2006/main" xmlns:r="http://schemas.openxmlformats.org/officeDocument/2006/relationships" xmlns:mc="http://schemas.openxmlformats.org/markup-compatibility/2006" xmlns:mv="urn:schemas-microsoft-com:mac:vml" xmlns:p="http://schemas.openxmlformats.org/presentationml/2006/main" xmlns:c="http://schemas.openxmlformats.org/drawingml/2006/chart" xmlns:dgm="http://schemas.openxmlformats.org/drawingml/2006/diagram" xmlns:o="urn:schemas-microsoft-com:office:office" xmlns:v="urn:schemas-microsoft-com:vml" xmlns:pvml="urn:schemas-microsoft-com:office:powerpoint" xmlns:com="http://schemas.openxmlformats.org/drawingml/2006/compatibility" xmlns:p14="http://schemas.microsoft.com/office/powerpoint/2010/main" xmlns:p15="http://schemas.microsoft.com/office/powerpoint/2012/main" xmlns:ahyp="http://schemas.microsoft.com/office/drawing/2018/hyperlinkcolor">
+<p:sld xmlns:a="http://schemas.openxmlformats.org/drawingml/2006/main" xmlns:r="http://schemas.openxmlformats.org/officeDocument/2006/relationships" xmlns:p="http://schemas.openxmlformats.org/presentationml/2006/main">
   <p:cSld>
     <p:spTree>
       <p:nvGrpSpPr>
-        <p:cNvPr id="95" name="Shape 95"/>
+        <p:cNvPr id="1" name="Shape 95"/>
         <p:cNvGrpSpPr/>
         <p:nvPr/>
       </p:nvGrpSpPr>
@@ -8390,7 +8970,9 @@
       <p:sp>
         <p:nvSpPr>
           <p:cNvPr id="96" name="Google Shape;96;p17"/>
-          <p:cNvSpPr txBox="1"/>
+          <p:cNvSpPr txBox="1">
+            <a:spLocks noGrp="1"/>
+          </p:cNvSpPr>
           <p:nvPr>
             <p:ph type="title"/>
           </p:nvPr>
@@ -8405,12 +8987,12 @@
           </a:prstGeom>
         </p:spPr>
         <p:txBody>
-          <a:bodyPr anchorCtr="0" anchor="t" bIns="91425" lIns="91425" spcFirstLastPara="1" rIns="91425" wrap="square" tIns="91425">
+          <a:bodyPr spcFirstLastPara="1" wrap="square" lIns="91425" tIns="91425" rIns="91425" bIns="91425" anchor="t" anchorCtr="0">
             <a:normAutofit fontScale="90000"/>
           </a:bodyPr>
           <a:lstStyle/>
           <a:p>
-            <a:pPr indent="0" lvl="0" marL="0" rtl="0" algn="l">
+            <a:pPr marL="0" lvl="0" indent="0" algn="l" rtl="0">
               <a:spcBef>
                 <a:spcPts val="0"/>
               </a:spcBef>
@@ -8420,13 +9002,17 @@
               <a:buNone/>
             </a:pPr>
             <a:r>
-              <a:rPr lang="en"/>
-              <a:t>Modeling Results and Analysis (1)</a:t>
-            </a:r>
-            <a:endParaRPr/>
-          </a:p>
-          <a:p>
-            <a:pPr indent="0" lvl="0" marL="0" rtl="0" algn="l">
+              <a:rPr lang="en" sz="2700" u="sng" dirty="0"/>
+              <a:t>Modeling Results and Analysis </a:t>
+            </a:r>
+            <a:r>
+              <a:rPr lang="en-US" sz="2700" u="sng" dirty="0"/>
+              <a:t>– Methods and Variables</a:t>
+            </a:r>
+            <a:endParaRPr sz="2700" u="sng" dirty="0"/>
+          </a:p>
+          <a:p>
+            <a:pPr marL="0" lvl="0" indent="0" algn="l" rtl="0">
               <a:spcBef>
                 <a:spcPts val="0"/>
               </a:spcBef>
@@ -8435,235 +9021,347 @@
               </a:spcAft>
               <a:buNone/>
             </a:pPr>
-            <a:r>
-              <a:t/>
-            </a:r>
-            <a:endParaRPr/>
+            <a:endParaRPr dirty="0"/>
           </a:p>
         </p:txBody>
       </p:sp>
       <p:sp>
         <p:nvSpPr>
           <p:cNvPr id="97" name="Google Shape;97;p17"/>
-          <p:cNvSpPr txBox="1"/>
+          <p:cNvSpPr txBox="1">
+            <a:spLocks noGrp="1"/>
+          </p:cNvSpPr>
           <p:nvPr>
-            <p:ph idx="1" type="body"/>
+            <p:ph type="body" idx="1"/>
           </p:nvPr>
         </p:nvSpPr>
         <p:spPr>
           <a:xfrm>
-            <a:off x="409850" y="1417800"/>
-            <a:ext cx="4498200" cy="3234900"/>
+            <a:off x="248484" y="1335820"/>
+            <a:ext cx="4908463" cy="3234900"/>
+          </a:xfrm>
+          <a:prstGeom prst="rect">
+            <a:avLst/>
+          </a:prstGeom>
+          <a:ln>
+            <a:solidFill>
+              <a:schemeClr val="tx1"/>
+            </a:solidFill>
+          </a:ln>
+        </p:spPr>
+        <p:txBody>
+          <a:bodyPr spcFirstLastPara="1" wrap="square" lIns="91425" tIns="91425" rIns="91425" bIns="91425" anchor="t" anchorCtr="0">
+            <a:normAutofit fontScale="70000" lnSpcReduction="20000"/>
+          </a:bodyPr>
+          <a:lstStyle/>
+          <a:p>
+            <a:pPr marL="457200" lvl="0" indent="-317182" algn="l" rtl="0">
+              <a:spcBef>
+                <a:spcPts val="0"/>
+              </a:spcBef>
+              <a:spcAft>
+                <a:spcPts val="0"/>
+              </a:spcAft>
+              <a:buSzPct val="100000"/>
+              <a:buChar char="●"/>
+            </a:pPr>
+            <a:r>
+              <a:rPr lang="en" dirty="0"/>
+              <a:t>Models explored were </a:t>
+            </a:r>
+            <a:r>
+              <a:rPr lang="en" b="1" i="1" dirty="0"/>
+              <a:t>linear regression </a:t>
+            </a:r>
+            <a:r>
+              <a:rPr lang="en" dirty="0"/>
+              <a:t>and </a:t>
+            </a:r>
+            <a:r>
+              <a:rPr lang="en" b="1" i="1" dirty="0"/>
+              <a:t>random-forest.</a:t>
+            </a:r>
+          </a:p>
+          <a:p>
+            <a:pPr marL="457200" lvl="0" indent="-317182" algn="l" rtl="0">
+              <a:spcBef>
+                <a:spcPts val="0"/>
+              </a:spcBef>
+              <a:spcAft>
+                <a:spcPts val="0"/>
+              </a:spcAft>
+              <a:buSzPct val="100000"/>
+              <a:buChar char="●"/>
+            </a:pPr>
+            <a:r>
+              <a:rPr lang="en" dirty="0"/>
+              <a:t>Chose the latter; performed better in predicting the mean. </a:t>
+            </a:r>
+            <a:endParaRPr dirty="0"/>
+          </a:p>
+          <a:p>
+            <a:pPr marL="457200" lvl="0" indent="-317182" algn="l" rtl="0">
+              <a:spcBef>
+                <a:spcPts val="1200"/>
+              </a:spcBef>
+              <a:spcAft>
+                <a:spcPts val="0"/>
+              </a:spcAft>
+              <a:buSzPct val="100000"/>
+              <a:buChar char="●"/>
+            </a:pPr>
+            <a:r>
+              <a:rPr lang="en" b="1" u="sng" dirty="0"/>
+              <a:t>Variables which influenced price the most (8):  </a:t>
+            </a:r>
+          </a:p>
+          <a:p>
+            <a:pPr marL="457200" lvl="0" indent="-317182" algn="l" rtl="0">
+              <a:spcBef>
+                <a:spcPts val="0"/>
+              </a:spcBef>
+              <a:spcAft>
+                <a:spcPts val="0"/>
+              </a:spcAft>
+              <a:buSzPct val="100000"/>
+              <a:buChar char="-"/>
+            </a:pPr>
+            <a:r>
+              <a:rPr lang="en" i="1" dirty="0"/>
+              <a:t>Vertical Drop</a:t>
+            </a:r>
+          </a:p>
+          <a:p>
+            <a:pPr marL="457200" lvl="0" indent="-317182" algn="l" rtl="0">
+              <a:spcBef>
+                <a:spcPts val="0"/>
+              </a:spcBef>
+              <a:spcAft>
+                <a:spcPts val="0"/>
+              </a:spcAft>
+              <a:buSzPct val="100000"/>
+              <a:buChar char="-"/>
+            </a:pPr>
+            <a:r>
+              <a:rPr lang="en" i="1" dirty="0"/>
+              <a:t>Snow Making</a:t>
+            </a:r>
+            <a:endParaRPr i="1" dirty="0"/>
+          </a:p>
+          <a:p>
+            <a:pPr marL="457200" lvl="0" indent="-317182" algn="l" rtl="0">
+              <a:spcBef>
+                <a:spcPts val="0"/>
+              </a:spcBef>
+              <a:spcAft>
+                <a:spcPts val="0"/>
+              </a:spcAft>
+              <a:buSzPct val="100000"/>
+              <a:buChar char="-"/>
+            </a:pPr>
+            <a:r>
+              <a:rPr lang="en" i="1" dirty="0"/>
+              <a:t>Total Chairs</a:t>
+            </a:r>
+            <a:endParaRPr i="1" dirty="0"/>
+          </a:p>
+          <a:p>
+            <a:pPr marL="457200" lvl="0" indent="-317182" algn="l" rtl="0">
+              <a:spcBef>
+                <a:spcPts val="0"/>
+              </a:spcBef>
+              <a:spcAft>
+                <a:spcPts val="0"/>
+              </a:spcAft>
+              <a:buSzPct val="100000"/>
+              <a:buChar char="-"/>
+            </a:pPr>
+            <a:r>
+              <a:rPr lang="en" i="1" dirty="0"/>
+              <a:t>Fast Quads</a:t>
+            </a:r>
+            <a:endParaRPr i="1" dirty="0"/>
+          </a:p>
+          <a:p>
+            <a:pPr marL="457200" lvl="0" indent="-317182" algn="l" rtl="0">
+              <a:spcBef>
+                <a:spcPts val="0"/>
+              </a:spcBef>
+              <a:spcAft>
+                <a:spcPts val="0"/>
+              </a:spcAft>
+              <a:buSzPct val="100000"/>
+              <a:buChar char="-"/>
+            </a:pPr>
+            <a:r>
+              <a:rPr lang="en" i="1" dirty="0"/>
+              <a:t>Runs </a:t>
+            </a:r>
+            <a:endParaRPr i="1" dirty="0"/>
+          </a:p>
+          <a:p>
+            <a:pPr marL="457200" lvl="0" indent="-317182" algn="l" rtl="0">
+              <a:spcBef>
+                <a:spcPts val="0"/>
+              </a:spcBef>
+              <a:spcAft>
+                <a:spcPts val="0"/>
+              </a:spcAft>
+              <a:buSzPct val="100000"/>
+              <a:buChar char="-"/>
+            </a:pPr>
+            <a:r>
+              <a:rPr lang="en" i="1" dirty="0"/>
+              <a:t>Longest Run </a:t>
+            </a:r>
+            <a:endParaRPr i="1" dirty="0"/>
+          </a:p>
+          <a:p>
+            <a:pPr marL="457200" lvl="0" indent="-317182" algn="l" rtl="0">
+              <a:spcBef>
+                <a:spcPts val="0"/>
+              </a:spcBef>
+              <a:spcAft>
+                <a:spcPts val="0"/>
+              </a:spcAft>
+              <a:buSzPct val="100000"/>
+              <a:buChar char="-"/>
+            </a:pPr>
+            <a:r>
+              <a:rPr lang="en" i="1" dirty="0"/>
+              <a:t>Trams</a:t>
+            </a:r>
+            <a:endParaRPr i="1" dirty="0"/>
+          </a:p>
+          <a:p>
+            <a:pPr marL="457200" lvl="0" indent="-317182" algn="l" rtl="0">
+              <a:spcBef>
+                <a:spcPts val="0"/>
+              </a:spcBef>
+              <a:spcAft>
+                <a:spcPts val="0"/>
+              </a:spcAft>
+              <a:buSzPct val="100000"/>
+              <a:buChar char="-"/>
+            </a:pPr>
+            <a:r>
+              <a:rPr lang="en" i="1" dirty="0"/>
+              <a:t>Skiable Terrain</a:t>
+            </a:r>
+          </a:p>
+          <a:p>
+            <a:pPr marL="140018" lvl="0" indent="0" algn="l" rtl="0">
+              <a:spcBef>
+                <a:spcPts val="0"/>
+              </a:spcBef>
+              <a:spcAft>
+                <a:spcPts val="0"/>
+              </a:spcAft>
+              <a:buSzPct val="100000"/>
+              <a:buNone/>
+            </a:pPr>
+            <a:endParaRPr lang="en" i="1" dirty="0"/>
+          </a:p>
+          <a:p>
+            <a:pPr marL="457200" lvl="0" indent="-342900" algn="l" rtl="0">
+              <a:spcBef>
+                <a:spcPts val="0"/>
+              </a:spcBef>
+              <a:spcAft>
+                <a:spcPts val="0"/>
+              </a:spcAft>
+              <a:buSzPts val="1800"/>
+              <a:buChar char="●"/>
+            </a:pPr>
+            <a:r>
+              <a:rPr lang="en-US" dirty="0"/>
+              <a:t>Our model was able to predict price with a Mean Absolute Error of </a:t>
+            </a:r>
+            <a:r>
+              <a:rPr lang="en-US" b="1" dirty="0"/>
+              <a:t>~$9</a:t>
+            </a:r>
+            <a:r>
+              <a:rPr lang="en-US" dirty="0"/>
+              <a:t>.</a:t>
+            </a:r>
+            <a:endParaRPr lang="en-US" sz="2000" dirty="0"/>
+          </a:p>
+          <a:p>
+            <a:pPr marL="140018" indent="0">
+              <a:spcBef>
+                <a:spcPts val="1200"/>
+              </a:spcBef>
+              <a:buSzPct val="100000"/>
+              <a:buNone/>
+            </a:pPr>
+            <a:endParaRPr lang="en" sz="1900" dirty="0"/>
+          </a:p>
+        </p:txBody>
+      </p:sp>
+      <p:pic>
+        <p:nvPicPr>
+          <p:cNvPr id="3" name="Picture 2">
+            <a:extLst>
+              <a:ext uri="{FF2B5EF4-FFF2-40B4-BE49-F238E27FC236}">
+                <a16:creationId xmlns:a16="http://schemas.microsoft.com/office/drawing/2014/main" id="{3EBA9FD3-7621-40A2-B2A6-F5D2AD6CF085}"/>
+              </a:ext>
+            </a:extLst>
+          </p:cNvPr>
+          <p:cNvPicPr>
+            <a:picLocks noChangeAspect="1"/>
+          </p:cNvPicPr>
+          <p:nvPr/>
+        </p:nvPicPr>
+        <p:blipFill>
+          <a:blip r:embed="rId3"/>
+          <a:stretch>
+            <a:fillRect/>
+          </a:stretch>
+        </p:blipFill>
+        <p:spPr>
+          <a:xfrm>
+            <a:off x="5266164" y="1479566"/>
+            <a:ext cx="3700607" cy="2891099"/>
           </a:xfrm>
           <a:prstGeom prst="rect">
             <a:avLst/>
           </a:prstGeom>
         </p:spPr>
+      </p:pic>
+      <p:sp>
+        <p:nvSpPr>
+          <p:cNvPr id="4" name="TextBox 3">
+            <a:extLst>
+              <a:ext uri="{FF2B5EF4-FFF2-40B4-BE49-F238E27FC236}">
+                <a16:creationId xmlns:a16="http://schemas.microsoft.com/office/drawing/2014/main" id="{592BCC29-F358-478F-A23F-6A0982FCA9F8}"/>
+              </a:ext>
+            </a:extLst>
+          </p:cNvPr>
+          <p:cNvSpPr txBox="1"/>
+          <p:nvPr/>
+        </p:nvSpPr>
+        <p:spPr>
+          <a:xfrm>
+            <a:off x="5863880" y="4370665"/>
+            <a:ext cx="2236232" cy="400110"/>
+          </a:xfrm>
+          <a:prstGeom prst="rect">
+            <a:avLst/>
+          </a:prstGeom>
+          <a:noFill/>
+        </p:spPr>
         <p:txBody>
-          <a:bodyPr anchorCtr="0" anchor="t" bIns="91425" lIns="91425" spcFirstLastPara="1" rIns="91425" wrap="square" tIns="91425">
-            <a:normAutofit fontScale="77500" lnSpcReduction="20000"/>
+          <a:bodyPr wrap="square" rtlCol="0">
+            <a:spAutoFit/>
           </a:bodyPr>
           <a:lstStyle/>
           <a:p>
-            <a:pPr indent="-317182" lvl="0" marL="457200" rtl="0" algn="l">
-              <a:spcBef>
-                <a:spcPts val="0"/>
-              </a:spcBef>
-              <a:spcAft>
-                <a:spcPts val="0"/>
-              </a:spcAft>
-              <a:buSzPct val="100000"/>
-              <a:buChar char="●"/>
-            </a:pPr>
-            <a:r>
-              <a:rPr lang="en"/>
-              <a:t>Models explored were </a:t>
-            </a:r>
-            <a:r>
-              <a:rPr b="1" i="1" lang="en"/>
-              <a:t>linear regression </a:t>
-            </a:r>
-            <a:r>
-              <a:rPr lang="en"/>
-              <a:t>and </a:t>
-            </a:r>
-            <a:r>
-              <a:rPr b="1" i="1" lang="en"/>
-              <a:t>random-forest</a:t>
-            </a:r>
-            <a:r>
-              <a:rPr lang="en"/>
-              <a:t>, chose the latter as performed better in predicting the mean. </a:t>
-            </a:r>
-            <a:endParaRPr/>
-          </a:p>
-          <a:p>
-            <a:pPr indent="0" lvl="0" marL="457200" rtl="0" algn="l">
-              <a:spcBef>
-                <a:spcPts val="1200"/>
-              </a:spcBef>
-              <a:spcAft>
-                <a:spcPts val="0"/>
-              </a:spcAft>
-              <a:buNone/>
-            </a:pPr>
-            <a:r>
-              <a:t/>
-            </a:r>
-            <a:endParaRPr/>
-          </a:p>
-          <a:p>
-            <a:pPr indent="-317182" lvl="0" marL="457200" rtl="0" algn="l">
-              <a:spcBef>
-                <a:spcPts val="1200"/>
-              </a:spcBef>
-              <a:spcAft>
-                <a:spcPts val="0"/>
-              </a:spcAft>
-              <a:buSzPct val="100000"/>
-              <a:buChar char="●"/>
-            </a:pPr>
-            <a:r>
-              <a:rPr lang="en"/>
-              <a:t>8 variables of interest which influenced price: </a:t>
-            </a:r>
-            <a:endParaRPr/>
-          </a:p>
-          <a:p>
-            <a:pPr indent="-317182" lvl="0" marL="457200" rtl="0" algn="l">
-              <a:spcBef>
-                <a:spcPts val="0"/>
-              </a:spcBef>
-              <a:spcAft>
-                <a:spcPts val="0"/>
-              </a:spcAft>
-              <a:buSzPct val="100000"/>
-              <a:buChar char="-"/>
-            </a:pPr>
-            <a:r>
-              <a:rPr lang="en"/>
-              <a:t>Vertical Drop</a:t>
-            </a:r>
-            <a:endParaRPr/>
-          </a:p>
-          <a:p>
-            <a:pPr indent="-317182" lvl="0" marL="457200" rtl="0" algn="l">
-              <a:spcBef>
-                <a:spcPts val="0"/>
-              </a:spcBef>
-              <a:spcAft>
-                <a:spcPts val="0"/>
-              </a:spcAft>
-              <a:buSzPct val="100000"/>
-              <a:buChar char="-"/>
-            </a:pPr>
-            <a:r>
-              <a:rPr lang="en"/>
-              <a:t>Snow Making</a:t>
-            </a:r>
-            <a:endParaRPr/>
-          </a:p>
-          <a:p>
-            <a:pPr indent="-317182" lvl="0" marL="457200" rtl="0" algn="l">
-              <a:spcBef>
-                <a:spcPts val="0"/>
-              </a:spcBef>
-              <a:spcAft>
-                <a:spcPts val="0"/>
-              </a:spcAft>
-              <a:buSzPct val="100000"/>
-              <a:buChar char="-"/>
-            </a:pPr>
-            <a:r>
-              <a:rPr lang="en"/>
-              <a:t>Total Chairs</a:t>
-            </a:r>
-            <a:endParaRPr/>
-          </a:p>
-          <a:p>
-            <a:pPr indent="-317182" lvl="0" marL="457200" rtl="0" algn="l">
-              <a:spcBef>
-                <a:spcPts val="0"/>
-              </a:spcBef>
-              <a:spcAft>
-                <a:spcPts val="0"/>
-              </a:spcAft>
-              <a:buSzPct val="100000"/>
-              <a:buChar char="-"/>
-            </a:pPr>
-            <a:r>
-              <a:rPr lang="en"/>
-              <a:t>Fast Quads</a:t>
-            </a:r>
-            <a:endParaRPr/>
-          </a:p>
-          <a:p>
-            <a:pPr indent="-317182" lvl="0" marL="457200" rtl="0" algn="l">
-              <a:spcBef>
-                <a:spcPts val="0"/>
-              </a:spcBef>
-              <a:spcAft>
-                <a:spcPts val="0"/>
-              </a:spcAft>
-              <a:buSzPct val="100000"/>
-              <a:buChar char="-"/>
-            </a:pPr>
-            <a:r>
-              <a:rPr lang="en"/>
-              <a:t>Runs </a:t>
-            </a:r>
-            <a:endParaRPr/>
-          </a:p>
-          <a:p>
-            <a:pPr indent="-317182" lvl="0" marL="457200" rtl="0" algn="l">
-              <a:spcBef>
-                <a:spcPts val="0"/>
-              </a:spcBef>
-              <a:spcAft>
-                <a:spcPts val="0"/>
-              </a:spcAft>
-              <a:buSzPct val="100000"/>
-              <a:buChar char="-"/>
-            </a:pPr>
-            <a:r>
-              <a:rPr lang="en"/>
-              <a:t>Longest Run </a:t>
-            </a:r>
-            <a:endParaRPr/>
-          </a:p>
-          <a:p>
-            <a:pPr indent="-317182" lvl="0" marL="457200" rtl="0" algn="l">
-              <a:spcBef>
-                <a:spcPts val="0"/>
-              </a:spcBef>
-              <a:spcAft>
-                <a:spcPts val="0"/>
-              </a:spcAft>
-              <a:buSzPct val="100000"/>
-              <a:buChar char="-"/>
-            </a:pPr>
-            <a:r>
-              <a:rPr lang="en"/>
-              <a:t>Trams</a:t>
-            </a:r>
-            <a:endParaRPr/>
-          </a:p>
-          <a:p>
-            <a:pPr indent="-317182" lvl="0" marL="457200" rtl="0" algn="l">
-              <a:spcBef>
-                <a:spcPts val="0"/>
-              </a:spcBef>
-              <a:spcAft>
-                <a:spcPts val="0"/>
-              </a:spcAft>
-              <a:buSzPct val="100000"/>
-              <a:buChar char="-"/>
-            </a:pPr>
-            <a:r>
-              <a:rPr lang="en"/>
-              <a:t>Skiable Terrain </a:t>
-            </a:r>
-            <a:endParaRPr/>
+            <a:pPr algn="ctr"/>
+            <a:r>
+              <a:rPr lang="en-US" sz="1000" i="1" dirty="0"/>
+              <a:t>Key Features which influenced Price in the Random Forest Model</a:t>
+            </a:r>
           </a:p>
         </p:txBody>
       </p:sp>
@@ -8676,11 +9374,11 @@
 </file>
 
 <file path=ppt/slides/slide6.xml><?xml version="1.0" encoding="utf-8"?>
-<p:sld xmlns:a="http://schemas.openxmlformats.org/drawingml/2006/main" xmlns:r="http://schemas.openxmlformats.org/officeDocument/2006/relationships" xmlns:mc="http://schemas.openxmlformats.org/markup-compatibility/2006" xmlns:mv="urn:schemas-microsoft-com:mac:vml" xmlns:p="http://schemas.openxmlformats.org/presentationml/2006/main" xmlns:c="http://schemas.openxmlformats.org/drawingml/2006/chart" xmlns:dgm="http://schemas.openxmlformats.org/drawingml/2006/diagram" xmlns:o="urn:schemas-microsoft-com:office:office" xmlns:v="urn:schemas-microsoft-com:vml" xmlns:pvml="urn:schemas-microsoft-com:office:powerpoint" xmlns:com="http://schemas.openxmlformats.org/drawingml/2006/compatibility" xmlns:p14="http://schemas.microsoft.com/office/powerpoint/2010/main" xmlns:p15="http://schemas.microsoft.com/office/powerpoint/2012/main" xmlns:ahyp="http://schemas.microsoft.com/office/drawing/2018/hyperlinkcolor">
+<p:sld xmlns:a="http://schemas.openxmlformats.org/drawingml/2006/main" xmlns:r="http://schemas.openxmlformats.org/officeDocument/2006/relationships" xmlns:p="http://schemas.openxmlformats.org/presentationml/2006/main">
   <p:cSld>
     <p:spTree>
       <p:nvGrpSpPr>
-        <p:cNvPr id="101" name="Shape 101"/>
+        <p:cNvPr id="1" name="Shape 101"/>
         <p:cNvGrpSpPr/>
         <p:nvPr/>
       </p:nvGrpSpPr>
@@ -8695,7 +9393,9 @@
       <p:sp>
         <p:nvSpPr>
           <p:cNvPr id="102" name="Google Shape;102;p18"/>
-          <p:cNvSpPr txBox="1"/>
+          <p:cNvSpPr txBox="1">
+            <a:spLocks noGrp="1"/>
+          </p:cNvSpPr>
           <p:nvPr>
             <p:ph type="title"/>
           </p:nvPr>
@@ -8703,19 +9403,19 @@
         <p:spPr>
           <a:xfrm>
             <a:off x="311700" y="372725"/>
-            <a:ext cx="8520600" cy="645000"/>
+            <a:ext cx="8603700" cy="645000"/>
           </a:xfrm>
           <a:prstGeom prst="rect">
             <a:avLst/>
           </a:prstGeom>
         </p:spPr>
         <p:txBody>
-          <a:bodyPr anchorCtr="0" anchor="t" bIns="91425" lIns="91425" spcFirstLastPara="1" rIns="91425" wrap="square" tIns="91425">
+          <a:bodyPr spcFirstLastPara="1" wrap="square" lIns="91425" tIns="91425" rIns="91425" bIns="91425" anchor="t" anchorCtr="0">
             <a:normAutofit fontScale="90000"/>
           </a:bodyPr>
           <a:lstStyle/>
           <a:p>
-            <a:pPr indent="0" lvl="0" marL="0" rtl="0" algn="l">
+            <a:pPr marL="0" lvl="0" indent="0" algn="l" rtl="0">
               <a:spcBef>
                 <a:spcPts val="0"/>
               </a:spcBef>
@@ -8725,10 +9425,10 @@
               <a:buNone/>
             </a:pPr>
             <a:r>
-              <a:rPr lang="en"/>
-              <a:t>Modeling Results - Big Mountain vs Competition</a:t>
-            </a:r>
-            <a:endParaRPr/>
+              <a:rPr lang="en" dirty="0"/>
+              <a:t>Modeling Results - Big Mountain vs. Competition</a:t>
+            </a:r>
+            <a:endParaRPr dirty="0"/>
           </a:p>
         </p:txBody>
       </p:sp>
@@ -8748,7 +9448,7 @@
         </p:blipFill>
         <p:spPr>
           <a:xfrm>
-            <a:off x="174275" y="1904275"/>
+            <a:off x="261681" y="1628610"/>
             <a:ext cx="4049049" cy="2464075"/>
           </a:xfrm>
           <a:prstGeom prst="rect">
@@ -8776,8 +9476,8 @@
         </p:blipFill>
         <p:spPr>
           <a:xfrm>
-            <a:off x="4434575" y="1904275"/>
-            <a:ext cx="4585734" cy="2464075"/>
+            <a:off x="4572000" y="1628610"/>
+            <a:ext cx="4049049" cy="2464075"/>
           </a:xfrm>
           <a:prstGeom prst="rect">
             <a:avLst/>
@@ -8797,11 +9497,11 @@
 </file>
 
 <file path=ppt/slides/slide7.xml><?xml version="1.0" encoding="utf-8"?>
-<p:sld xmlns:a="http://schemas.openxmlformats.org/drawingml/2006/main" xmlns:r="http://schemas.openxmlformats.org/officeDocument/2006/relationships" xmlns:mc="http://schemas.openxmlformats.org/markup-compatibility/2006" xmlns:mv="urn:schemas-microsoft-com:mac:vml" xmlns:p="http://schemas.openxmlformats.org/presentationml/2006/main" xmlns:c="http://schemas.openxmlformats.org/drawingml/2006/chart" xmlns:dgm="http://schemas.openxmlformats.org/drawingml/2006/diagram" xmlns:o="urn:schemas-microsoft-com:office:office" xmlns:v="urn:schemas-microsoft-com:vml" xmlns:pvml="urn:schemas-microsoft-com:office:powerpoint" xmlns:com="http://schemas.openxmlformats.org/drawingml/2006/compatibility" xmlns:p14="http://schemas.microsoft.com/office/powerpoint/2010/main" xmlns:p15="http://schemas.microsoft.com/office/powerpoint/2012/main" xmlns:ahyp="http://schemas.microsoft.com/office/drawing/2018/hyperlinkcolor">
+<p:sld xmlns:a="http://schemas.openxmlformats.org/drawingml/2006/main" xmlns:r="http://schemas.openxmlformats.org/officeDocument/2006/relationships" xmlns:p="http://schemas.openxmlformats.org/presentationml/2006/main">
   <p:cSld>
     <p:spTree>
       <p:nvGrpSpPr>
-        <p:cNvPr id="108" name="Shape 108"/>
+        <p:cNvPr id="1" name="Shape 108"/>
         <p:cNvGrpSpPr/>
         <p:nvPr/>
       </p:nvGrpSpPr>
@@ -8816,7 +9516,9 @@
       <p:sp>
         <p:nvSpPr>
           <p:cNvPr id="109" name="Google Shape;109;p19"/>
-          <p:cNvSpPr txBox="1"/>
+          <p:cNvSpPr txBox="1">
+            <a:spLocks noGrp="1"/>
+          </p:cNvSpPr>
           <p:nvPr>
             <p:ph type="title"/>
           </p:nvPr>
@@ -8824,19 +9526,19 @@
         <p:spPr>
           <a:xfrm>
             <a:off x="311700" y="372725"/>
-            <a:ext cx="8520600" cy="645000"/>
+            <a:ext cx="8630594" cy="645000"/>
           </a:xfrm>
           <a:prstGeom prst="rect">
             <a:avLst/>
           </a:prstGeom>
         </p:spPr>
         <p:txBody>
-          <a:bodyPr anchorCtr="0" anchor="t" bIns="91425" lIns="91425" spcFirstLastPara="1" rIns="91425" wrap="square" tIns="91425">
+          <a:bodyPr spcFirstLastPara="1" wrap="square" lIns="91425" tIns="91425" rIns="91425" bIns="91425" anchor="t" anchorCtr="0">
             <a:normAutofit fontScale="90000"/>
           </a:bodyPr>
           <a:lstStyle/>
           <a:p>
-            <a:pPr indent="0" lvl="0" marL="0" rtl="0" algn="l">
+            <a:pPr marL="0" lvl="0" indent="0" algn="l" rtl="0">
               <a:spcBef>
                 <a:spcPts val="0"/>
               </a:spcBef>
@@ -8846,10 +9548,10 @@
               <a:buNone/>
             </a:pPr>
             <a:r>
-              <a:rPr lang="en"/>
-              <a:t>Modeling Results - Big Mountain vs Competition</a:t>
-            </a:r>
-            <a:endParaRPr/>
+              <a:rPr lang="en" u="sng" dirty="0"/>
+              <a:t>Modeling Results - Big Mountain vs. Competition</a:t>
+            </a:r>
+            <a:endParaRPr u="sng" dirty="0"/>
           </a:p>
         </p:txBody>
       </p:sp>
@@ -8869,8 +9571,8 @@
         </p:blipFill>
         <p:spPr>
           <a:xfrm>
-            <a:off x="311700" y="1876925"/>
-            <a:ext cx="4157051" cy="2306425"/>
+            <a:off x="251189" y="1594536"/>
+            <a:ext cx="4085488" cy="2447620"/>
           </a:xfrm>
           <a:prstGeom prst="rect">
             <a:avLst/>
@@ -8897,8 +9599,8 @@
         </p:blipFill>
         <p:spPr>
           <a:xfrm>
-            <a:off x="4675250" y="1876925"/>
-            <a:ext cx="4060850" cy="2306425"/>
+            <a:off x="4641632" y="1594536"/>
+            <a:ext cx="4085488" cy="2447620"/>
           </a:xfrm>
           <a:prstGeom prst="rect">
             <a:avLst/>
@@ -8918,11 +9620,11 @@
 </file>
 
 <file path=ppt/slides/slide8.xml><?xml version="1.0" encoding="utf-8"?>
-<p:sld xmlns:a="http://schemas.openxmlformats.org/drawingml/2006/main" xmlns:r="http://schemas.openxmlformats.org/officeDocument/2006/relationships" xmlns:mc="http://schemas.openxmlformats.org/markup-compatibility/2006" xmlns:mv="urn:schemas-microsoft-com:mac:vml" xmlns:p="http://schemas.openxmlformats.org/presentationml/2006/main" xmlns:c="http://schemas.openxmlformats.org/drawingml/2006/chart" xmlns:dgm="http://schemas.openxmlformats.org/drawingml/2006/diagram" xmlns:o="urn:schemas-microsoft-com:office:office" xmlns:v="urn:schemas-microsoft-com:vml" xmlns:pvml="urn:schemas-microsoft-com:office:powerpoint" xmlns:com="http://schemas.openxmlformats.org/drawingml/2006/compatibility" xmlns:p14="http://schemas.microsoft.com/office/powerpoint/2010/main" xmlns:p15="http://schemas.microsoft.com/office/powerpoint/2012/main" xmlns:ahyp="http://schemas.microsoft.com/office/drawing/2018/hyperlinkcolor">
+<p:sld xmlns:a="http://schemas.openxmlformats.org/drawingml/2006/main" xmlns:r="http://schemas.openxmlformats.org/officeDocument/2006/relationships" xmlns:p="http://schemas.openxmlformats.org/presentationml/2006/main">
   <p:cSld>
     <p:spTree>
       <p:nvGrpSpPr>
-        <p:cNvPr id="115" name="Shape 115"/>
+        <p:cNvPr id="1" name="Shape 115"/>
         <p:cNvGrpSpPr/>
         <p:nvPr/>
       </p:nvGrpSpPr>
@@ -8937,27 +9639,29 @@
       <p:sp>
         <p:nvSpPr>
           <p:cNvPr id="116" name="Google Shape;116;p20"/>
-          <p:cNvSpPr txBox="1"/>
+          <p:cNvSpPr txBox="1">
+            <a:spLocks noGrp="1"/>
+          </p:cNvSpPr>
           <p:nvPr>
             <p:ph type="title"/>
           </p:nvPr>
         </p:nvSpPr>
         <p:spPr>
           <a:xfrm>
-            <a:off x="311700" y="372725"/>
-            <a:ext cx="8520600" cy="645000"/>
+            <a:off x="311699" y="372725"/>
+            <a:ext cx="8617147" cy="645000"/>
           </a:xfrm>
           <a:prstGeom prst="rect">
             <a:avLst/>
           </a:prstGeom>
         </p:spPr>
         <p:txBody>
-          <a:bodyPr anchorCtr="0" anchor="t" bIns="91425" lIns="91425" spcFirstLastPara="1" rIns="91425" wrap="square" tIns="91425">
+          <a:bodyPr spcFirstLastPara="1" wrap="square" lIns="91425" tIns="91425" rIns="91425" bIns="91425" anchor="t" anchorCtr="0">
             <a:normAutofit fontScale="90000"/>
           </a:bodyPr>
           <a:lstStyle/>
           <a:p>
-            <a:pPr indent="0" lvl="0" marL="0" rtl="0" algn="l">
+            <a:pPr marL="0" lvl="0" indent="0" algn="l" rtl="0">
               <a:spcBef>
                 <a:spcPts val="0"/>
               </a:spcBef>
@@ -8967,10 +9671,10 @@
               <a:buNone/>
             </a:pPr>
             <a:r>
-              <a:rPr lang="en"/>
-              <a:t>Modeling Results - Big Mountain vs Competition</a:t>
-            </a:r>
-            <a:endParaRPr/>
+              <a:rPr lang="en" u="sng" dirty="0"/>
+              <a:t>Modeling Results - Big Mountain vs. Competition</a:t>
+            </a:r>
+            <a:endParaRPr u="sng" dirty="0"/>
           </a:p>
         </p:txBody>
       </p:sp>
@@ -8990,8 +9694,8 @@
         </p:blipFill>
         <p:spPr>
           <a:xfrm>
-            <a:off x="311700" y="1906912"/>
-            <a:ext cx="4017350" cy="2308438"/>
+            <a:off x="311700" y="1653988"/>
+            <a:ext cx="4065318" cy="2386551"/>
           </a:xfrm>
           <a:prstGeom prst="rect">
             <a:avLst/>
@@ -9018,8 +9722,8 @@
         </p:blipFill>
         <p:spPr>
           <a:xfrm>
-            <a:off x="4572000" y="1906900"/>
-            <a:ext cx="4254012" cy="2308450"/>
+            <a:off x="4681559" y="1653988"/>
+            <a:ext cx="4065318" cy="2386563"/>
           </a:xfrm>
           <a:prstGeom prst="rect">
             <a:avLst/>
@@ -9039,11 +9743,11 @@
 </file>
 
 <file path=ppt/slides/slide9.xml><?xml version="1.0" encoding="utf-8"?>
-<p:sld xmlns:a="http://schemas.openxmlformats.org/drawingml/2006/main" xmlns:r="http://schemas.openxmlformats.org/officeDocument/2006/relationships" xmlns:mc="http://schemas.openxmlformats.org/markup-compatibility/2006" xmlns:mv="urn:schemas-microsoft-com:mac:vml" xmlns:p="http://schemas.openxmlformats.org/presentationml/2006/main" xmlns:c="http://schemas.openxmlformats.org/drawingml/2006/chart" xmlns:dgm="http://schemas.openxmlformats.org/drawingml/2006/diagram" xmlns:o="urn:schemas-microsoft-com:office:office" xmlns:v="urn:schemas-microsoft-com:vml" xmlns:pvml="urn:schemas-microsoft-com:office:powerpoint" xmlns:com="http://schemas.openxmlformats.org/drawingml/2006/compatibility" xmlns:p14="http://schemas.microsoft.com/office/powerpoint/2010/main" xmlns:p15="http://schemas.microsoft.com/office/powerpoint/2012/main" xmlns:ahyp="http://schemas.microsoft.com/office/drawing/2018/hyperlinkcolor">
+<p:sld xmlns:a="http://schemas.openxmlformats.org/drawingml/2006/main" xmlns:r="http://schemas.openxmlformats.org/officeDocument/2006/relationships" xmlns:p="http://schemas.openxmlformats.org/presentationml/2006/main">
   <p:cSld>
     <p:spTree>
       <p:nvGrpSpPr>
-        <p:cNvPr id="122" name="Shape 122"/>
+        <p:cNvPr id="1" name="Shape 122"/>
         <p:cNvGrpSpPr/>
         <p:nvPr/>
       </p:nvGrpSpPr>
@@ -9058,7 +9762,9 @@
       <p:sp>
         <p:nvSpPr>
           <p:cNvPr id="123" name="Google Shape;123;p21"/>
-          <p:cNvSpPr txBox="1"/>
+          <p:cNvSpPr txBox="1">
+            <a:spLocks noGrp="1"/>
+          </p:cNvSpPr>
           <p:nvPr>
             <p:ph type="title"/>
           </p:nvPr>
@@ -9073,12 +9779,12 @@
           </a:prstGeom>
         </p:spPr>
         <p:txBody>
-          <a:bodyPr anchorCtr="0" anchor="t" bIns="91425" lIns="91425" spcFirstLastPara="1" rIns="91425" wrap="square" tIns="91425">
+          <a:bodyPr spcFirstLastPara="1" wrap="square" lIns="91425" tIns="91425" rIns="91425" bIns="91425" anchor="t" anchorCtr="0">
             <a:normAutofit fontScale="90000"/>
           </a:bodyPr>
           <a:lstStyle/>
           <a:p>
-            <a:pPr indent="0" lvl="0" marL="0" rtl="0" algn="l">
+            <a:pPr marL="0" lvl="0" indent="0" algn="l" rtl="0">
               <a:spcBef>
                 <a:spcPts val="0"/>
               </a:spcBef>
@@ -9088,13 +9794,13 @@
               <a:buNone/>
             </a:pPr>
             <a:r>
-              <a:rPr lang="en"/>
+              <a:rPr lang="en" u="sng" dirty="0"/>
               <a:t>Modeling Results - Scenario Analysis Results </a:t>
             </a:r>
-            <a:endParaRPr/>
-          </a:p>
-          <a:p>
-            <a:pPr indent="0" lvl="0" marL="0" rtl="0" algn="l">
+            <a:endParaRPr u="sng" dirty="0"/>
+          </a:p>
+          <a:p>
+            <a:pPr marL="0" lvl="0" indent="0" algn="l" rtl="0">
               <a:spcBef>
                 <a:spcPts val="0"/>
               </a:spcBef>
@@ -9103,13 +9809,10 @@
               </a:spcAft>
               <a:buNone/>
             </a:pPr>
-            <a:r>
-              <a:t/>
-            </a:r>
-            <a:endParaRPr/>
-          </a:p>
-          <a:p>
-            <a:pPr indent="0" lvl="0" marL="0" rtl="0" algn="l">
+            <a:endParaRPr dirty="0"/>
+          </a:p>
+          <a:p>
+            <a:pPr marL="0" lvl="0" indent="0" algn="l" rtl="0">
               <a:spcBef>
                 <a:spcPts val="0"/>
               </a:spcBef>
@@ -9118,250 +9821,315 @@
               </a:spcAft>
               <a:buNone/>
             </a:pPr>
-            <a:r>
-              <a:t/>
-            </a:r>
-            <a:endParaRPr/>
+            <a:endParaRPr dirty="0"/>
           </a:p>
         </p:txBody>
       </p:sp>
       <p:sp>
         <p:nvSpPr>
           <p:cNvPr id="124" name="Google Shape;124;p21"/>
-          <p:cNvSpPr txBox="1"/>
+          <p:cNvSpPr txBox="1">
+            <a:spLocks noGrp="1"/>
+          </p:cNvSpPr>
           <p:nvPr>
-            <p:ph idx="1" type="body"/>
+            <p:ph type="body" idx="1"/>
           </p:nvPr>
         </p:nvSpPr>
         <p:spPr>
           <a:xfrm>
-            <a:off x="311700" y="1334950"/>
-            <a:ext cx="4674600" cy="3474900"/>
+            <a:off x="311700" y="1295875"/>
+            <a:ext cx="4509071" cy="3161825"/>
+          </a:xfrm>
+          <a:prstGeom prst="rect">
+            <a:avLst/>
+          </a:prstGeom>
+          <a:ln>
+            <a:solidFill>
+              <a:schemeClr val="tx1"/>
+            </a:solidFill>
+          </a:ln>
+        </p:spPr>
+        <p:txBody>
+          <a:bodyPr spcFirstLastPara="1" wrap="square" lIns="91425" tIns="91425" rIns="91425" bIns="91425" anchor="t" anchorCtr="0">
+            <a:normAutofit fontScale="62500" lnSpcReduction="20000"/>
+          </a:bodyPr>
+          <a:lstStyle/>
+          <a:p>
+            <a:pPr marL="457200" lvl="0" indent="-300037" algn="l" rtl="0">
+              <a:spcBef>
+                <a:spcPts val="0"/>
+              </a:spcBef>
+              <a:spcAft>
+                <a:spcPts val="0"/>
+              </a:spcAft>
+              <a:buSzPct val="100000"/>
+              <a:buChar char="●"/>
+            </a:pPr>
+            <a:r>
+              <a:rPr lang="en" b="1" u="sng" dirty="0"/>
+              <a:t>Scenario 1</a:t>
+            </a:r>
+            <a:r>
+              <a:rPr lang="en" b="1" dirty="0"/>
+              <a:t>: </a:t>
+            </a:r>
+            <a:r>
+              <a:rPr lang="en" dirty="0"/>
+              <a:t>  Closing down up to 10 of the least used runs. </a:t>
+            </a:r>
+            <a:endParaRPr dirty="0"/>
+          </a:p>
+          <a:p>
+            <a:pPr marL="457200" lvl="0" indent="0" algn="l" rtl="0">
+              <a:spcBef>
+                <a:spcPts val="1200"/>
+              </a:spcBef>
+              <a:spcAft>
+                <a:spcPts val="0"/>
+              </a:spcAft>
+              <a:buNone/>
+            </a:pPr>
+            <a:r>
+              <a:rPr lang="en" i="1" dirty="0"/>
+              <a:t>Result: </a:t>
+            </a:r>
+            <a:r>
+              <a:rPr lang="en" dirty="0"/>
+              <a:t> Supports reduction of prices up to </a:t>
+            </a:r>
+            <a:r>
+              <a:rPr lang="en" i="1" dirty="0"/>
+              <a:t>$3  </a:t>
+            </a:r>
+            <a:r>
+              <a:rPr lang="en" dirty="0"/>
+              <a:t>for ticket prices if 10 runs are closed. </a:t>
+            </a:r>
+            <a:r>
+              <a:rPr lang="en" b="1" dirty="0"/>
+              <a:t>5</a:t>
+            </a:r>
+            <a:r>
+              <a:rPr lang="en" dirty="0"/>
+              <a:t> is what would be recommended. </a:t>
+            </a:r>
+            <a:endParaRPr dirty="0"/>
+          </a:p>
+          <a:p>
+            <a:pPr marL="457200" lvl="0" indent="-300037" algn="l" rtl="0">
+              <a:spcBef>
+                <a:spcPts val="1200"/>
+              </a:spcBef>
+              <a:spcAft>
+                <a:spcPts val="0"/>
+              </a:spcAft>
+              <a:buSzPct val="100000"/>
+              <a:buChar char="●"/>
+            </a:pPr>
+            <a:r>
+              <a:rPr lang="en" b="1" u="sng" dirty="0"/>
+              <a:t>Scenario 2:</a:t>
+            </a:r>
+            <a:r>
+              <a:rPr lang="en" u="sng" dirty="0"/>
+              <a:t> </a:t>
+            </a:r>
+            <a:r>
+              <a:rPr lang="en" dirty="0"/>
+              <a:t> Increase the vertical drop + additional chairlift</a:t>
+            </a:r>
+            <a:endParaRPr dirty="0"/>
+          </a:p>
+          <a:p>
+            <a:pPr marL="457200" lvl="0" indent="0" algn="l" rtl="0">
+              <a:spcBef>
+                <a:spcPts val="1200"/>
+              </a:spcBef>
+              <a:spcAft>
+                <a:spcPts val="0"/>
+              </a:spcAft>
+              <a:buNone/>
+            </a:pPr>
+            <a:r>
+              <a:rPr lang="en" i="1" dirty="0"/>
+              <a:t>Result</a:t>
+            </a:r>
+            <a:r>
+              <a:rPr lang="en" dirty="0"/>
+              <a:t>: Supports an increase in ticket prices of </a:t>
+            </a:r>
+            <a:r>
+              <a:rPr lang="en" i="1" dirty="0"/>
+              <a:t>$1.99</a:t>
+            </a:r>
+            <a:r>
+              <a:rPr lang="en" dirty="0"/>
+              <a:t>, raising revenues by</a:t>
+            </a:r>
+            <a:r>
+              <a:rPr lang="en" i="1" dirty="0"/>
+              <a:t> $3.47 million</a:t>
+            </a:r>
+            <a:r>
+              <a:rPr lang="en" dirty="0"/>
+              <a:t>. </a:t>
+            </a:r>
+            <a:endParaRPr dirty="0"/>
+          </a:p>
+          <a:p>
+            <a:pPr marL="457200" lvl="0" indent="-300037" algn="l" rtl="0">
+              <a:spcBef>
+                <a:spcPts val="1200"/>
+              </a:spcBef>
+              <a:spcAft>
+                <a:spcPts val="0"/>
+              </a:spcAft>
+              <a:buSzPct val="100000"/>
+              <a:buChar char="●"/>
+            </a:pPr>
+            <a:r>
+              <a:rPr lang="en" b="1" u="sng" dirty="0"/>
+              <a:t>Scenario 3</a:t>
+            </a:r>
+            <a:r>
+              <a:rPr lang="en" b="1" dirty="0"/>
+              <a:t>: </a:t>
+            </a:r>
+            <a:r>
+              <a:rPr lang="en" dirty="0"/>
+              <a:t>Scenario 2 + 2 acres of snow making cover</a:t>
+            </a:r>
+            <a:endParaRPr dirty="0"/>
+          </a:p>
+          <a:p>
+            <a:pPr marL="457200" lvl="0" indent="0" algn="l" rtl="0">
+              <a:spcBef>
+                <a:spcPts val="1200"/>
+              </a:spcBef>
+              <a:spcAft>
+                <a:spcPts val="0"/>
+              </a:spcAft>
+              <a:buNone/>
+            </a:pPr>
+            <a:r>
+              <a:rPr lang="en" i="1" dirty="0"/>
+              <a:t>Result</a:t>
+            </a:r>
+            <a:r>
+              <a:rPr lang="en" dirty="0"/>
+              <a:t>: Same as scenario 2 but will have increased costs with snow making cover.</a:t>
+            </a:r>
+            <a:endParaRPr dirty="0"/>
+          </a:p>
+          <a:p>
+            <a:pPr marL="457200" lvl="0" indent="-300037" algn="l" rtl="0">
+              <a:spcBef>
+                <a:spcPts val="1200"/>
+              </a:spcBef>
+              <a:spcAft>
+                <a:spcPts val="0"/>
+              </a:spcAft>
+              <a:buSzPct val="100000"/>
+              <a:buChar char="●"/>
+            </a:pPr>
+            <a:r>
+              <a:rPr lang="en" b="1" u="sng" dirty="0"/>
+              <a:t>Scenario 4</a:t>
+            </a:r>
+            <a:r>
+              <a:rPr lang="en" b="1" dirty="0"/>
+              <a:t>:</a:t>
+            </a:r>
+            <a:r>
+              <a:rPr lang="en" dirty="0"/>
+              <a:t>  Increase the longest run by 0.2 miles</a:t>
+            </a:r>
+            <a:endParaRPr dirty="0"/>
+          </a:p>
+          <a:p>
+            <a:pPr marL="457200" lvl="0" indent="0" algn="l" rtl="0">
+              <a:spcBef>
+                <a:spcPts val="1200"/>
+              </a:spcBef>
+              <a:spcAft>
+                <a:spcPts val="1200"/>
+              </a:spcAft>
+              <a:buNone/>
+            </a:pPr>
+            <a:r>
+              <a:rPr lang="en" i="1" dirty="0"/>
+              <a:t>Result</a:t>
+            </a:r>
+            <a:r>
+              <a:rPr lang="en" dirty="0"/>
+              <a:t>: No effect on ticket prices</a:t>
+            </a:r>
+            <a:endParaRPr dirty="0"/>
+          </a:p>
+        </p:txBody>
+      </p:sp>
+      <p:pic>
+        <p:nvPicPr>
+          <p:cNvPr id="3" name="Picture 2">
+            <a:extLst>
+              <a:ext uri="{FF2B5EF4-FFF2-40B4-BE49-F238E27FC236}">
+                <a16:creationId xmlns:a16="http://schemas.microsoft.com/office/drawing/2014/main" id="{99A5B084-27B3-42E2-84E3-83C4B814D63B}"/>
+              </a:ext>
+            </a:extLst>
+          </p:cNvPr>
+          <p:cNvPicPr>
+            <a:picLocks noChangeAspect="1"/>
+          </p:cNvPicPr>
+          <p:nvPr/>
+        </p:nvPicPr>
+        <p:blipFill>
+          <a:blip r:embed="rId3"/>
+          <a:stretch>
+            <a:fillRect/>
+          </a:stretch>
+        </p:blipFill>
+        <p:spPr>
+          <a:xfrm>
+            <a:off x="4980504" y="1480412"/>
+            <a:ext cx="3995107" cy="2473023"/>
           </a:xfrm>
           <a:prstGeom prst="rect">
             <a:avLst/>
           </a:prstGeom>
         </p:spPr>
+      </p:pic>
+      <p:sp>
+        <p:nvSpPr>
+          <p:cNvPr id="4" name="TextBox 3">
+            <a:extLst>
+              <a:ext uri="{FF2B5EF4-FFF2-40B4-BE49-F238E27FC236}">
+                <a16:creationId xmlns:a16="http://schemas.microsoft.com/office/drawing/2014/main" id="{E94FAECD-302E-4E48-931C-6C644A79D9B8}"/>
+              </a:ext>
+            </a:extLst>
+          </p:cNvPr>
+          <p:cNvSpPr txBox="1"/>
+          <p:nvPr/>
+        </p:nvSpPr>
+        <p:spPr>
+          <a:xfrm>
+            <a:off x="6067019" y="4169901"/>
+            <a:ext cx="1822076" cy="246221"/>
+          </a:xfrm>
+          <a:prstGeom prst="rect">
+            <a:avLst/>
+          </a:prstGeom>
+          <a:noFill/>
+        </p:spPr>
         <p:txBody>
-          <a:bodyPr anchorCtr="0" anchor="t" bIns="91425" lIns="91425" spcFirstLastPara="1" rIns="91425" wrap="square" tIns="91425">
-            <a:normAutofit fontScale="62500"/>
+          <a:bodyPr wrap="square" rtlCol="0">
+            <a:spAutoFit/>
           </a:bodyPr>
           <a:lstStyle/>
           <a:p>
-            <a:pPr indent="-300037" lvl="0" marL="457200" rtl="0" algn="l">
-              <a:spcBef>
-                <a:spcPts val="0"/>
-              </a:spcBef>
-              <a:spcAft>
-                <a:spcPts val="0"/>
-              </a:spcAft>
-              <a:buSzPct val="100000"/>
-              <a:buChar char="●"/>
-            </a:pPr>
-            <a:r>
-              <a:rPr b="1" lang="en" u="sng"/>
-              <a:t>Scenario 1</a:t>
-            </a:r>
-            <a:r>
-              <a:rPr b="1" lang="en"/>
-              <a:t>: </a:t>
-            </a:r>
-            <a:r>
-              <a:rPr lang="en"/>
-              <a:t>  Closing down up to 10 of the least used runs. </a:t>
-            </a:r>
-            <a:endParaRPr/>
-          </a:p>
-          <a:p>
-            <a:pPr indent="0" lvl="0" marL="457200" rtl="0" algn="l">
-              <a:spcBef>
-                <a:spcPts val="1200"/>
-              </a:spcBef>
-              <a:spcAft>
-                <a:spcPts val="0"/>
-              </a:spcAft>
-              <a:buNone/>
-            </a:pPr>
-            <a:r>
-              <a:rPr i="1" lang="en"/>
-              <a:t>Result: </a:t>
-            </a:r>
-            <a:r>
-              <a:rPr lang="en"/>
-              <a:t> Supports reduction of prices up to </a:t>
-            </a:r>
-            <a:r>
-              <a:rPr i="1" lang="en"/>
-              <a:t>$3  </a:t>
-            </a:r>
-            <a:r>
-              <a:rPr lang="en"/>
-              <a:t>for ticket prices if 10 runs are closed. 5 is what would be </a:t>
-            </a:r>
-            <a:r>
-              <a:rPr lang="en"/>
-              <a:t>recommended</a:t>
-            </a:r>
-            <a:r>
-              <a:rPr lang="en"/>
-              <a:t>. </a:t>
-            </a:r>
-            <a:endParaRPr/>
-          </a:p>
-          <a:p>
-            <a:pPr indent="-300037" lvl="0" marL="457200" rtl="0" algn="l">
-              <a:spcBef>
-                <a:spcPts val="1200"/>
-              </a:spcBef>
-              <a:spcAft>
-                <a:spcPts val="0"/>
-              </a:spcAft>
-              <a:buSzPct val="100000"/>
-              <a:buChar char="●"/>
-            </a:pPr>
-            <a:r>
-              <a:rPr b="1" lang="en" u="sng"/>
-              <a:t>Scenario 2:</a:t>
-            </a:r>
-            <a:r>
-              <a:rPr lang="en" u="sng"/>
-              <a:t> </a:t>
-            </a:r>
-            <a:r>
-              <a:rPr lang="en"/>
-              <a:t> Increase the vertical drop + additional chairlift</a:t>
-            </a:r>
-            <a:endParaRPr/>
-          </a:p>
-          <a:p>
-            <a:pPr indent="0" lvl="0" marL="457200" rtl="0" algn="l">
-              <a:spcBef>
-                <a:spcPts val="1200"/>
-              </a:spcBef>
-              <a:spcAft>
-                <a:spcPts val="0"/>
-              </a:spcAft>
-              <a:buNone/>
-            </a:pPr>
-            <a:r>
-              <a:rPr i="1" lang="en"/>
-              <a:t>Result</a:t>
-            </a:r>
-            <a:r>
-              <a:rPr lang="en"/>
-              <a:t>: Supports an </a:t>
-            </a:r>
-            <a:r>
-              <a:rPr lang="en"/>
-              <a:t>increase in ticket prices of </a:t>
-            </a:r>
-            <a:r>
-              <a:rPr i="1" lang="en"/>
-              <a:t>$1.99</a:t>
-            </a:r>
-            <a:r>
-              <a:rPr lang="en"/>
-              <a:t>, raising revenues by</a:t>
-            </a:r>
-            <a:r>
-              <a:rPr i="1" lang="en"/>
-              <a:t> $3.47 million</a:t>
-            </a:r>
-            <a:r>
-              <a:rPr lang="en"/>
-              <a:t>. </a:t>
-            </a:r>
-            <a:endParaRPr/>
-          </a:p>
-          <a:p>
-            <a:pPr indent="-300037" lvl="0" marL="457200" rtl="0" algn="l">
-              <a:spcBef>
-                <a:spcPts val="1200"/>
-              </a:spcBef>
-              <a:spcAft>
-                <a:spcPts val="0"/>
-              </a:spcAft>
-              <a:buSzPct val="100000"/>
-              <a:buChar char="●"/>
-            </a:pPr>
-            <a:r>
-              <a:rPr b="1" lang="en" u="sng"/>
-              <a:t>Scenario 3</a:t>
-            </a:r>
-            <a:r>
-              <a:rPr b="1" lang="en"/>
-              <a:t>: </a:t>
-            </a:r>
-            <a:r>
-              <a:rPr lang="en"/>
-              <a:t>Scenario 2 + 2 acres of snow making cover</a:t>
-            </a:r>
-            <a:endParaRPr/>
-          </a:p>
-          <a:p>
-            <a:pPr indent="0" lvl="0" marL="457200" rtl="0" algn="l">
-              <a:spcBef>
-                <a:spcPts val="1200"/>
-              </a:spcBef>
-              <a:spcAft>
-                <a:spcPts val="0"/>
-              </a:spcAft>
-              <a:buNone/>
-            </a:pPr>
-            <a:r>
-              <a:rPr i="1" lang="en"/>
-              <a:t>Result</a:t>
-            </a:r>
-            <a:r>
-              <a:rPr lang="en"/>
-              <a:t>: Same as scenario 2 but will have increased costs with snow making cover.</a:t>
-            </a:r>
-            <a:endParaRPr/>
-          </a:p>
-          <a:p>
-            <a:pPr indent="-300037" lvl="0" marL="457200" rtl="0" algn="l">
-              <a:spcBef>
-                <a:spcPts val="1200"/>
-              </a:spcBef>
-              <a:spcAft>
-                <a:spcPts val="0"/>
-              </a:spcAft>
-              <a:buSzPct val="100000"/>
-              <a:buChar char="●"/>
-            </a:pPr>
-            <a:r>
-              <a:rPr b="1" lang="en" u="sng"/>
-              <a:t>Scenario 4</a:t>
-            </a:r>
-            <a:r>
-              <a:rPr b="1" lang="en"/>
-              <a:t>:</a:t>
-            </a:r>
-            <a:r>
-              <a:rPr lang="en"/>
-              <a:t>  Increase the longest run by 0.2 miles</a:t>
-            </a:r>
-            <a:endParaRPr/>
-          </a:p>
-          <a:p>
-            <a:pPr indent="0" lvl="0" marL="457200" rtl="0" algn="l">
-              <a:spcBef>
-                <a:spcPts val="1200"/>
-              </a:spcBef>
-              <a:spcAft>
-                <a:spcPts val="1200"/>
-              </a:spcAft>
-              <a:buNone/>
-            </a:pPr>
-            <a:r>
-              <a:rPr i="1" lang="en"/>
-              <a:t>Result</a:t>
-            </a:r>
-            <a:r>
-              <a:rPr lang="en"/>
-              <a:t>: No effect on ticket prices</a:t>
-            </a:r>
-            <a:endParaRPr/>
+            <a:r>
+              <a:rPr lang="en-US" sz="1000" i="1" dirty="0"/>
+              <a:t>Scenario 1 Modelling Results</a:t>
+            </a:r>
           </a:p>
         </p:txBody>
       </p:sp>
@@ -9374,7 +10142,7 @@
 </file>
 
 <file path=ppt/theme/theme1.xml><?xml version="1.0" encoding="utf-8"?>
-<a:theme xmlns:a="http://schemas.openxmlformats.org/drawingml/2006/main" xmlns:r="http://schemas.openxmlformats.org/officeDocument/2006/relationships" name="Blue &amp; Gold">
+<a:theme xmlns:a="http://schemas.openxmlformats.org/drawingml/2006/main" name="Blue &amp; Gold">
   <a:themeElements>
     <a:clrScheme name="Blue &amp; Gold">
       <a:dk1>
@@ -9649,11 +10417,13 @@
       </a:bgFillStyleLst>
     </a:fmtScheme>
   </a:themeElements>
+  <a:objectDefaults/>
+  <a:extraClrSchemeLst/>
 </a:theme>
 </file>
 
 <file path=ppt/theme/theme2.xml><?xml version="1.0" encoding="utf-8"?>
-<a:theme xmlns:a="http://schemas.openxmlformats.org/drawingml/2006/main" xmlns:r="http://schemas.openxmlformats.org/officeDocument/2006/relationships">
+<a:theme xmlns:a="http://schemas.openxmlformats.org/drawingml/2006/main">
   <a:themeElements>
     <a:clrScheme name="Default">
       <a:dk1>
@@ -9928,5 +10698,7 @@
       </a:bgFillStyleLst>
     </a:fmtScheme>
   </a:themeElements>
+  <a:objectDefaults/>
+  <a:extraClrSchemeLst/>
 </a:theme>
 </file>
--- a/Big_Mountain_Resort_Pricing_Strategy.pptx
+++ b/Big_Mountain_Resort_Pricing_Strategy.pptx
@@ -30,7 +30,7 @@
       <p:boldItalic r:id="rId16"/>
     </p:embeddedFont>
     <p:embeddedFont>
-      <p:font typeface="Playfair Display" panose="020B0604020202020204" pitchFamily="2" charset="0"/>
+      <p:font typeface="Playfair Display" panose="00000500000000000000" pitchFamily="2" charset="0"/>
       <p:regular r:id="rId17"/>
       <p:bold r:id="rId18"/>
       <p:italic r:id="rId19"/>
